--- a/Project-2/project_2_ppt.pptx
+++ b/Project-2/project_2_ppt.pptx
@@ -9,14 +9,13 @@
     <p:sldId id="257" r:id="rId3"/>
     <p:sldId id="266" r:id="rId4"/>
     <p:sldId id="259" r:id="rId5"/>
-    <p:sldId id="269" r:id="rId6"/>
-    <p:sldId id="270" r:id="rId7"/>
-    <p:sldId id="267" r:id="rId8"/>
-    <p:sldId id="260" r:id="rId9"/>
-    <p:sldId id="271" r:id="rId10"/>
-    <p:sldId id="261" r:id="rId11"/>
-    <p:sldId id="265" r:id="rId12"/>
-    <p:sldId id="264" r:id="rId13"/>
+    <p:sldId id="267" r:id="rId6"/>
+    <p:sldId id="260" r:id="rId7"/>
+    <p:sldId id="261" r:id="rId8"/>
+    <p:sldId id="263" r:id="rId9"/>
+    <p:sldId id="268" r:id="rId10"/>
+    <p:sldId id="265" r:id="rId11"/>
+    <p:sldId id="264" r:id="rId12"/>
   </p:sldIdLst>
   <p:sldSz cx="12192000" cy="6858000"/>
   <p:notesSz cx="6858000" cy="9144000"/>
@@ -115,11 +114,6 @@
       </a:defRPr>
     </a:lvl9pPr>
   </p:defaultTextStyle>
-  <p:extLst>
-    <p:ext uri="{EFAFB233-063F-42B5-8137-9DF3F51BA10A}">
-      <p15:sldGuideLst xmlns:p15="http://schemas.microsoft.com/office/powerpoint/2012/main"/>
-    </p:ext>
-  </p:extLst>
 </p:presentation>
 </file>
 
@@ -4207,30 +4201,6 @@
 <file path=ppt/slides/slide10.xml><?xml version="1.0" encoding="utf-8"?>
 <p:sld xmlns:a="http://schemas.openxmlformats.org/drawingml/2006/main" xmlns:r="http://schemas.openxmlformats.org/officeDocument/2006/relationships" xmlns:p="http://schemas.openxmlformats.org/presentationml/2006/main">
   <p:cSld>
-    <p:bg>
-      <p:bgPr>
-        <a:gradFill rotWithShape="1">
-          <a:gsLst>
-            <a:gs pos="0">
-              <a:schemeClr val="bg2">
-                <a:tint val="94000"/>
-                <a:satMod val="80000"/>
-                <a:lumMod val="106000"/>
-              </a:schemeClr>
-            </a:gs>
-            <a:gs pos="100000">
-              <a:schemeClr val="bg2">
-                <a:shade val="80000"/>
-              </a:schemeClr>
-            </a:gs>
-          </a:gsLst>
-          <a:path path="circle">
-            <a:fillToRect l="43000" r="43000" b="100000"/>
-          </a:path>
-        </a:gradFill>
-        <a:effectLst/>
-      </p:bgPr>
-    </p:bg>
     <p:spTree>
       <p:nvGrpSpPr>
         <p:cNvPr id="1" name=""/>
@@ -4247,637 +4217,6 @@
       </p:grpSpPr>
       <p:sp>
         <p:nvSpPr>
-          <p:cNvPr id="44" name="Rectangle 19">
-            <a:extLst>
-              <a:ext uri="{FF2B5EF4-FFF2-40B4-BE49-F238E27FC236}">
-                <a16:creationId xmlns:a16="http://schemas.microsoft.com/office/drawing/2014/main" id="{EEA869E1-F851-4A52-92F5-77E592B76A5B}"/>
-              </a:ext>
-              <a:ext uri="{C183D7F6-B498-43B3-948B-1728B52AA6E4}">
-                <adec:decorative xmlns:adec="http://schemas.microsoft.com/office/drawing/2017/decorative" val="1"/>
-              </a:ext>
-            </a:extLst>
-          </p:cNvPr>
-          <p:cNvSpPr>
-            <a:spLocks noGrp="1" noRot="1" noChangeAspect="1" noMove="1" noResize="1" noEditPoints="1" noAdjustHandles="1" noChangeArrowheads="1" noChangeShapeType="1" noTextEdit="1"/>
-          </p:cNvSpPr>
-          <p:nvPr>
-            <p:extLst>
-              <p:ext uri="{386F3935-93C4-4BCD-93E2-E3B085C9AB24}">
-                <p16:designElem xmlns:p16="http://schemas.microsoft.com/office/powerpoint/2015/main" val="1"/>
-              </p:ext>
-            </p:extLst>
-          </p:nvPr>
-        </p:nvSpPr>
-        <p:spPr>
-          <a:xfrm>
-            <a:off x="0" y="2019476"/>
-            <a:ext cx="12192000" cy="4105941"/>
-          </a:xfrm>
-          <a:prstGeom prst="rect">
-            <a:avLst/>
-          </a:prstGeom>
-          <a:gradFill flip="none" rotWithShape="1">
-            <a:gsLst>
-              <a:gs pos="0">
-                <a:schemeClr val="bg2">
-                  <a:alpha val="0"/>
-                </a:schemeClr>
-              </a:gs>
-              <a:gs pos="100000">
-                <a:schemeClr val="bg2"/>
-              </a:gs>
-            </a:gsLst>
-            <a:lin ang="5400000" scaled="0"/>
-            <a:tileRect/>
-          </a:gradFill>
-          <a:ln>
-            <a:noFill/>
-          </a:ln>
-        </p:spPr>
-        <p:style>
-          <a:lnRef idx="2">
-            <a:schemeClr val="accent1">
-              <a:shade val="50000"/>
-            </a:schemeClr>
-          </a:lnRef>
-          <a:fillRef idx="1">
-            <a:schemeClr val="accent1"/>
-          </a:fillRef>
-          <a:effectRef idx="0">
-            <a:schemeClr val="accent1"/>
-          </a:effectRef>
-          <a:fontRef idx="minor">
-            <a:schemeClr val="lt1"/>
-          </a:fontRef>
-        </p:style>
-      </p:sp>
-      <p:pic>
-        <p:nvPicPr>
-          <p:cNvPr id="45" name="Picture 21">
-            <a:extLst>
-              <a:ext uri="{FF2B5EF4-FFF2-40B4-BE49-F238E27FC236}">
-                <a16:creationId xmlns:a16="http://schemas.microsoft.com/office/drawing/2014/main" id="{B083AD55-8296-44BD-8E14-DD2DDBC351B0}"/>
-              </a:ext>
-              <a:ext uri="{C183D7F6-B498-43B3-948B-1728B52AA6E4}">
-                <adec:decorative xmlns:adec="http://schemas.microsoft.com/office/drawing/2017/decorative" val="1"/>
-              </a:ext>
-            </a:extLst>
-          </p:cNvPr>
-          <p:cNvPicPr>
-            <a:picLocks noGrp="1" noRot="1" noChangeAspect="1" noMove="1" noResize="1" noEditPoints="1" noAdjustHandles="1" noChangeArrowheads="1" noChangeShapeType="1" noCrop="1"/>
-          </p:cNvPicPr>
-          <p:nvPr>
-            <p:extLst>
-              <p:ext uri="{386F3935-93C4-4BCD-93E2-E3B085C9AB24}">
-                <p16:designElem xmlns:p16="http://schemas.microsoft.com/office/powerpoint/2015/main" val="1"/>
-              </p:ext>
-            </p:extLst>
-          </p:nvPr>
-        </p:nvPicPr>
-        <p:blipFill rotWithShape="1">
-          <a:blip r:embed="rId2">
-            <a:extLst>
-              <a:ext uri="{28A0092B-C50C-407E-A947-70E740481C1C}">
-                <a14:useLocalDpi xmlns:a14="http://schemas.microsoft.com/office/drawing/2010/main" val="0"/>
-              </a:ext>
-            </a:extLst>
-          </a:blip>
-          <a:srcRect t="1538" b="-1538"/>
-          <a:stretch/>
-        </p:blipFill>
-        <p:spPr bwMode="black">
-          <a:xfrm>
-            <a:off x="0" y="6126480"/>
-            <a:ext cx="12192000" cy="742950"/>
-          </a:xfrm>
-          <a:prstGeom prst="rect">
-            <a:avLst/>
-          </a:prstGeom>
-        </p:spPr>
-      </p:pic>
-      <p:cxnSp>
-        <p:nvCxnSpPr>
-          <p:cNvPr id="46" name="Straight Connector 23">
-            <a:extLst>
-              <a:ext uri="{FF2B5EF4-FFF2-40B4-BE49-F238E27FC236}">
-                <a16:creationId xmlns:a16="http://schemas.microsoft.com/office/drawing/2014/main" id="{2BF46B26-15FC-4C5A-94FA-AE9ED64B5C20}"/>
-              </a:ext>
-              <a:ext uri="{C183D7F6-B498-43B3-948B-1728B52AA6E4}">
-                <adec:decorative xmlns:adec="http://schemas.microsoft.com/office/drawing/2017/decorative" val="1"/>
-              </a:ext>
-            </a:extLst>
-          </p:cNvPr>
-          <p:cNvCxnSpPr>
-            <a:cxnSpLocks noGrp="1" noRot="1" noChangeAspect="1" noMove="1" noResize="1" noEditPoints="1" noAdjustHandles="1" noChangeArrowheads="1" noChangeShapeType="1"/>
-          </p:cNvCxnSpPr>
-          <p:nvPr>
-            <p:extLst>
-              <p:ext uri="{386F3935-93C4-4BCD-93E2-E3B085C9AB24}">
-                <p16:designElem xmlns:p16="http://schemas.microsoft.com/office/powerpoint/2015/main" val="1"/>
-              </p:ext>
-            </p:extLst>
-          </p:nvPr>
-        </p:nvCxnSpPr>
-        <p:spPr>
-          <a:xfrm>
-            <a:off x="0" y="6128413"/>
-            <a:ext cx="12192000" cy="0"/>
-          </a:xfrm>
-          <a:prstGeom prst="line">
-            <a:avLst/>
-          </a:prstGeom>
-          <a:ln w="12700">
-            <a:solidFill>
-              <a:srgbClr val="000001">
-                <a:alpha val="20000"/>
-              </a:srgbClr>
-            </a:solidFill>
-          </a:ln>
-        </p:spPr>
-        <p:style>
-          <a:lnRef idx="1">
-            <a:schemeClr val="accent1"/>
-          </a:lnRef>
-          <a:fillRef idx="0">
-            <a:schemeClr val="accent1"/>
-          </a:fillRef>
-          <a:effectRef idx="0">
-            <a:schemeClr val="accent1"/>
-          </a:effectRef>
-          <a:fontRef idx="minor">
-            <a:schemeClr val="tx1"/>
-          </a:fontRef>
-        </p:style>
-      </p:cxnSp>
-      <p:cxnSp>
-        <p:nvCxnSpPr>
-          <p:cNvPr id="47" name="Straight Connector 25">
-            <a:extLst>
-              <a:ext uri="{FF2B5EF4-FFF2-40B4-BE49-F238E27FC236}">
-                <a16:creationId xmlns:a16="http://schemas.microsoft.com/office/drawing/2014/main" id="{912F6065-5345-44BD-B66E-5487CCD7A9B9}"/>
-              </a:ext>
-              <a:ext uri="{C183D7F6-B498-43B3-948B-1728B52AA6E4}">
-                <adec:decorative xmlns:adec="http://schemas.microsoft.com/office/drawing/2017/decorative" val="1"/>
-              </a:ext>
-            </a:extLst>
-          </p:cNvPr>
-          <p:cNvCxnSpPr>
-            <a:cxnSpLocks noGrp="1" noRot="1" noChangeAspect="1" noMove="1" noResize="1" noEditPoints="1" noAdjustHandles="1" noChangeArrowheads="1" noChangeShapeType="1"/>
-          </p:cNvCxnSpPr>
-          <p:nvPr>
-            <p:extLst>
-              <p:ext uri="{386F3935-93C4-4BCD-93E2-E3B085C9AB24}">
-                <p16:designElem xmlns:p16="http://schemas.microsoft.com/office/powerpoint/2015/main" val="1"/>
-              </p:ext>
-            </p:extLst>
-          </p:nvPr>
-        </p:nvCxnSpPr>
-        <p:spPr>
-          <a:xfrm>
-            <a:off x="2417780" y="3528542"/>
-            <a:ext cx="8637072" cy="0"/>
-          </a:xfrm>
-          <a:prstGeom prst="line">
-            <a:avLst/>
-          </a:prstGeom>
-          <a:ln w="31750"/>
-        </p:spPr>
-        <p:style>
-          <a:lnRef idx="3">
-            <a:schemeClr val="accent1"/>
-          </a:lnRef>
-          <a:fillRef idx="0">
-            <a:schemeClr val="accent1"/>
-          </a:fillRef>
-          <a:effectRef idx="2">
-            <a:schemeClr val="accent1"/>
-          </a:effectRef>
-          <a:fontRef idx="minor">
-            <a:schemeClr val="tx1"/>
-          </a:fontRef>
-        </p:style>
-      </p:cxnSp>
-      <p:sp useBgFill="1">
-        <p:nvSpPr>
-          <p:cNvPr id="48" name="Rectangle 27">
-            <a:extLst>
-              <a:ext uri="{FF2B5EF4-FFF2-40B4-BE49-F238E27FC236}">
-                <a16:creationId xmlns:a16="http://schemas.microsoft.com/office/drawing/2014/main" id="{0EF77632-1A0C-4B9F-829B-226E68A78E9F}"/>
-              </a:ext>
-              <a:ext uri="{C183D7F6-B498-43B3-948B-1728B52AA6E4}">
-                <adec:decorative xmlns:adec="http://schemas.microsoft.com/office/drawing/2017/decorative" val="1"/>
-              </a:ext>
-            </a:extLst>
-          </p:cNvPr>
-          <p:cNvSpPr>
-            <a:spLocks noGrp="1" noRot="1" noChangeAspect="1" noMove="1" noResize="1" noEditPoints="1" noAdjustHandles="1" noChangeArrowheads="1" noChangeShapeType="1" noTextEdit="1"/>
-          </p:cNvSpPr>
-          <p:nvPr>
-            <p:extLst>
-              <p:ext uri="{386F3935-93C4-4BCD-93E2-E3B085C9AB24}">
-                <p16:designElem xmlns:p16="http://schemas.microsoft.com/office/powerpoint/2015/main" val="1"/>
-              </p:ext>
-            </p:extLst>
-          </p:nvPr>
-        </p:nvSpPr>
-        <p:spPr>
-          <a:xfrm>
-            <a:off x="2" y="0"/>
-            <a:ext cx="12191695" cy="6858000"/>
-          </a:xfrm>
-          <a:prstGeom prst="rect">
-            <a:avLst/>
-          </a:prstGeom>
-          <a:ln>
-            <a:noFill/>
-          </a:ln>
-        </p:spPr>
-        <p:style>
-          <a:lnRef idx="2">
-            <a:schemeClr val="accent1">
-              <a:shade val="50000"/>
-            </a:schemeClr>
-          </a:lnRef>
-          <a:fillRef idx="1">
-            <a:schemeClr val="accent1"/>
-          </a:fillRef>
-          <a:effectRef idx="0">
-            <a:schemeClr val="accent1"/>
-          </a:effectRef>
-          <a:fontRef idx="minor">
-            <a:schemeClr val="lt1"/>
-          </a:fontRef>
-        </p:style>
-        <p:txBody>
-          <a:bodyPr rtlCol="0" anchor="ctr"/>
-          <a:lstStyle/>
-          <a:p>
-            <a:pPr algn="ctr"/>
-            <a:endParaRPr lang="en-US"/>
-          </a:p>
-        </p:txBody>
-      </p:sp>
-      <p:sp>
-        <p:nvSpPr>
-          <p:cNvPr id="49" name="Rectangle 29">
-            <a:extLst>
-              <a:ext uri="{FF2B5EF4-FFF2-40B4-BE49-F238E27FC236}">
-                <a16:creationId xmlns:a16="http://schemas.microsoft.com/office/drawing/2014/main" id="{F3DCFC27-6BCE-42B6-8372-070EA07685D7}"/>
-              </a:ext>
-              <a:ext uri="{C183D7F6-B498-43B3-948B-1728B52AA6E4}">
-                <adec:decorative xmlns:adec="http://schemas.microsoft.com/office/drawing/2017/decorative" val="1"/>
-              </a:ext>
-            </a:extLst>
-          </p:cNvPr>
-          <p:cNvSpPr>
-            <a:spLocks noGrp="1" noRot="1" noChangeAspect="1" noMove="1" noResize="1" noEditPoints="1" noAdjustHandles="1" noChangeArrowheads="1" noChangeShapeType="1" noTextEdit="1"/>
-          </p:cNvSpPr>
-          <p:nvPr>
-            <p:extLst>
-              <p:ext uri="{386F3935-93C4-4BCD-93E2-E3B085C9AB24}">
-                <p16:designElem xmlns:p16="http://schemas.microsoft.com/office/powerpoint/2015/main" val="1"/>
-              </p:ext>
-            </p:extLst>
-          </p:nvPr>
-        </p:nvSpPr>
-        <p:spPr>
-          <a:xfrm>
-            <a:off x="0" y="2019476"/>
-            <a:ext cx="12192000" cy="4105941"/>
-          </a:xfrm>
-          <a:prstGeom prst="rect">
-            <a:avLst/>
-          </a:prstGeom>
-          <a:gradFill flip="none" rotWithShape="1">
-            <a:gsLst>
-              <a:gs pos="0">
-                <a:schemeClr val="bg2">
-                  <a:alpha val="0"/>
-                </a:schemeClr>
-              </a:gs>
-              <a:gs pos="100000">
-                <a:schemeClr val="bg2"/>
-              </a:gs>
-            </a:gsLst>
-            <a:lin ang="5400000" scaled="0"/>
-            <a:tileRect/>
-          </a:gradFill>
-          <a:ln>
-            <a:noFill/>
-          </a:ln>
-        </p:spPr>
-        <p:style>
-          <a:lnRef idx="2">
-            <a:schemeClr val="accent1">
-              <a:shade val="50000"/>
-            </a:schemeClr>
-          </a:lnRef>
-          <a:fillRef idx="1">
-            <a:schemeClr val="accent1"/>
-          </a:fillRef>
-          <a:effectRef idx="0">
-            <a:schemeClr val="accent1"/>
-          </a:effectRef>
-          <a:fontRef idx="minor">
-            <a:schemeClr val="lt1"/>
-          </a:fontRef>
-        </p:style>
-        <p:txBody>
-          <a:bodyPr rtlCol="0" anchor="ctr"/>
-          <a:lstStyle/>
-          <a:p>
-            <a:pPr lvl="0" algn="ctr"/>
-            <a:endParaRPr lang="en-US"/>
-          </a:p>
-        </p:txBody>
-      </p:sp>
-      <p:sp>
-        <p:nvSpPr>
-          <p:cNvPr id="2" name="Title 1">
-            <a:extLst>
-              <a:ext uri="{FF2B5EF4-FFF2-40B4-BE49-F238E27FC236}">
-                <a16:creationId xmlns:a16="http://schemas.microsoft.com/office/drawing/2014/main" id="{639968D1-C9CD-C24C-B248-A7999E67C43D}"/>
-              </a:ext>
-            </a:extLst>
-          </p:cNvPr>
-          <p:cNvSpPr>
-            <a:spLocks noGrp="1"/>
-          </p:cNvSpPr>
-          <p:nvPr>
-            <p:ph type="title"/>
-          </p:nvPr>
-        </p:nvSpPr>
-        <p:spPr>
-          <a:xfrm>
-            <a:off x="1776424" y="4460798"/>
-            <a:ext cx="8637073" cy="558063"/>
-          </a:xfrm>
-        </p:spPr>
-        <p:txBody>
-          <a:bodyPr vert="horz" lIns="91440" tIns="45720" rIns="91440" bIns="0" rtlCol="0" anchor="b">
-            <a:normAutofit/>
-          </a:bodyPr>
-          <a:lstStyle/>
-          <a:p>
-            <a:r>
-              <a:rPr lang="en-US" sz="3600"/>
-              <a:t>Game  UI</a:t>
-            </a:r>
-          </a:p>
-        </p:txBody>
-      </p:sp>
-      <p:pic>
-        <p:nvPicPr>
-          <p:cNvPr id="4" name="Picture 3">
-            <a:extLst>
-              <a:ext uri="{FF2B5EF4-FFF2-40B4-BE49-F238E27FC236}">
-                <a16:creationId xmlns:a16="http://schemas.microsoft.com/office/drawing/2014/main" id="{9DDB195C-2145-4C22-9080-14B311D0AC62}"/>
-              </a:ext>
-            </a:extLst>
-          </p:cNvPr>
-          <p:cNvPicPr>
-            <a:picLocks noChangeAspect="1"/>
-          </p:cNvPicPr>
-          <p:nvPr/>
-        </p:nvPicPr>
-        <p:blipFill>
-          <a:blip r:embed="rId3">
-            <a:extLst>
-              <a:ext uri="{28A0092B-C50C-407E-A947-70E740481C1C}">
-                <a14:useLocalDpi xmlns:a14="http://schemas.microsoft.com/office/drawing/2010/main" val="0"/>
-              </a:ext>
-            </a:extLst>
-          </a:blip>
-          <a:stretch>
-            <a:fillRect/>
-          </a:stretch>
-        </p:blipFill>
-        <p:spPr>
-          <a:xfrm>
-            <a:off x="393565" y="729587"/>
-            <a:ext cx="5620010" cy="2669504"/>
-          </a:xfrm>
-          <a:prstGeom prst="rect">
-            <a:avLst/>
-          </a:prstGeom>
-        </p:spPr>
-      </p:pic>
-      <p:pic>
-        <p:nvPicPr>
-          <p:cNvPr id="15" name="Content Placeholder 14">
-            <a:extLst>
-              <a:ext uri="{FF2B5EF4-FFF2-40B4-BE49-F238E27FC236}">
-                <a16:creationId xmlns:a16="http://schemas.microsoft.com/office/drawing/2014/main" id="{43897C75-3054-40E4-A5D6-668519210903}"/>
-              </a:ext>
-            </a:extLst>
-          </p:cNvPr>
-          <p:cNvPicPr>
-            <a:picLocks noGrp="1" noChangeAspect="1"/>
-          </p:cNvPicPr>
-          <p:nvPr>
-            <p:ph idx="1"/>
-          </p:nvPr>
-        </p:nvPicPr>
-        <p:blipFill>
-          <a:blip r:embed="rId4">
-            <a:extLst>
-              <a:ext uri="{28A0092B-C50C-407E-A947-70E740481C1C}">
-                <a14:useLocalDpi xmlns:a14="http://schemas.microsoft.com/office/drawing/2010/main" val="0"/>
-              </a:ext>
-            </a:extLst>
-          </a:blip>
-          <a:stretch>
-            <a:fillRect/>
-          </a:stretch>
-        </p:blipFill>
-        <p:spPr>
-          <a:xfrm>
-            <a:off x="6171060" y="1000133"/>
-            <a:ext cx="5881702" cy="2176230"/>
-          </a:xfrm>
-          <a:prstGeom prst="rect">
-            <a:avLst/>
-          </a:prstGeom>
-        </p:spPr>
-      </p:pic>
-      <p:cxnSp>
-        <p:nvCxnSpPr>
-          <p:cNvPr id="50" name="Straight Connector 31">
-            <a:extLst>
-              <a:ext uri="{FF2B5EF4-FFF2-40B4-BE49-F238E27FC236}">
-                <a16:creationId xmlns:a16="http://schemas.microsoft.com/office/drawing/2014/main" id="{96A4B1E0-284C-4A01-8141-A24D2B8EE093}"/>
-              </a:ext>
-              <a:ext uri="{C183D7F6-B498-43B3-948B-1728B52AA6E4}">
-                <adec:decorative xmlns:adec="http://schemas.microsoft.com/office/drawing/2017/decorative" val="1"/>
-              </a:ext>
-            </a:extLst>
-          </p:cNvPr>
-          <p:cNvCxnSpPr>
-            <a:cxnSpLocks noGrp="1" noRot="1" noChangeAspect="1" noMove="1" noResize="1" noEditPoints="1" noAdjustHandles="1" noChangeArrowheads="1" noChangeShapeType="1"/>
-          </p:cNvCxnSpPr>
-          <p:nvPr>
-            <p:extLst>
-              <p:ext uri="{386F3935-93C4-4BCD-93E2-E3B085C9AB24}">
-                <p16:designElem xmlns:p16="http://schemas.microsoft.com/office/powerpoint/2015/main" val="1"/>
-              </p:ext>
-            </p:extLst>
-          </p:nvPr>
-        </p:nvCxnSpPr>
-        <p:spPr>
-          <a:xfrm>
-            <a:off x="1776728" y="5027185"/>
-            <a:ext cx="8643010" cy="0"/>
-          </a:xfrm>
-          <a:prstGeom prst="line">
-            <a:avLst/>
-          </a:prstGeom>
-          <a:ln w="31750"/>
-        </p:spPr>
-        <p:style>
-          <a:lnRef idx="3">
-            <a:schemeClr val="accent1"/>
-          </a:lnRef>
-          <a:fillRef idx="0">
-            <a:schemeClr val="accent1"/>
-          </a:fillRef>
-          <a:effectRef idx="2">
-            <a:schemeClr val="accent1"/>
-          </a:effectRef>
-          <a:fontRef idx="minor">
-            <a:schemeClr val="tx1"/>
-          </a:fontRef>
-        </p:style>
-      </p:cxnSp>
-      <p:pic>
-        <p:nvPicPr>
-          <p:cNvPr id="51" name="Picture 33">
-            <a:extLst>
-              <a:ext uri="{FF2B5EF4-FFF2-40B4-BE49-F238E27FC236}">
-                <a16:creationId xmlns:a16="http://schemas.microsoft.com/office/drawing/2014/main" id="{F82046CE-87C5-4670-A404-6AB453F5A928}"/>
-              </a:ext>
-              <a:ext uri="{C183D7F6-B498-43B3-948B-1728B52AA6E4}">
-                <adec:decorative xmlns:adec="http://schemas.microsoft.com/office/drawing/2017/decorative" val="1"/>
-              </a:ext>
-            </a:extLst>
-          </p:cNvPr>
-          <p:cNvPicPr>
-            <a:picLocks noGrp="1" noRot="1" noChangeAspect="1" noMove="1" noResize="1" noEditPoints="1" noAdjustHandles="1" noChangeArrowheads="1" noChangeShapeType="1" noCrop="1"/>
-          </p:cNvPicPr>
-          <p:nvPr>
-            <p:extLst>
-              <p:ext uri="{386F3935-93C4-4BCD-93E2-E3B085C9AB24}">
-                <p16:designElem xmlns:p16="http://schemas.microsoft.com/office/powerpoint/2015/main" val="1"/>
-              </p:ext>
-            </p:extLst>
-          </p:nvPr>
-        </p:nvPicPr>
-        <p:blipFill rotWithShape="1">
-          <a:blip r:embed="rId2">
-            <a:extLst>
-              <a:ext uri="{28A0092B-C50C-407E-A947-70E740481C1C}">
-                <a14:useLocalDpi xmlns:a14="http://schemas.microsoft.com/office/drawing/2010/main" val="0"/>
-              </a:ext>
-            </a:extLst>
-          </a:blip>
-          <a:srcRect t="1538" b="-1538"/>
-          <a:stretch/>
-        </p:blipFill>
-        <p:spPr bwMode="black">
-          <a:xfrm>
-            <a:off x="0" y="6126480"/>
-            <a:ext cx="12192000" cy="742950"/>
-          </a:xfrm>
-          <a:prstGeom prst="rect">
-            <a:avLst/>
-          </a:prstGeom>
-        </p:spPr>
-      </p:pic>
-      <p:cxnSp>
-        <p:nvCxnSpPr>
-          <p:cNvPr id="36" name="Straight Connector 35">
-            <a:extLst>
-              <a:ext uri="{FF2B5EF4-FFF2-40B4-BE49-F238E27FC236}">
-                <a16:creationId xmlns:a16="http://schemas.microsoft.com/office/drawing/2014/main" id="{A224BAD7-5931-4CA6-BB58-0CBCFCFA65A5}"/>
-              </a:ext>
-              <a:ext uri="{C183D7F6-B498-43B3-948B-1728B52AA6E4}">
-                <adec:decorative xmlns:adec="http://schemas.microsoft.com/office/drawing/2017/decorative" val="1"/>
-              </a:ext>
-            </a:extLst>
-          </p:cNvPr>
-          <p:cNvCxnSpPr>
-            <a:cxnSpLocks noGrp="1" noRot="1" noChangeAspect="1" noMove="1" noResize="1" noEditPoints="1" noAdjustHandles="1" noChangeArrowheads="1" noChangeShapeType="1"/>
-          </p:cNvCxnSpPr>
-          <p:nvPr>
-            <p:extLst>
-              <p:ext uri="{386F3935-93C4-4BCD-93E2-E3B085C9AB24}">
-                <p16:designElem xmlns:p16="http://schemas.microsoft.com/office/powerpoint/2015/main" val="1"/>
-              </p:ext>
-            </p:extLst>
-          </p:nvPr>
-        </p:nvCxnSpPr>
-        <p:spPr>
-          <a:xfrm>
-            <a:off x="0" y="6128413"/>
-            <a:ext cx="12192000" cy="0"/>
-          </a:xfrm>
-          <a:prstGeom prst="line">
-            <a:avLst/>
-          </a:prstGeom>
-          <a:ln w="12700">
-            <a:solidFill>
-              <a:srgbClr val="000001">
-                <a:alpha val="20000"/>
-              </a:srgbClr>
-            </a:solidFill>
-          </a:ln>
-        </p:spPr>
-        <p:style>
-          <a:lnRef idx="1">
-            <a:schemeClr val="accent1"/>
-          </a:lnRef>
-          <a:fillRef idx="0">
-            <a:schemeClr val="accent1"/>
-          </a:fillRef>
-          <a:effectRef idx="0">
-            <a:schemeClr val="accent1"/>
-          </a:effectRef>
-          <a:fontRef idx="minor">
-            <a:schemeClr val="tx1"/>
-          </a:fontRef>
-        </p:style>
-      </p:cxnSp>
-    </p:spTree>
-    <p:extLst>
-      <p:ext uri="{BB962C8B-B14F-4D97-AF65-F5344CB8AC3E}">
-        <p14:creationId xmlns:p14="http://schemas.microsoft.com/office/powerpoint/2010/main" val="2698728492"/>
-      </p:ext>
-    </p:extLst>
-  </p:cSld>
-  <p:clrMapOvr>
-    <a:masterClrMapping/>
-  </p:clrMapOvr>
-</p:sld>
-</file>
-
-<file path=ppt/slides/slide11.xml><?xml version="1.0" encoding="utf-8"?>
-<p:sld xmlns:a="http://schemas.openxmlformats.org/drawingml/2006/main" xmlns:r="http://schemas.openxmlformats.org/officeDocument/2006/relationships" xmlns:p="http://schemas.openxmlformats.org/presentationml/2006/main">
-  <p:cSld>
-    <p:spTree>
-      <p:nvGrpSpPr>
-        <p:cNvPr id="1" name=""/>
-        <p:cNvGrpSpPr/>
-        <p:nvPr/>
-      </p:nvGrpSpPr>
-      <p:grpSpPr>
-        <a:xfrm>
-          <a:off x="0" y="0"/>
-          <a:ext cx="0" cy="0"/>
-          <a:chOff x="0" y="0"/>
-          <a:chExt cx="0" cy="0"/>
-        </a:xfrm>
-      </p:grpSpPr>
-      <p:sp>
-        <p:nvSpPr>
           <p:cNvPr id="2" name="Title 1">
             <a:extLst>
               <a:ext uri="{FF2B5EF4-FFF2-40B4-BE49-F238E27FC236}">
@@ -4969,7 +4308,7 @@
 </p:sld>
 </file>
 
-<file path=ppt/slides/slide12.xml><?xml version="1.0" encoding="utf-8"?>
+<file path=ppt/slides/slide11.xml><?xml version="1.0" encoding="utf-8"?>
 <p:sld xmlns:a="http://schemas.openxmlformats.org/drawingml/2006/main" xmlns:r="http://schemas.openxmlformats.org/officeDocument/2006/relationships" xmlns:p="http://schemas.openxmlformats.org/presentationml/2006/main">
   <p:cSld>
     <p:spTree>
@@ -5010,7 +4349,7 @@
         </p:blipFill>
         <p:spPr>
           <a:xfrm>
-            <a:off x="3357282" y="1495914"/>
+            <a:off x="5345880" y="1116345"/>
             <a:ext cx="4827906" cy="3866172"/>
           </a:xfrm>
           <a:prstGeom prst="rect">
@@ -5802,30 +5141,6 @@
 <file path=ppt/slides/slide4.xml><?xml version="1.0" encoding="utf-8"?>
 <p:sld xmlns:a="http://schemas.openxmlformats.org/drawingml/2006/main" xmlns:r="http://schemas.openxmlformats.org/officeDocument/2006/relationships" xmlns:p="http://schemas.openxmlformats.org/presentationml/2006/main">
   <p:cSld>
-    <p:bg>
-      <p:bgPr>
-        <a:gradFill rotWithShape="1">
-          <a:gsLst>
-            <a:gs pos="0">
-              <a:schemeClr val="bg2">
-                <a:tint val="94000"/>
-                <a:satMod val="80000"/>
-                <a:lumMod val="106000"/>
-              </a:schemeClr>
-            </a:gs>
-            <a:gs pos="100000">
-              <a:schemeClr val="bg2">
-                <a:shade val="80000"/>
-              </a:schemeClr>
-            </a:gs>
-          </a:gsLst>
-          <a:path path="circle">
-            <a:fillToRect l="43000" r="43000" b="100000"/>
-          </a:path>
-        </a:gradFill>
-        <a:effectLst/>
-      </p:bgPr>
-    </p:bg>
     <p:spTree>
       <p:nvGrpSpPr>
         <p:cNvPr id="1" name=""/>
@@ -5842,352 +5157,6 @@
       </p:grpSpPr>
       <p:sp>
         <p:nvSpPr>
-          <p:cNvPr id="11" name="Rectangle 10">
-            <a:extLst>
-              <a:ext uri="{FF2B5EF4-FFF2-40B4-BE49-F238E27FC236}">
-                <a16:creationId xmlns:a16="http://schemas.microsoft.com/office/drawing/2014/main" id="{0CABCAE3-64FC-4149-819F-2C1812824154}"/>
-              </a:ext>
-              <a:ext uri="{C183D7F6-B498-43B3-948B-1728B52AA6E4}">
-                <adec:decorative xmlns:adec="http://schemas.microsoft.com/office/drawing/2017/decorative" val="1"/>
-              </a:ext>
-            </a:extLst>
-          </p:cNvPr>
-          <p:cNvSpPr>
-            <a:spLocks noGrp="1" noRot="1" noChangeAspect="1" noMove="1" noResize="1" noEditPoints="1" noAdjustHandles="1" noChangeArrowheads="1" noChangeShapeType="1" noTextEdit="1"/>
-          </p:cNvSpPr>
-          <p:nvPr>
-            <p:extLst>
-              <p:ext uri="{386F3935-93C4-4BCD-93E2-E3B085C9AB24}">
-                <p16:designElem xmlns:p16="http://schemas.microsoft.com/office/powerpoint/2015/main" val="1"/>
-              </p:ext>
-            </p:extLst>
-          </p:nvPr>
-        </p:nvSpPr>
-        <p:spPr>
-          <a:xfrm>
-            <a:off x="0" y="2019476"/>
-            <a:ext cx="12192000" cy="4105941"/>
-          </a:xfrm>
-          <a:prstGeom prst="rect">
-            <a:avLst/>
-          </a:prstGeom>
-          <a:gradFill flip="none" rotWithShape="1">
-            <a:gsLst>
-              <a:gs pos="0">
-                <a:schemeClr val="bg2">
-                  <a:alpha val="0"/>
-                </a:schemeClr>
-              </a:gs>
-              <a:gs pos="100000">
-                <a:schemeClr val="bg2"/>
-              </a:gs>
-            </a:gsLst>
-            <a:lin ang="5400000" scaled="0"/>
-            <a:tileRect/>
-          </a:gradFill>
-          <a:ln>
-            <a:noFill/>
-          </a:ln>
-        </p:spPr>
-        <p:style>
-          <a:lnRef idx="2">
-            <a:schemeClr val="accent1">
-              <a:shade val="50000"/>
-            </a:schemeClr>
-          </a:lnRef>
-          <a:fillRef idx="1">
-            <a:schemeClr val="accent1"/>
-          </a:fillRef>
-          <a:effectRef idx="0">
-            <a:schemeClr val="accent1"/>
-          </a:effectRef>
-          <a:fontRef idx="minor">
-            <a:schemeClr val="lt1"/>
-          </a:fontRef>
-        </p:style>
-      </p:sp>
-      <p:pic>
-        <p:nvPicPr>
-          <p:cNvPr id="13" name="Picture 12">
-            <a:extLst>
-              <a:ext uri="{FF2B5EF4-FFF2-40B4-BE49-F238E27FC236}">
-                <a16:creationId xmlns:a16="http://schemas.microsoft.com/office/drawing/2014/main" id="{012FDCFE-9AD2-4D8A-8CBF-B3AA37EBF6DD}"/>
-              </a:ext>
-              <a:ext uri="{C183D7F6-B498-43B3-948B-1728B52AA6E4}">
-                <adec:decorative xmlns:adec="http://schemas.microsoft.com/office/drawing/2017/decorative" val="1"/>
-              </a:ext>
-            </a:extLst>
-          </p:cNvPr>
-          <p:cNvPicPr>
-            <a:picLocks noGrp="1" noRot="1" noChangeAspect="1" noMove="1" noResize="1" noEditPoints="1" noAdjustHandles="1" noChangeArrowheads="1" noChangeShapeType="1" noCrop="1"/>
-          </p:cNvPicPr>
-          <p:nvPr>
-            <p:extLst>
-              <p:ext uri="{386F3935-93C4-4BCD-93E2-E3B085C9AB24}">
-                <p16:designElem xmlns:p16="http://schemas.microsoft.com/office/powerpoint/2015/main" val="1"/>
-              </p:ext>
-            </p:extLst>
-          </p:nvPr>
-        </p:nvPicPr>
-        <p:blipFill rotWithShape="1">
-          <a:blip r:embed="rId2">
-            <a:extLst>
-              <a:ext uri="{28A0092B-C50C-407E-A947-70E740481C1C}">
-                <a14:useLocalDpi xmlns:a14="http://schemas.microsoft.com/office/drawing/2010/main" val="0"/>
-              </a:ext>
-            </a:extLst>
-          </a:blip>
-          <a:srcRect t="1538" b="-1538"/>
-          <a:stretch/>
-        </p:blipFill>
-        <p:spPr bwMode="black">
-          <a:xfrm>
-            <a:off x="0" y="6126480"/>
-            <a:ext cx="12192000" cy="742950"/>
-          </a:xfrm>
-          <a:prstGeom prst="rect">
-            <a:avLst/>
-          </a:prstGeom>
-        </p:spPr>
-      </p:pic>
-      <p:cxnSp>
-        <p:nvCxnSpPr>
-          <p:cNvPr id="15" name="Straight Connector 14">
-            <a:extLst>
-              <a:ext uri="{FF2B5EF4-FFF2-40B4-BE49-F238E27FC236}">
-                <a16:creationId xmlns:a16="http://schemas.microsoft.com/office/drawing/2014/main" id="{FBD463FC-4CA8-4FF4-85A3-AF9F4B98D210}"/>
-              </a:ext>
-              <a:ext uri="{C183D7F6-B498-43B3-948B-1728B52AA6E4}">
-                <adec:decorative xmlns:adec="http://schemas.microsoft.com/office/drawing/2017/decorative" val="1"/>
-              </a:ext>
-            </a:extLst>
-          </p:cNvPr>
-          <p:cNvCxnSpPr>
-            <a:cxnSpLocks noGrp="1" noRot="1" noChangeAspect="1" noMove="1" noResize="1" noEditPoints="1" noAdjustHandles="1" noChangeArrowheads="1" noChangeShapeType="1"/>
-          </p:cNvCxnSpPr>
-          <p:nvPr>
-            <p:extLst>
-              <p:ext uri="{386F3935-93C4-4BCD-93E2-E3B085C9AB24}">
-                <p16:designElem xmlns:p16="http://schemas.microsoft.com/office/powerpoint/2015/main" val="1"/>
-              </p:ext>
-            </p:extLst>
-          </p:nvPr>
-        </p:nvCxnSpPr>
-        <p:spPr>
-          <a:xfrm>
-            <a:off x="0" y="6128413"/>
-            <a:ext cx="12192000" cy="0"/>
-          </a:xfrm>
-          <a:prstGeom prst="line">
-            <a:avLst/>
-          </a:prstGeom>
-          <a:ln w="12700">
-            <a:solidFill>
-              <a:srgbClr val="000001">
-                <a:alpha val="20000"/>
-              </a:srgbClr>
-            </a:solidFill>
-          </a:ln>
-        </p:spPr>
-        <p:style>
-          <a:lnRef idx="1">
-            <a:schemeClr val="accent1"/>
-          </a:lnRef>
-          <a:fillRef idx="0">
-            <a:schemeClr val="accent1"/>
-          </a:fillRef>
-          <a:effectRef idx="0">
-            <a:schemeClr val="accent1"/>
-          </a:effectRef>
-          <a:fontRef idx="minor">
-            <a:schemeClr val="tx1"/>
-          </a:fontRef>
-        </p:style>
-      </p:cxnSp>
-      <p:cxnSp>
-        <p:nvCxnSpPr>
-          <p:cNvPr id="17" name="Straight Connector 16">
-            <a:extLst>
-              <a:ext uri="{FF2B5EF4-FFF2-40B4-BE49-F238E27FC236}">
-                <a16:creationId xmlns:a16="http://schemas.microsoft.com/office/drawing/2014/main" id="{BECF35C3-8B44-4F4B-BD25-4C01823DB22A}"/>
-              </a:ext>
-              <a:ext uri="{C183D7F6-B498-43B3-948B-1728B52AA6E4}">
-                <adec:decorative xmlns:adec="http://schemas.microsoft.com/office/drawing/2017/decorative" val="1"/>
-              </a:ext>
-            </a:extLst>
-          </p:cNvPr>
-          <p:cNvCxnSpPr>
-            <a:cxnSpLocks noGrp="1" noRot="1" noChangeAspect="1" noMove="1" noResize="1" noEditPoints="1" noAdjustHandles="1" noChangeArrowheads="1" noChangeShapeType="1"/>
-          </p:cNvCxnSpPr>
-          <p:nvPr>
-            <p:extLst>
-              <p:ext uri="{386F3935-93C4-4BCD-93E2-E3B085C9AB24}">
-                <p16:designElem xmlns:p16="http://schemas.microsoft.com/office/powerpoint/2015/main" val="1"/>
-              </p:ext>
-            </p:extLst>
-          </p:nvPr>
-        </p:nvCxnSpPr>
-        <p:spPr>
-          <a:xfrm>
-            <a:off x="2417780" y="3528542"/>
-            <a:ext cx="8637072" cy="0"/>
-          </a:xfrm>
-          <a:prstGeom prst="line">
-            <a:avLst/>
-          </a:prstGeom>
-          <a:ln w="31750"/>
-        </p:spPr>
-        <p:style>
-          <a:lnRef idx="3">
-            <a:schemeClr val="accent1"/>
-          </a:lnRef>
-          <a:fillRef idx="0">
-            <a:schemeClr val="accent1"/>
-          </a:fillRef>
-          <a:effectRef idx="2">
-            <a:schemeClr val="accent1"/>
-          </a:effectRef>
-          <a:fontRef idx="minor">
-            <a:schemeClr val="tx1"/>
-          </a:fontRef>
-        </p:style>
-      </p:cxnSp>
-      <p:sp useBgFill="1">
-        <p:nvSpPr>
-          <p:cNvPr id="19" name="Rectangle 18">
-            <a:extLst>
-              <a:ext uri="{FF2B5EF4-FFF2-40B4-BE49-F238E27FC236}">
-                <a16:creationId xmlns:a16="http://schemas.microsoft.com/office/drawing/2014/main" id="{2FA7AD0A-1871-4DF8-9235-F49D0513B9C1}"/>
-              </a:ext>
-              <a:ext uri="{C183D7F6-B498-43B3-948B-1728B52AA6E4}">
-                <adec:decorative xmlns:adec="http://schemas.microsoft.com/office/drawing/2017/decorative" val="1"/>
-              </a:ext>
-            </a:extLst>
-          </p:cNvPr>
-          <p:cNvSpPr>
-            <a:spLocks noGrp="1" noRot="1" noChangeAspect="1" noMove="1" noResize="1" noEditPoints="1" noAdjustHandles="1" noChangeArrowheads="1" noChangeShapeType="1" noTextEdit="1"/>
-          </p:cNvSpPr>
-          <p:nvPr>
-            <p:extLst>
-              <p:ext uri="{386F3935-93C4-4BCD-93E2-E3B085C9AB24}">
-                <p16:designElem xmlns:p16="http://schemas.microsoft.com/office/powerpoint/2015/main" val="1"/>
-              </p:ext>
-            </p:extLst>
-          </p:nvPr>
-        </p:nvSpPr>
-        <p:spPr>
-          <a:xfrm>
-            <a:off x="2" y="0"/>
-            <a:ext cx="12191695" cy="6858000"/>
-          </a:xfrm>
-          <a:prstGeom prst="rect">
-            <a:avLst/>
-          </a:prstGeom>
-          <a:ln>
-            <a:noFill/>
-          </a:ln>
-        </p:spPr>
-        <p:style>
-          <a:lnRef idx="2">
-            <a:schemeClr val="accent1">
-              <a:shade val="50000"/>
-            </a:schemeClr>
-          </a:lnRef>
-          <a:fillRef idx="1">
-            <a:schemeClr val="accent1"/>
-          </a:fillRef>
-          <a:effectRef idx="0">
-            <a:schemeClr val="accent1"/>
-          </a:effectRef>
-          <a:fontRef idx="minor">
-            <a:schemeClr val="lt1"/>
-          </a:fontRef>
-        </p:style>
-        <p:txBody>
-          <a:bodyPr rtlCol="0" anchor="ctr"/>
-          <a:lstStyle/>
-          <a:p>
-            <a:pPr algn="ctr"/>
-            <a:endParaRPr lang="en-US"/>
-          </a:p>
-        </p:txBody>
-      </p:sp>
-      <p:sp>
-        <p:nvSpPr>
-          <p:cNvPr id="21" name="Rectangle 20">
-            <a:extLst>
-              <a:ext uri="{FF2B5EF4-FFF2-40B4-BE49-F238E27FC236}">
-                <a16:creationId xmlns:a16="http://schemas.microsoft.com/office/drawing/2014/main" id="{36B04CFB-FAE5-47DD-9B3E-4E9BA7A89CC1}"/>
-              </a:ext>
-              <a:ext uri="{C183D7F6-B498-43B3-948B-1728B52AA6E4}">
-                <adec:decorative xmlns:adec="http://schemas.microsoft.com/office/drawing/2017/decorative" val="1"/>
-              </a:ext>
-            </a:extLst>
-          </p:cNvPr>
-          <p:cNvSpPr>
-            <a:spLocks noGrp="1" noRot="1" noChangeAspect="1" noMove="1" noResize="1" noEditPoints="1" noAdjustHandles="1" noChangeArrowheads="1" noChangeShapeType="1" noTextEdit="1"/>
-          </p:cNvSpPr>
-          <p:nvPr>
-            <p:extLst>
-              <p:ext uri="{386F3935-93C4-4BCD-93E2-E3B085C9AB24}">
-                <p16:designElem xmlns:p16="http://schemas.microsoft.com/office/powerpoint/2015/main" val="1"/>
-              </p:ext>
-            </p:extLst>
-          </p:nvPr>
-        </p:nvSpPr>
-        <p:spPr>
-          <a:xfrm>
-            <a:off x="0" y="2019476"/>
-            <a:ext cx="12192000" cy="4105941"/>
-          </a:xfrm>
-          <a:prstGeom prst="rect">
-            <a:avLst/>
-          </a:prstGeom>
-          <a:gradFill flip="none" rotWithShape="1">
-            <a:gsLst>
-              <a:gs pos="0">
-                <a:schemeClr val="bg2">
-                  <a:alpha val="0"/>
-                </a:schemeClr>
-              </a:gs>
-              <a:gs pos="100000">
-                <a:schemeClr val="bg2"/>
-              </a:gs>
-            </a:gsLst>
-            <a:lin ang="5400000" scaled="0"/>
-            <a:tileRect/>
-          </a:gradFill>
-          <a:ln>
-            <a:noFill/>
-          </a:ln>
-        </p:spPr>
-        <p:style>
-          <a:lnRef idx="2">
-            <a:schemeClr val="accent1">
-              <a:shade val="50000"/>
-            </a:schemeClr>
-          </a:lnRef>
-          <a:fillRef idx="1">
-            <a:schemeClr val="accent1"/>
-          </a:fillRef>
-          <a:effectRef idx="0">
-            <a:schemeClr val="accent1"/>
-          </a:effectRef>
-          <a:fontRef idx="minor">
-            <a:schemeClr val="lt1"/>
-          </a:fontRef>
-        </p:style>
-        <p:txBody>
-          <a:bodyPr rtlCol="0" anchor="ctr"/>
-          <a:lstStyle/>
-          <a:p>
-            <a:pPr lvl="0" algn="ctr"/>
-            <a:endParaRPr lang="en-US"/>
-          </a:p>
-        </p:txBody>
-      </p:sp>
-      <p:sp>
-        <p:nvSpPr>
           <p:cNvPr id="2" name="Title 1">
             <a:extLst>
               <a:ext uri="{FF2B5EF4-FFF2-40B4-BE49-F238E27FC236}">
@@ -6204,8 +5173,8 @@
         </p:nvSpPr>
         <p:spPr>
           <a:xfrm>
-            <a:off x="659301" y="1474969"/>
-            <a:ext cx="2823919" cy="1868760"/>
+            <a:off x="1776424" y="4460798"/>
+            <a:ext cx="8637073" cy="558063"/>
           </a:xfrm>
         </p:spPr>
         <p:txBody>
@@ -6216,327 +5185,47 @@
           <a:p>
             <a:r>
               <a:rPr lang="en-US" sz="3600" dirty="0"/>
-              <a:t>Home PAGE  </a:t>
-            </a:r>
-          </a:p>
-        </p:txBody>
-      </p:sp>
-      <p:cxnSp>
-        <p:nvCxnSpPr>
-          <p:cNvPr id="23" name="Straight Connector 22">
+              <a:t>Home PAGE – UI </a:t>
+            </a:r>
+          </a:p>
+        </p:txBody>
+      </p:sp>
+      <p:pic>
+        <p:nvPicPr>
+          <p:cNvPr id="167" name="Content Placeholder 5">
             <a:extLst>
               <a:ext uri="{FF2B5EF4-FFF2-40B4-BE49-F238E27FC236}">
-                <a16:creationId xmlns:a16="http://schemas.microsoft.com/office/drawing/2014/main" id="{EE68D41B-9286-479F-9AB7-678C8E348D71}"/>
-              </a:ext>
-              <a:ext uri="{C183D7F6-B498-43B3-948B-1728B52AA6E4}">
-                <adec:decorative xmlns:adec="http://schemas.microsoft.com/office/drawing/2017/decorative" val="1"/>
+                <a16:creationId xmlns:a16="http://schemas.microsoft.com/office/drawing/2014/main" id="{08194B7F-4A25-4111-ABCB-B9A8562E817E}"/>
               </a:ext>
             </a:extLst>
           </p:cNvPr>
-          <p:cNvCxnSpPr>
-            <a:cxnSpLocks noGrp="1" noRot="1" noChangeAspect="1" noMove="1" noResize="1" noEditPoints="1" noAdjustHandles="1" noChangeArrowheads="1" noChangeShapeType="1"/>
-          </p:cNvCxnSpPr>
-          <p:nvPr>
-            <p:extLst>
-              <p:ext uri="{386F3935-93C4-4BCD-93E2-E3B085C9AB24}">
-                <p16:designElem xmlns:p16="http://schemas.microsoft.com/office/powerpoint/2015/main" val="1"/>
-              </p:ext>
-            </p:extLst>
-          </p:nvPr>
-        </p:nvCxnSpPr>
-        <p:spPr>
-          <a:xfrm>
-            <a:off x="659301" y="3528543"/>
-            <a:ext cx="2823919" cy="0"/>
-          </a:xfrm>
-          <a:prstGeom prst="line">
-            <a:avLst/>
-          </a:prstGeom>
-          <a:ln w="31750"/>
-        </p:spPr>
-        <p:style>
-          <a:lnRef idx="3">
-            <a:schemeClr val="accent1"/>
-          </a:lnRef>
-          <a:fillRef idx="0">
-            <a:schemeClr val="accent1"/>
-          </a:fillRef>
-          <a:effectRef idx="2">
-            <a:schemeClr val="accent1"/>
-          </a:effectRef>
-          <a:fontRef idx="minor">
-            <a:schemeClr val="tx1"/>
-          </a:fontRef>
-        </p:style>
-      </p:cxnSp>
-      <p:grpSp>
-        <p:nvGrpSpPr>
-          <p:cNvPr id="25" name="Group 24">
-            <a:extLst>
-              <a:ext uri="{FF2B5EF4-FFF2-40B4-BE49-F238E27FC236}">
-                <a16:creationId xmlns:a16="http://schemas.microsoft.com/office/drawing/2014/main" id="{E8ACF89C-CFC3-4D68-B3C4-2BEFB7BBE5F7}"/>
-              </a:ext>
-              <a:ext uri="{C183D7F6-B498-43B3-948B-1728B52AA6E4}">
-                <adec:decorative xmlns:adec="http://schemas.microsoft.com/office/drawing/2017/decorative" val="1"/>
-              </a:ext>
-            </a:extLst>
-          </p:cNvPr>
-          <p:cNvGrpSpPr>
-            <a:grpSpLocks noGrp="1" noUngrp="1" noRot="1" noChangeAspect="1" noMove="1" noResize="1"/>
-          </p:cNvGrpSpPr>
-          <p:nvPr>
-            <p:extLst>
-              <p:ext uri="{386F3935-93C4-4BCD-93E2-E3B085C9AB24}">
-                <p16:designElem xmlns:p16="http://schemas.microsoft.com/office/powerpoint/2015/main" val="1"/>
-              </p:ext>
-            </p:extLst>
-          </p:nvPr>
-        </p:nvGrpSpPr>
-        <p:grpSpPr>
-          <a:xfrm>
-            <a:off x="3979389" y="482171"/>
-            <a:ext cx="7560115" cy="5149101"/>
-            <a:chOff x="3979389" y="482171"/>
-            <a:chExt cx="7560115" cy="5149101"/>
-          </a:xfrm>
-        </p:grpSpPr>
-        <p:sp>
-          <p:nvSpPr>
-            <p:cNvPr id="26" name="Rectangle 25">
-              <a:extLst>
-                <a:ext uri="{FF2B5EF4-FFF2-40B4-BE49-F238E27FC236}">
-                  <a16:creationId xmlns:a16="http://schemas.microsoft.com/office/drawing/2014/main" id="{3B770B7D-3C5C-4682-8DF0-20783592F3B6}"/>
-                </a:ext>
-                <a:ext uri="{C183D7F6-B498-43B3-948B-1728B52AA6E4}">
-                  <adec:decorative xmlns:adec="http://schemas.microsoft.com/office/drawing/2017/decorative" val="1"/>
-                </a:ext>
-              </a:extLst>
-            </p:cNvPr>
-            <p:cNvSpPr/>
-            <p:nvPr>
-              <p:extLst>
-                <p:ext uri="{386F3935-93C4-4BCD-93E2-E3B085C9AB24}">
-                  <p16:designElem xmlns:p16="http://schemas.microsoft.com/office/powerpoint/2015/main" val="1"/>
-                </p:ext>
-              </p:extLst>
-            </p:nvPr>
-          </p:nvSpPr>
-          <p:spPr>
-            <a:xfrm>
-              <a:off x="3979389" y="482171"/>
-              <a:ext cx="7560115" cy="5149101"/>
-            </a:xfrm>
-            <a:prstGeom prst="rect">
-              <a:avLst/>
-            </a:prstGeom>
-            <a:gradFill>
-              <a:gsLst>
-                <a:gs pos="0">
-                  <a:srgbClr val="000001"/>
-                </a:gs>
-                <a:gs pos="100000">
-                  <a:srgbClr val="191919"/>
-                </a:gs>
-              </a:gsLst>
-            </a:gradFill>
-            <a:ln w="76200" cmpd="sng">
-              <a:noFill/>
-              <a:miter lim="800000"/>
-            </a:ln>
-            <a:effectLst>
-              <a:outerShdw blurRad="127000" dist="228600" dir="4740000" sx="98000" sy="98000" algn="tl" rotWithShape="0">
-                <a:srgbClr val="000000">
-                  <a:alpha val="34000"/>
-                </a:srgbClr>
-              </a:outerShdw>
-            </a:effectLst>
-            <a:scene3d>
-              <a:camera prst="orthographicFront"/>
-              <a:lightRig rig="threePt" dir="t"/>
-            </a:scene3d>
-            <a:sp3d>
-              <a:bevelT w="152400" h="50800" prst="softRound"/>
-            </a:sp3d>
-          </p:spPr>
-          <p:style>
-            <a:lnRef idx="1">
-              <a:schemeClr val="accent1"/>
-            </a:lnRef>
-            <a:fillRef idx="3">
-              <a:schemeClr val="accent1"/>
-            </a:fillRef>
-            <a:effectRef idx="2">
-              <a:schemeClr val="accent1"/>
-            </a:effectRef>
-            <a:fontRef idx="minor">
-              <a:schemeClr val="lt1"/>
-            </a:fontRef>
-          </p:style>
-          <p:txBody>
-            <a:bodyPr rtlCol="0" anchor="ctr"/>
-            <a:lstStyle/>
-            <a:p>
-              <a:pPr algn="ctr"/>
-              <a:endParaRPr lang="en-US"/>
-            </a:p>
-          </p:txBody>
-        </p:sp>
-        <p:sp>
-          <p:nvSpPr>
-            <p:cNvPr id="27" name="Rectangle 26">
-              <a:extLst>
-                <a:ext uri="{FF2B5EF4-FFF2-40B4-BE49-F238E27FC236}">
-                  <a16:creationId xmlns:a16="http://schemas.microsoft.com/office/drawing/2014/main" id="{A6893E11-7EC1-4EB6-A2A8-0B693F8FE576}"/>
-                </a:ext>
-                <a:ext uri="{C183D7F6-B498-43B3-948B-1728B52AA6E4}">
-                  <adec:decorative xmlns:adec="http://schemas.microsoft.com/office/drawing/2017/decorative" val="1"/>
-                </a:ext>
-              </a:extLst>
-            </p:cNvPr>
-            <p:cNvSpPr/>
-            <p:nvPr>
-              <p:extLst>
-                <p:ext uri="{386F3935-93C4-4BCD-93E2-E3B085C9AB24}">
-                  <p16:designElem xmlns:p16="http://schemas.microsoft.com/office/powerpoint/2015/main" val="1"/>
-                </p:ext>
-              </p:extLst>
-            </p:nvPr>
-          </p:nvSpPr>
-          <p:spPr>
-            <a:xfrm>
-              <a:off x="4292448" y="812507"/>
-              <a:ext cx="6928279" cy="4466452"/>
-            </a:xfrm>
-            <a:prstGeom prst="rect">
-              <a:avLst/>
-            </a:prstGeom>
-            <a:gradFill>
-              <a:gsLst>
-                <a:gs pos="0">
-                  <a:srgbClr val="DADADA"/>
-                </a:gs>
-                <a:gs pos="100000">
-                  <a:srgbClr val="FFFFFE"/>
-                </a:gs>
-              </a:gsLst>
-              <a:lin ang="16200000" scaled="0"/>
-            </a:gradFill>
-            <a:ln w="50800" cmpd="sng">
-              <a:solidFill>
-                <a:srgbClr val="191919"/>
-              </a:solidFill>
-              <a:miter lim="800000"/>
-            </a:ln>
-            <a:effectLst>
-              <a:innerShdw blurRad="63500" dist="88900" dir="14100000">
-                <a:srgbClr val="000000">
-                  <a:alpha val="30000"/>
-                </a:srgbClr>
-              </a:innerShdw>
-            </a:effectLst>
-            <a:scene3d>
-              <a:camera prst="orthographicFront"/>
-              <a:lightRig rig="threePt" dir="t"/>
-            </a:scene3d>
-            <a:sp3d>
-              <a:bevelT prst="relaxedInset"/>
-            </a:sp3d>
-          </p:spPr>
-          <p:style>
-            <a:lnRef idx="1">
-              <a:schemeClr val="accent1"/>
-            </a:lnRef>
-            <a:fillRef idx="3">
-              <a:schemeClr val="accent1"/>
-            </a:fillRef>
-            <a:effectRef idx="2">
-              <a:schemeClr val="accent1"/>
-            </a:effectRef>
-            <a:fontRef idx="minor">
-              <a:schemeClr val="lt1"/>
-            </a:fontRef>
-          </p:style>
-          <p:txBody>
-            <a:bodyPr rtlCol="0" anchor="ctr"/>
-            <a:lstStyle/>
-            <a:p>
-              <a:pPr algn="ctr"/>
-              <a:endParaRPr lang="en-US"/>
-            </a:p>
-          </p:txBody>
-        </p:sp>
-      </p:grpSp>
-      <p:sp>
-        <p:nvSpPr>
-          <p:cNvPr id="29" name="Rectangle 28">
-            <a:extLst>
-              <a:ext uri="{FF2B5EF4-FFF2-40B4-BE49-F238E27FC236}">
-                <a16:creationId xmlns:a16="http://schemas.microsoft.com/office/drawing/2014/main" id="{622F7FD7-8884-4FD5-95AB-0B5C6033ADF7}"/>
-              </a:ext>
-              <a:ext uri="{C183D7F6-B498-43B3-948B-1728B52AA6E4}">
-                <adec:decorative xmlns:adec="http://schemas.microsoft.com/office/drawing/2017/decorative" val="1"/>
-              </a:ext>
-            </a:extLst>
-          </p:cNvPr>
-          <p:cNvSpPr>
-            <a:spLocks noGrp="1" noRot="1" noChangeAspect="1" noMove="1" noResize="1" noEditPoints="1" noAdjustHandles="1" noChangeArrowheads="1" noChangeShapeType="1" noTextEdit="1"/>
-          </p:cNvSpPr>
-          <p:nvPr>
-            <p:extLst>
-              <p:ext uri="{386F3935-93C4-4BCD-93E2-E3B085C9AB24}">
-                <p16:designElem xmlns:p16="http://schemas.microsoft.com/office/powerpoint/2015/main" val="1"/>
-              </p:ext>
-            </p:extLst>
-          </p:nvPr>
-        </p:nvSpPr>
-        <p:spPr>
-          <a:xfrm>
-            <a:off x="4455487" y="977965"/>
-            <a:ext cx="6615582" cy="4135339"/>
+          <p:cNvPicPr>
+            <a:picLocks noChangeAspect="1"/>
+          </p:cNvPicPr>
+          <p:nvPr/>
+        </p:nvPicPr>
+        <p:blipFill>
+          <a:blip r:embed="rId2"/>
+          <a:stretch>
+            <a:fillRect/>
+          </a:stretch>
+        </p:blipFill>
+        <p:spPr>
+          <a:xfrm>
+            <a:off x="2408470" y="973875"/>
+            <a:ext cx="3599926" cy="2348951"/>
           </a:xfrm>
           <a:prstGeom prst="rect">
             <a:avLst/>
           </a:prstGeom>
-          <a:solidFill>
-            <a:schemeClr val="bg1"/>
-          </a:solidFill>
-          <a:ln w="6350">
-            <a:solidFill>
-              <a:schemeClr val="bg2"/>
-            </a:solidFill>
-          </a:ln>
-        </p:spPr>
-        <p:style>
-          <a:lnRef idx="2">
-            <a:schemeClr val="accent1">
-              <a:shade val="50000"/>
-            </a:schemeClr>
-          </a:lnRef>
-          <a:fillRef idx="1">
-            <a:schemeClr val="accent1"/>
-          </a:fillRef>
-          <a:effectRef idx="0">
-            <a:schemeClr val="accent1"/>
-          </a:effectRef>
-          <a:fontRef idx="minor">
-            <a:schemeClr val="lt1"/>
-          </a:fontRef>
-        </p:style>
-        <p:txBody>
-          <a:bodyPr rtlCol="0" anchor="ctr"/>
-          <a:lstStyle/>
-          <a:p>
-            <a:pPr algn="ctr"/>
-            <a:endParaRPr lang="en-US"/>
-          </a:p>
-        </p:txBody>
-      </p:sp>
+        </p:spPr>
+      </p:pic>
       <p:pic>
         <p:nvPicPr>
-          <p:cNvPr id="6" name="Content Placeholder 5">
+          <p:cNvPr id="227" name="Content Placeholder 14">
             <a:extLst>
               <a:ext uri="{FF2B5EF4-FFF2-40B4-BE49-F238E27FC236}">
-                <a16:creationId xmlns:a16="http://schemas.microsoft.com/office/drawing/2014/main" id="{59849088-DCC0-4963-A3BA-D1099E55823E}"/>
+                <a16:creationId xmlns:a16="http://schemas.microsoft.com/office/drawing/2014/main" id="{1431533F-85D2-4FE1-BF73-A8B8BF9F4FAB}"/>
               </a:ext>
             </a:extLst>
           </p:cNvPr>
@@ -6548,125 +5237,21 @@
           </p:nvPr>
         </p:nvPicPr>
         <p:blipFill>
-          <a:blip r:embed="rId3">
-            <a:extLst>
-              <a:ext uri="{28A0092B-C50C-407E-A947-70E740481C1C}">
-                <a14:useLocalDpi xmlns:a14="http://schemas.microsoft.com/office/drawing/2010/main" val="0"/>
-              </a:ext>
-            </a:extLst>
-          </a:blip>
+          <a:blip r:embed="rId3"/>
           <a:stretch>
             <a:fillRect/>
           </a:stretch>
         </p:blipFill>
         <p:spPr>
           <a:xfrm>
-            <a:off x="4618374" y="1541530"/>
-            <a:ext cx="6282919" cy="3015801"/>
+            <a:off x="6172121" y="991874"/>
+            <a:ext cx="3599926" cy="2312952"/>
           </a:xfrm>
           <a:prstGeom prst="rect">
             <a:avLst/>
           </a:prstGeom>
         </p:spPr>
       </p:pic>
-      <p:pic>
-        <p:nvPicPr>
-          <p:cNvPr id="31" name="Picture 30">
-            <a:extLst>
-              <a:ext uri="{FF2B5EF4-FFF2-40B4-BE49-F238E27FC236}">
-                <a16:creationId xmlns:a16="http://schemas.microsoft.com/office/drawing/2014/main" id="{16EFE474-4FE0-4E8F-8F09-5ED2C9E76A84}"/>
-              </a:ext>
-              <a:ext uri="{C183D7F6-B498-43B3-948B-1728B52AA6E4}">
-                <adec:decorative xmlns:adec="http://schemas.microsoft.com/office/drawing/2017/decorative" val="1"/>
-              </a:ext>
-            </a:extLst>
-          </p:cNvPr>
-          <p:cNvPicPr>
-            <a:picLocks noGrp="1" noRot="1" noChangeAspect="1" noMove="1" noResize="1" noEditPoints="1" noAdjustHandles="1" noChangeArrowheads="1" noChangeShapeType="1" noCrop="1"/>
-          </p:cNvPicPr>
-          <p:nvPr>
-            <p:extLst>
-              <p:ext uri="{386F3935-93C4-4BCD-93E2-E3B085C9AB24}">
-                <p16:designElem xmlns:p16="http://schemas.microsoft.com/office/powerpoint/2015/main" val="1"/>
-              </p:ext>
-            </p:extLst>
-          </p:nvPr>
-        </p:nvPicPr>
-        <p:blipFill rotWithShape="1">
-          <a:blip r:embed="rId2">
-            <a:extLst>
-              <a:ext uri="{28A0092B-C50C-407E-A947-70E740481C1C}">
-                <a14:useLocalDpi xmlns:a14="http://schemas.microsoft.com/office/drawing/2010/main" val="0"/>
-              </a:ext>
-            </a:extLst>
-          </a:blip>
-          <a:srcRect t="1538" b="-1538"/>
-          <a:stretch/>
-        </p:blipFill>
-        <p:spPr bwMode="black">
-          <a:xfrm>
-            <a:off x="0" y="6126480"/>
-            <a:ext cx="12192000" cy="742950"/>
-          </a:xfrm>
-          <a:prstGeom prst="rect">
-            <a:avLst/>
-          </a:prstGeom>
-        </p:spPr>
-      </p:pic>
-      <p:cxnSp>
-        <p:nvCxnSpPr>
-          <p:cNvPr id="33" name="Straight Connector 32">
-            <a:extLst>
-              <a:ext uri="{FF2B5EF4-FFF2-40B4-BE49-F238E27FC236}">
-                <a16:creationId xmlns:a16="http://schemas.microsoft.com/office/drawing/2014/main" id="{CF8B8C81-54DC-4AF5-B682-3A2C70A6B55C}"/>
-              </a:ext>
-              <a:ext uri="{C183D7F6-B498-43B3-948B-1728B52AA6E4}">
-                <adec:decorative xmlns:adec="http://schemas.microsoft.com/office/drawing/2017/decorative" val="1"/>
-              </a:ext>
-            </a:extLst>
-          </p:cNvPr>
-          <p:cNvCxnSpPr>
-            <a:cxnSpLocks noGrp="1" noRot="1" noChangeAspect="1" noMove="1" noResize="1" noEditPoints="1" noAdjustHandles="1" noChangeArrowheads="1" noChangeShapeType="1"/>
-          </p:cNvCxnSpPr>
-          <p:nvPr>
-            <p:extLst>
-              <p:ext uri="{386F3935-93C4-4BCD-93E2-E3B085C9AB24}">
-                <p16:designElem xmlns:p16="http://schemas.microsoft.com/office/powerpoint/2015/main" val="1"/>
-              </p:ext>
-            </p:extLst>
-          </p:nvPr>
-        </p:nvCxnSpPr>
-        <p:spPr>
-          <a:xfrm>
-            <a:off x="0" y="6128413"/>
-            <a:ext cx="12192000" cy="0"/>
-          </a:xfrm>
-          <a:prstGeom prst="line">
-            <a:avLst/>
-          </a:prstGeom>
-          <a:ln w="12700">
-            <a:solidFill>
-              <a:srgbClr val="000001">
-                <a:alpha val="20000"/>
-              </a:srgbClr>
-            </a:solidFill>
-          </a:ln>
-        </p:spPr>
-        <p:style>
-          <a:lnRef idx="1">
-            <a:schemeClr val="accent1"/>
-          </a:lnRef>
-          <a:fillRef idx="0">
-            <a:schemeClr val="accent1"/>
-          </a:fillRef>
-          <a:effectRef idx="0">
-            <a:schemeClr val="accent1"/>
-          </a:effectRef>
-          <a:fontRef idx="minor">
-            <a:schemeClr val="tx1"/>
-          </a:fontRef>
-        </p:style>
-      </p:cxnSp>
     </p:spTree>
     <p:extLst>
       <p:ext uri="{BB962C8B-B14F-4D97-AF65-F5344CB8AC3E}">
@@ -6683,30 +5268,6 @@
 <file path=ppt/slides/slide5.xml><?xml version="1.0" encoding="utf-8"?>
 <p:sld xmlns:a="http://schemas.openxmlformats.org/drawingml/2006/main" xmlns:r="http://schemas.openxmlformats.org/officeDocument/2006/relationships" xmlns:p="http://schemas.openxmlformats.org/presentationml/2006/main">
   <p:cSld>
-    <p:bg>
-      <p:bgPr>
-        <a:gradFill rotWithShape="1">
-          <a:gsLst>
-            <a:gs pos="0">
-              <a:schemeClr val="bg2">
-                <a:tint val="94000"/>
-                <a:satMod val="80000"/>
-                <a:lumMod val="106000"/>
-              </a:schemeClr>
-            </a:gs>
-            <a:gs pos="100000">
-              <a:schemeClr val="bg2">
-                <a:shade val="80000"/>
-              </a:schemeClr>
-            </a:gs>
-          </a:gsLst>
-          <a:path path="circle">
-            <a:fillToRect l="43000" r="43000" b="100000"/>
-          </a:path>
-        </a:gradFill>
-        <a:effectLst/>
-      </p:bgPr>
-    </p:bg>
     <p:spTree>
       <p:nvGrpSpPr>
         <p:cNvPr id="1" name=""/>
@@ -6723,352 +5284,6 @@
       </p:grpSpPr>
       <p:sp>
         <p:nvSpPr>
-          <p:cNvPr id="9" name="Rectangle 8">
-            <a:extLst>
-              <a:ext uri="{FF2B5EF4-FFF2-40B4-BE49-F238E27FC236}">
-                <a16:creationId xmlns:a16="http://schemas.microsoft.com/office/drawing/2014/main" id="{0CABCAE3-64FC-4149-819F-2C1812824154}"/>
-              </a:ext>
-              <a:ext uri="{C183D7F6-B498-43B3-948B-1728B52AA6E4}">
-                <adec:decorative xmlns:adec="http://schemas.microsoft.com/office/drawing/2017/decorative" val="1"/>
-              </a:ext>
-            </a:extLst>
-          </p:cNvPr>
-          <p:cNvSpPr>
-            <a:spLocks noGrp="1" noRot="1" noChangeAspect="1" noMove="1" noResize="1" noEditPoints="1" noAdjustHandles="1" noChangeArrowheads="1" noChangeShapeType="1" noTextEdit="1"/>
-          </p:cNvSpPr>
-          <p:nvPr>
-            <p:extLst>
-              <p:ext uri="{386F3935-93C4-4BCD-93E2-E3B085C9AB24}">
-                <p16:designElem xmlns:p16="http://schemas.microsoft.com/office/powerpoint/2015/main" val="1"/>
-              </p:ext>
-            </p:extLst>
-          </p:nvPr>
-        </p:nvSpPr>
-        <p:spPr>
-          <a:xfrm>
-            <a:off x="0" y="2019476"/>
-            <a:ext cx="12192000" cy="4105941"/>
-          </a:xfrm>
-          <a:prstGeom prst="rect">
-            <a:avLst/>
-          </a:prstGeom>
-          <a:gradFill flip="none" rotWithShape="1">
-            <a:gsLst>
-              <a:gs pos="0">
-                <a:schemeClr val="bg2">
-                  <a:alpha val="0"/>
-                </a:schemeClr>
-              </a:gs>
-              <a:gs pos="100000">
-                <a:schemeClr val="bg2"/>
-              </a:gs>
-            </a:gsLst>
-            <a:lin ang="5400000" scaled="0"/>
-            <a:tileRect/>
-          </a:gradFill>
-          <a:ln>
-            <a:noFill/>
-          </a:ln>
-        </p:spPr>
-        <p:style>
-          <a:lnRef idx="2">
-            <a:schemeClr val="accent1">
-              <a:shade val="50000"/>
-            </a:schemeClr>
-          </a:lnRef>
-          <a:fillRef idx="1">
-            <a:schemeClr val="accent1"/>
-          </a:fillRef>
-          <a:effectRef idx="0">
-            <a:schemeClr val="accent1"/>
-          </a:effectRef>
-          <a:fontRef idx="minor">
-            <a:schemeClr val="lt1"/>
-          </a:fontRef>
-        </p:style>
-      </p:sp>
-      <p:pic>
-        <p:nvPicPr>
-          <p:cNvPr id="11" name="Picture 10">
-            <a:extLst>
-              <a:ext uri="{FF2B5EF4-FFF2-40B4-BE49-F238E27FC236}">
-                <a16:creationId xmlns:a16="http://schemas.microsoft.com/office/drawing/2014/main" id="{012FDCFE-9AD2-4D8A-8CBF-B3AA37EBF6DD}"/>
-              </a:ext>
-              <a:ext uri="{C183D7F6-B498-43B3-948B-1728B52AA6E4}">
-                <adec:decorative xmlns:adec="http://schemas.microsoft.com/office/drawing/2017/decorative" val="1"/>
-              </a:ext>
-            </a:extLst>
-          </p:cNvPr>
-          <p:cNvPicPr>
-            <a:picLocks noGrp="1" noRot="1" noChangeAspect="1" noMove="1" noResize="1" noEditPoints="1" noAdjustHandles="1" noChangeArrowheads="1" noChangeShapeType="1" noCrop="1"/>
-          </p:cNvPicPr>
-          <p:nvPr>
-            <p:extLst>
-              <p:ext uri="{386F3935-93C4-4BCD-93E2-E3B085C9AB24}">
-                <p16:designElem xmlns:p16="http://schemas.microsoft.com/office/powerpoint/2015/main" val="1"/>
-              </p:ext>
-            </p:extLst>
-          </p:nvPr>
-        </p:nvPicPr>
-        <p:blipFill rotWithShape="1">
-          <a:blip r:embed="rId2">
-            <a:extLst>
-              <a:ext uri="{28A0092B-C50C-407E-A947-70E740481C1C}">
-                <a14:useLocalDpi xmlns:a14="http://schemas.microsoft.com/office/drawing/2010/main" val="0"/>
-              </a:ext>
-            </a:extLst>
-          </a:blip>
-          <a:srcRect t="1538" b="-1538"/>
-          <a:stretch/>
-        </p:blipFill>
-        <p:spPr bwMode="black">
-          <a:xfrm>
-            <a:off x="0" y="6126480"/>
-            <a:ext cx="12192000" cy="742950"/>
-          </a:xfrm>
-          <a:prstGeom prst="rect">
-            <a:avLst/>
-          </a:prstGeom>
-        </p:spPr>
-      </p:pic>
-      <p:cxnSp>
-        <p:nvCxnSpPr>
-          <p:cNvPr id="13" name="Straight Connector 12">
-            <a:extLst>
-              <a:ext uri="{FF2B5EF4-FFF2-40B4-BE49-F238E27FC236}">
-                <a16:creationId xmlns:a16="http://schemas.microsoft.com/office/drawing/2014/main" id="{FBD463FC-4CA8-4FF4-85A3-AF9F4B98D210}"/>
-              </a:ext>
-              <a:ext uri="{C183D7F6-B498-43B3-948B-1728B52AA6E4}">
-                <adec:decorative xmlns:adec="http://schemas.microsoft.com/office/drawing/2017/decorative" val="1"/>
-              </a:ext>
-            </a:extLst>
-          </p:cNvPr>
-          <p:cNvCxnSpPr>
-            <a:cxnSpLocks noGrp="1" noRot="1" noChangeAspect="1" noMove="1" noResize="1" noEditPoints="1" noAdjustHandles="1" noChangeArrowheads="1" noChangeShapeType="1"/>
-          </p:cNvCxnSpPr>
-          <p:nvPr>
-            <p:extLst>
-              <p:ext uri="{386F3935-93C4-4BCD-93E2-E3B085C9AB24}">
-                <p16:designElem xmlns:p16="http://schemas.microsoft.com/office/powerpoint/2015/main" val="1"/>
-              </p:ext>
-            </p:extLst>
-          </p:nvPr>
-        </p:nvCxnSpPr>
-        <p:spPr>
-          <a:xfrm>
-            <a:off x="0" y="6128413"/>
-            <a:ext cx="12192000" cy="0"/>
-          </a:xfrm>
-          <a:prstGeom prst="line">
-            <a:avLst/>
-          </a:prstGeom>
-          <a:ln w="12700">
-            <a:solidFill>
-              <a:srgbClr val="000001">
-                <a:alpha val="20000"/>
-              </a:srgbClr>
-            </a:solidFill>
-          </a:ln>
-        </p:spPr>
-        <p:style>
-          <a:lnRef idx="1">
-            <a:schemeClr val="accent1"/>
-          </a:lnRef>
-          <a:fillRef idx="0">
-            <a:schemeClr val="accent1"/>
-          </a:fillRef>
-          <a:effectRef idx="0">
-            <a:schemeClr val="accent1"/>
-          </a:effectRef>
-          <a:fontRef idx="minor">
-            <a:schemeClr val="tx1"/>
-          </a:fontRef>
-        </p:style>
-      </p:cxnSp>
-      <p:cxnSp>
-        <p:nvCxnSpPr>
-          <p:cNvPr id="15" name="Straight Connector 14">
-            <a:extLst>
-              <a:ext uri="{FF2B5EF4-FFF2-40B4-BE49-F238E27FC236}">
-                <a16:creationId xmlns:a16="http://schemas.microsoft.com/office/drawing/2014/main" id="{BECF35C3-8B44-4F4B-BD25-4C01823DB22A}"/>
-              </a:ext>
-              <a:ext uri="{C183D7F6-B498-43B3-948B-1728B52AA6E4}">
-                <adec:decorative xmlns:adec="http://schemas.microsoft.com/office/drawing/2017/decorative" val="1"/>
-              </a:ext>
-            </a:extLst>
-          </p:cNvPr>
-          <p:cNvCxnSpPr>
-            <a:cxnSpLocks noGrp="1" noRot="1" noChangeAspect="1" noMove="1" noResize="1" noEditPoints="1" noAdjustHandles="1" noChangeArrowheads="1" noChangeShapeType="1"/>
-          </p:cNvCxnSpPr>
-          <p:nvPr>
-            <p:extLst>
-              <p:ext uri="{386F3935-93C4-4BCD-93E2-E3B085C9AB24}">
-                <p16:designElem xmlns:p16="http://schemas.microsoft.com/office/powerpoint/2015/main" val="1"/>
-              </p:ext>
-            </p:extLst>
-          </p:nvPr>
-        </p:nvCxnSpPr>
-        <p:spPr>
-          <a:xfrm>
-            <a:off x="2417780" y="3528542"/>
-            <a:ext cx="8637072" cy="0"/>
-          </a:xfrm>
-          <a:prstGeom prst="line">
-            <a:avLst/>
-          </a:prstGeom>
-          <a:ln w="31750"/>
-        </p:spPr>
-        <p:style>
-          <a:lnRef idx="3">
-            <a:schemeClr val="accent1"/>
-          </a:lnRef>
-          <a:fillRef idx="0">
-            <a:schemeClr val="accent1"/>
-          </a:fillRef>
-          <a:effectRef idx="2">
-            <a:schemeClr val="accent1"/>
-          </a:effectRef>
-          <a:fontRef idx="minor">
-            <a:schemeClr val="tx1"/>
-          </a:fontRef>
-        </p:style>
-      </p:cxnSp>
-      <p:sp useBgFill="1">
-        <p:nvSpPr>
-          <p:cNvPr id="17" name="Rectangle 16">
-            <a:extLst>
-              <a:ext uri="{FF2B5EF4-FFF2-40B4-BE49-F238E27FC236}">
-                <a16:creationId xmlns:a16="http://schemas.microsoft.com/office/drawing/2014/main" id="{2FA7AD0A-1871-4DF8-9235-F49D0513B9C1}"/>
-              </a:ext>
-              <a:ext uri="{C183D7F6-B498-43B3-948B-1728B52AA6E4}">
-                <adec:decorative xmlns:adec="http://schemas.microsoft.com/office/drawing/2017/decorative" val="1"/>
-              </a:ext>
-            </a:extLst>
-          </p:cNvPr>
-          <p:cNvSpPr>
-            <a:spLocks noGrp="1" noRot="1" noChangeAspect="1" noMove="1" noResize="1" noEditPoints="1" noAdjustHandles="1" noChangeArrowheads="1" noChangeShapeType="1" noTextEdit="1"/>
-          </p:cNvSpPr>
-          <p:nvPr>
-            <p:extLst>
-              <p:ext uri="{386F3935-93C4-4BCD-93E2-E3B085C9AB24}">
-                <p16:designElem xmlns:p16="http://schemas.microsoft.com/office/powerpoint/2015/main" val="1"/>
-              </p:ext>
-            </p:extLst>
-          </p:nvPr>
-        </p:nvSpPr>
-        <p:spPr>
-          <a:xfrm>
-            <a:off x="2" y="0"/>
-            <a:ext cx="12191695" cy="6858000"/>
-          </a:xfrm>
-          <a:prstGeom prst="rect">
-            <a:avLst/>
-          </a:prstGeom>
-          <a:ln>
-            <a:noFill/>
-          </a:ln>
-        </p:spPr>
-        <p:style>
-          <a:lnRef idx="2">
-            <a:schemeClr val="accent1">
-              <a:shade val="50000"/>
-            </a:schemeClr>
-          </a:lnRef>
-          <a:fillRef idx="1">
-            <a:schemeClr val="accent1"/>
-          </a:fillRef>
-          <a:effectRef idx="0">
-            <a:schemeClr val="accent1"/>
-          </a:effectRef>
-          <a:fontRef idx="minor">
-            <a:schemeClr val="lt1"/>
-          </a:fontRef>
-        </p:style>
-        <p:txBody>
-          <a:bodyPr rtlCol="0" anchor="ctr"/>
-          <a:lstStyle/>
-          <a:p>
-            <a:pPr algn="ctr"/>
-            <a:endParaRPr lang="en-US"/>
-          </a:p>
-        </p:txBody>
-      </p:sp>
-      <p:sp>
-        <p:nvSpPr>
-          <p:cNvPr id="19" name="Rectangle 18">
-            <a:extLst>
-              <a:ext uri="{FF2B5EF4-FFF2-40B4-BE49-F238E27FC236}">
-                <a16:creationId xmlns:a16="http://schemas.microsoft.com/office/drawing/2014/main" id="{36B04CFB-FAE5-47DD-9B3E-4E9BA7A89CC1}"/>
-              </a:ext>
-              <a:ext uri="{C183D7F6-B498-43B3-948B-1728B52AA6E4}">
-                <adec:decorative xmlns:adec="http://schemas.microsoft.com/office/drawing/2017/decorative" val="1"/>
-              </a:ext>
-            </a:extLst>
-          </p:cNvPr>
-          <p:cNvSpPr>
-            <a:spLocks noGrp="1" noRot="1" noChangeAspect="1" noMove="1" noResize="1" noEditPoints="1" noAdjustHandles="1" noChangeArrowheads="1" noChangeShapeType="1" noTextEdit="1"/>
-          </p:cNvSpPr>
-          <p:nvPr>
-            <p:extLst>
-              <p:ext uri="{386F3935-93C4-4BCD-93E2-E3B085C9AB24}">
-                <p16:designElem xmlns:p16="http://schemas.microsoft.com/office/powerpoint/2015/main" val="1"/>
-              </p:ext>
-            </p:extLst>
-          </p:nvPr>
-        </p:nvSpPr>
-        <p:spPr>
-          <a:xfrm>
-            <a:off x="0" y="2019476"/>
-            <a:ext cx="12192000" cy="4105941"/>
-          </a:xfrm>
-          <a:prstGeom prst="rect">
-            <a:avLst/>
-          </a:prstGeom>
-          <a:gradFill flip="none" rotWithShape="1">
-            <a:gsLst>
-              <a:gs pos="0">
-                <a:schemeClr val="bg2">
-                  <a:alpha val="0"/>
-                </a:schemeClr>
-              </a:gs>
-              <a:gs pos="100000">
-                <a:schemeClr val="bg2"/>
-              </a:gs>
-            </a:gsLst>
-            <a:lin ang="5400000" scaled="0"/>
-            <a:tileRect/>
-          </a:gradFill>
-          <a:ln>
-            <a:noFill/>
-          </a:ln>
-        </p:spPr>
-        <p:style>
-          <a:lnRef idx="2">
-            <a:schemeClr val="accent1">
-              <a:shade val="50000"/>
-            </a:schemeClr>
-          </a:lnRef>
-          <a:fillRef idx="1">
-            <a:schemeClr val="accent1"/>
-          </a:fillRef>
-          <a:effectRef idx="0">
-            <a:schemeClr val="accent1"/>
-          </a:effectRef>
-          <a:fontRef idx="minor">
-            <a:schemeClr val="lt1"/>
-          </a:fontRef>
-        </p:style>
-        <p:txBody>
-          <a:bodyPr rtlCol="0" anchor="ctr"/>
-          <a:lstStyle/>
-          <a:p>
-            <a:pPr lvl="0" algn="ctr"/>
-            <a:endParaRPr lang="en-US"/>
-          </a:p>
-        </p:txBody>
-      </p:sp>
-      <p:sp>
-        <p:nvSpPr>
           <p:cNvPr id="2" name="Title 1">
             <a:extLst>
               <a:ext uri="{FF2B5EF4-FFF2-40B4-BE49-F238E27FC236}">
@@ -7096,323 +5311,9 @@
           <a:lstStyle/>
           <a:p>
             <a:r>
-              <a:rPr lang="en-US" sz="3600" dirty="0" err="1"/>
-              <a:t>Css</a:t>
-            </a:r>
-            <a:r>
               <a:rPr lang="en-US" sz="3600" dirty="0"/>
-              <a:t> Animation-Banner</a:t>
-            </a:r>
-          </a:p>
-        </p:txBody>
-      </p:sp>
-      <p:cxnSp>
-        <p:nvCxnSpPr>
-          <p:cNvPr id="21" name="Straight Connector 20">
-            <a:extLst>
-              <a:ext uri="{FF2B5EF4-FFF2-40B4-BE49-F238E27FC236}">
-                <a16:creationId xmlns:a16="http://schemas.microsoft.com/office/drawing/2014/main" id="{EE68D41B-9286-479F-9AB7-678C8E348D71}"/>
-              </a:ext>
-              <a:ext uri="{C183D7F6-B498-43B3-948B-1728B52AA6E4}">
-                <adec:decorative xmlns:adec="http://schemas.microsoft.com/office/drawing/2017/decorative" val="1"/>
-              </a:ext>
-            </a:extLst>
-          </p:cNvPr>
-          <p:cNvCxnSpPr>
-            <a:cxnSpLocks noGrp="1" noRot="1" noChangeAspect="1" noMove="1" noResize="1" noEditPoints="1" noAdjustHandles="1" noChangeArrowheads="1" noChangeShapeType="1"/>
-          </p:cNvCxnSpPr>
-          <p:nvPr>
-            <p:extLst>
-              <p:ext uri="{386F3935-93C4-4BCD-93E2-E3B085C9AB24}">
-                <p16:designElem xmlns:p16="http://schemas.microsoft.com/office/powerpoint/2015/main" val="1"/>
-              </p:ext>
-            </p:extLst>
-          </p:nvPr>
-        </p:nvCxnSpPr>
-        <p:spPr>
-          <a:xfrm>
-            <a:off x="659301" y="3528543"/>
-            <a:ext cx="2823919" cy="0"/>
-          </a:xfrm>
-          <a:prstGeom prst="line">
-            <a:avLst/>
-          </a:prstGeom>
-          <a:ln w="31750"/>
-        </p:spPr>
-        <p:style>
-          <a:lnRef idx="3">
-            <a:schemeClr val="accent1"/>
-          </a:lnRef>
-          <a:fillRef idx="0">
-            <a:schemeClr val="accent1"/>
-          </a:fillRef>
-          <a:effectRef idx="2">
-            <a:schemeClr val="accent1"/>
-          </a:effectRef>
-          <a:fontRef idx="minor">
-            <a:schemeClr val="tx1"/>
-          </a:fontRef>
-        </p:style>
-      </p:cxnSp>
-      <p:grpSp>
-        <p:nvGrpSpPr>
-          <p:cNvPr id="23" name="Group 22">
-            <a:extLst>
-              <a:ext uri="{FF2B5EF4-FFF2-40B4-BE49-F238E27FC236}">
-                <a16:creationId xmlns:a16="http://schemas.microsoft.com/office/drawing/2014/main" id="{E8ACF89C-CFC3-4D68-B3C4-2BEFB7BBE5F7}"/>
-              </a:ext>
-              <a:ext uri="{C183D7F6-B498-43B3-948B-1728B52AA6E4}">
-                <adec:decorative xmlns:adec="http://schemas.microsoft.com/office/drawing/2017/decorative" val="1"/>
-              </a:ext>
-            </a:extLst>
-          </p:cNvPr>
-          <p:cNvGrpSpPr>
-            <a:grpSpLocks noGrp="1" noUngrp="1" noRot="1" noChangeAspect="1" noMove="1" noResize="1"/>
-          </p:cNvGrpSpPr>
-          <p:nvPr>
-            <p:extLst>
-              <p:ext uri="{386F3935-93C4-4BCD-93E2-E3B085C9AB24}">
-                <p16:designElem xmlns:p16="http://schemas.microsoft.com/office/powerpoint/2015/main" val="1"/>
-              </p:ext>
-            </p:extLst>
-          </p:nvPr>
-        </p:nvGrpSpPr>
-        <p:grpSpPr>
-          <a:xfrm>
-            <a:off x="3979389" y="482171"/>
-            <a:ext cx="7560115" cy="5149101"/>
-            <a:chOff x="3979389" y="482171"/>
-            <a:chExt cx="7560115" cy="5149101"/>
-          </a:xfrm>
-        </p:grpSpPr>
-        <p:sp>
-          <p:nvSpPr>
-            <p:cNvPr id="24" name="Rectangle 23">
-              <a:extLst>
-                <a:ext uri="{FF2B5EF4-FFF2-40B4-BE49-F238E27FC236}">
-                  <a16:creationId xmlns:a16="http://schemas.microsoft.com/office/drawing/2014/main" id="{3B770B7D-3C5C-4682-8DF0-20783592F3B6}"/>
-                </a:ext>
-                <a:ext uri="{C183D7F6-B498-43B3-948B-1728B52AA6E4}">
-                  <adec:decorative xmlns:adec="http://schemas.microsoft.com/office/drawing/2017/decorative" val="1"/>
-                </a:ext>
-              </a:extLst>
-            </p:cNvPr>
-            <p:cNvSpPr/>
-            <p:nvPr>
-              <p:extLst>
-                <p:ext uri="{386F3935-93C4-4BCD-93E2-E3B085C9AB24}">
-                  <p16:designElem xmlns:p16="http://schemas.microsoft.com/office/powerpoint/2015/main" val="1"/>
-                </p:ext>
-              </p:extLst>
-            </p:nvPr>
-          </p:nvSpPr>
-          <p:spPr>
-            <a:xfrm>
-              <a:off x="3979389" y="482171"/>
-              <a:ext cx="7560115" cy="5149101"/>
-            </a:xfrm>
-            <a:prstGeom prst="rect">
-              <a:avLst/>
-            </a:prstGeom>
-            <a:gradFill>
-              <a:gsLst>
-                <a:gs pos="0">
-                  <a:srgbClr val="000001"/>
-                </a:gs>
-                <a:gs pos="100000">
-                  <a:srgbClr val="191919"/>
-                </a:gs>
-              </a:gsLst>
-            </a:gradFill>
-            <a:ln w="76200" cmpd="sng">
-              <a:noFill/>
-              <a:miter lim="800000"/>
-            </a:ln>
-            <a:effectLst>
-              <a:outerShdw blurRad="127000" dist="228600" dir="4740000" sx="98000" sy="98000" algn="tl" rotWithShape="0">
-                <a:srgbClr val="000000">
-                  <a:alpha val="34000"/>
-                </a:srgbClr>
-              </a:outerShdw>
-            </a:effectLst>
-            <a:scene3d>
-              <a:camera prst="orthographicFront"/>
-              <a:lightRig rig="threePt" dir="t"/>
-            </a:scene3d>
-            <a:sp3d>
-              <a:bevelT w="152400" h="50800" prst="softRound"/>
-            </a:sp3d>
-          </p:spPr>
-          <p:style>
-            <a:lnRef idx="1">
-              <a:schemeClr val="accent1"/>
-            </a:lnRef>
-            <a:fillRef idx="3">
-              <a:schemeClr val="accent1"/>
-            </a:fillRef>
-            <a:effectRef idx="2">
-              <a:schemeClr val="accent1"/>
-            </a:effectRef>
-            <a:fontRef idx="minor">
-              <a:schemeClr val="lt1"/>
-            </a:fontRef>
-          </p:style>
-          <p:txBody>
-            <a:bodyPr rtlCol="0" anchor="ctr"/>
-            <a:lstStyle/>
-            <a:p>
-              <a:pPr algn="ctr"/>
-              <a:endParaRPr lang="en-US"/>
-            </a:p>
-          </p:txBody>
-        </p:sp>
-        <p:sp>
-          <p:nvSpPr>
-            <p:cNvPr id="25" name="Rectangle 24">
-              <a:extLst>
-                <a:ext uri="{FF2B5EF4-FFF2-40B4-BE49-F238E27FC236}">
-                  <a16:creationId xmlns:a16="http://schemas.microsoft.com/office/drawing/2014/main" id="{A6893E11-7EC1-4EB6-A2A8-0B693F8FE576}"/>
-                </a:ext>
-                <a:ext uri="{C183D7F6-B498-43B3-948B-1728B52AA6E4}">
-                  <adec:decorative xmlns:adec="http://schemas.microsoft.com/office/drawing/2017/decorative" val="1"/>
-                </a:ext>
-              </a:extLst>
-            </p:cNvPr>
-            <p:cNvSpPr/>
-            <p:nvPr>
-              <p:extLst>
-                <p:ext uri="{386F3935-93C4-4BCD-93E2-E3B085C9AB24}">
-                  <p16:designElem xmlns:p16="http://schemas.microsoft.com/office/powerpoint/2015/main" val="1"/>
-                </p:ext>
-              </p:extLst>
-            </p:nvPr>
-          </p:nvSpPr>
-          <p:spPr>
-            <a:xfrm>
-              <a:off x="4292448" y="812507"/>
-              <a:ext cx="6928279" cy="4466452"/>
-            </a:xfrm>
-            <a:prstGeom prst="rect">
-              <a:avLst/>
-            </a:prstGeom>
-            <a:gradFill>
-              <a:gsLst>
-                <a:gs pos="0">
-                  <a:srgbClr val="DADADA"/>
-                </a:gs>
-                <a:gs pos="100000">
-                  <a:srgbClr val="FFFFFE"/>
-                </a:gs>
-              </a:gsLst>
-              <a:lin ang="16200000" scaled="0"/>
-            </a:gradFill>
-            <a:ln w="50800" cmpd="sng">
-              <a:solidFill>
-                <a:srgbClr val="191919"/>
-              </a:solidFill>
-              <a:miter lim="800000"/>
-            </a:ln>
-            <a:effectLst>
-              <a:innerShdw blurRad="63500" dist="88900" dir="14100000">
-                <a:srgbClr val="000000">
-                  <a:alpha val="30000"/>
-                </a:srgbClr>
-              </a:innerShdw>
-            </a:effectLst>
-            <a:scene3d>
-              <a:camera prst="orthographicFront"/>
-              <a:lightRig rig="threePt" dir="t"/>
-            </a:scene3d>
-            <a:sp3d>
-              <a:bevelT prst="relaxedInset"/>
-            </a:sp3d>
-          </p:spPr>
-          <p:style>
-            <a:lnRef idx="1">
-              <a:schemeClr val="accent1"/>
-            </a:lnRef>
-            <a:fillRef idx="3">
-              <a:schemeClr val="accent1"/>
-            </a:fillRef>
-            <a:effectRef idx="2">
-              <a:schemeClr val="accent1"/>
-            </a:effectRef>
-            <a:fontRef idx="minor">
-              <a:schemeClr val="lt1"/>
-            </a:fontRef>
-          </p:style>
-          <p:txBody>
-            <a:bodyPr rtlCol="0" anchor="ctr"/>
-            <a:lstStyle/>
-            <a:p>
-              <a:pPr algn="ctr"/>
-              <a:endParaRPr lang="en-US"/>
-            </a:p>
-          </p:txBody>
-        </p:sp>
-      </p:grpSp>
-      <p:sp>
-        <p:nvSpPr>
-          <p:cNvPr id="27" name="Rectangle 26">
-            <a:extLst>
-              <a:ext uri="{FF2B5EF4-FFF2-40B4-BE49-F238E27FC236}">
-                <a16:creationId xmlns:a16="http://schemas.microsoft.com/office/drawing/2014/main" id="{622F7FD7-8884-4FD5-95AB-0B5C6033ADF7}"/>
-              </a:ext>
-              <a:ext uri="{C183D7F6-B498-43B3-948B-1728B52AA6E4}">
-                <adec:decorative xmlns:adec="http://schemas.microsoft.com/office/drawing/2017/decorative" val="1"/>
-              </a:ext>
-            </a:extLst>
-          </p:cNvPr>
-          <p:cNvSpPr>
-            <a:spLocks noGrp="1" noRot="1" noChangeAspect="1" noMove="1" noResize="1" noEditPoints="1" noAdjustHandles="1" noChangeArrowheads="1" noChangeShapeType="1" noTextEdit="1"/>
-          </p:cNvSpPr>
-          <p:nvPr>
-            <p:extLst>
-              <p:ext uri="{386F3935-93C4-4BCD-93E2-E3B085C9AB24}">
-                <p16:designElem xmlns:p16="http://schemas.microsoft.com/office/powerpoint/2015/main" val="1"/>
-              </p:ext>
-            </p:extLst>
-          </p:nvPr>
-        </p:nvSpPr>
-        <p:spPr>
-          <a:xfrm>
-            <a:off x="4455487" y="977965"/>
-            <a:ext cx="6615582" cy="4135339"/>
-          </a:xfrm>
-          <a:prstGeom prst="rect">
-            <a:avLst/>
-          </a:prstGeom>
-          <a:solidFill>
-            <a:schemeClr val="bg1"/>
-          </a:solidFill>
-          <a:ln w="6350">
-            <a:solidFill>
-              <a:schemeClr val="bg2"/>
-            </a:solidFill>
-          </a:ln>
-        </p:spPr>
-        <p:style>
-          <a:lnRef idx="2">
-            <a:schemeClr val="accent1">
-              <a:shade val="50000"/>
-            </a:schemeClr>
-          </a:lnRef>
-          <a:fillRef idx="1">
-            <a:schemeClr val="accent1"/>
-          </a:fillRef>
-          <a:effectRef idx="0">
-            <a:schemeClr val="accent1"/>
-          </a:effectRef>
-          <a:fontRef idx="minor">
-            <a:schemeClr val="lt1"/>
-          </a:fontRef>
-        </p:style>
-        <p:txBody>
-          <a:bodyPr rtlCol="0" anchor="ctr"/>
-          <a:lstStyle/>
-          <a:p>
-            <a:pPr algn="ctr"/>
-            <a:endParaRPr lang="en-US"/>
+              <a:t>PHP code</a:t>
+            </a:r>
           </a:p>
         </p:txBody>
       </p:sp>
@@ -7421,7 +5322,7 @@
           <p:cNvPr id="4" name="Picture 3">
             <a:extLst>
               <a:ext uri="{FF2B5EF4-FFF2-40B4-BE49-F238E27FC236}">
-                <a16:creationId xmlns:a16="http://schemas.microsoft.com/office/drawing/2014/main" id="{D9A3FA54-E84A-4CFA-AA61-98C2D1DF881D}"/>
+                <a16:creationId xmlns:a16="http://schemas.microsoft.com/office/drawing/2014/main" id="{8F95C261-684C-4217-A4CB-1CA98817BC8B}"/>
               </a:ext>
             </a:extLst>
           </p:cNvPr>
@@ -7430,130 +5331,25 @@
           </p:cNvPicPr>
           <p:nvPr/>
         </p:nvPicPr>
-        <p:blipFill>
-          <a:blip r:embed="rId3">
-            <a:extLst>
-              <a:ext uri="{28A0092B-C50C-407E-A947-70E740481C1C}">
-                <a14:useLocalDpi xmlns:a14="http://schemas.microsoft.com/office/drawing/2010/main" val="0"/>
-              </a:ext>
-            </a:extLst>
-          </a:blip>
-          <a:stretch>
-            <a:fillRect/>
-          </a:stretch>
+        <p:blipFill rotWithShape="1">
+          <a:blip r:embed="rId2"/>
+          <a:srcRect r="-2" b="6764"/>
+          <a:stretch/>
         </p:blipFill>
         <p:spPr>
           <a:xfrm>
-            <a:off x="6213365" y="1116345"/>
-            <a:ext cx="3092937" cy="3866172"/>
+            <a:off x="4803904" y="2017493"/>
+            <a:ext cx="6282919" cy="3866172"/>
           </a:xfrm>
           <a:prstGeom prst="rect">
             <a:avLst/>
           </a:prstGeom>
         </p:spPr>
       </p:pic>
-      <p:pic>
-        <p:nvPicPr>
-          <p:cNvPr id="29" name="Picture 28">
-            <a:extLst>
-              <a:ext uri="{FF2B5EF4-FFF2-40B4-BE49-F238E27FC236}">
-                <a16:creationId xmlns:a16="http://schemas.microsoft.com/office/drawing/2014/main" id="{16EFE474-4FE0-4E8F-8F09-5ED2C9E76A84}"/>
-              </a:ext>
-              <a:ext uri="{C183D7F6-B498-43B3-948B-1728B52AA6E4}">
-                <adec:decorative xmlns:adec="http://schemas.microsoft.com/office/drawing/2017/decorative" val="1"/>
-              </a:ext>
-            </a:extLst>
-          </p:cNvPr>
-          <p:cNvPicPr>
-            <a:picLocks noGrp="1" noRot="1" noChangeAspect="1" noMove="1" noResize="1" noEditPoints="1" noAdjustHandles="1" noChangeArrowheads="1" noChangeShapeType="1" noCrop="1"/>
-          </p:cNvPicPr>
-          <p:nvPr>
-            <p:extLst>
-              <p:ext uri="{386F3935-93C4-4BCD-93E2-E3B085C9AB24}">
-                <p16:designElem xmlns:p16="http://schemas.microsoft.com/office/powerpoint/2015/main" val="1"/>
-              </p:ext>
-            </p:extLst>
-          </p:nvPr>
-        </p:nvPicPr>
-        <p:blipFill rotWithShape="1">
-          <a:blip r:embed="rId2">
-            <a:extLst>
-              <a:ext uri="{28A0092B-C50C-407E-A947-70E740481C1C}">
-                <a14:useLocalDpi xmlns:a14="http://schemas.microsoft.com/office/drawing/2010/main" val="0"/>
-              </a:ext>
-            </a:extLst>
-          </a:blip>
-          <a:srcRect t="1538" b="-1538"/>
-          <a:stretch/>
-        </p:blipFill>
-        <p:spPr bwMode="black">
-          <a:xfrm>
-            <a:off x="0" y="6126480"/>
-            <a:ext cx="12192000" cy="742950"/>
-          </a:xfrm>
-          <a:prstGeom prst="rect">
-            <a:avLst/>
-          </a:prstGeom>
-        </p:spPr>
-      </p:pic>
-      <p:cxnSp>
-        <p:nvCxnSpPr>
-          <p:cNvPr id="31" name="Straight Connector 30">
-            <a:extLst>
-              <a:ext uri="{FF2B5EF4-FFF2-40B4-BE49-F238E27FC236}">
-                <a16:creationId xmlns:a16="http://schemas.microsoft.com/office/drawing/2014/main" id="{CF8B8C81-54DC-4AF5-B682-3A2C70A6B55C}"/>
-              </a:ext>
-              <a:ext uri="{C183D7F6-B498-43B3-948B-1728B52AA6E4}">
-                <adec:decorative xmlns:adec="http://schemas.microsoft.com/office/drawing/2017/decorative" val="1"/>
-              </a:ext>
-            </a:extLst>
-          </p:cNvPr>
-          <p:cNvCxnSpPr>
-            <a:cxnSpLocks noGrp="1" noRot="1" noChangeAspect="1" noMove="1" noResize="1" noEditPoints="1" noAdjustHandles="1" noChangeArrowheads="1" noChangeShapeType="1"/>
-          </p:cNvCxnSpPr>
-          <p:nvPr>
-            <p:extLst>
-              <p:ext uri="{386F3935-93C4-4BCD-93E2-E3B085C9AB24}">
-                <p16:designElem xmlns:p16="http://schemas.microsoft.com/office/powerpoint/2015/main" val="1"/>
-              </p:ext>
-            </p:extLst>
-          </p:nvPr>
-        </p:nvCxnSpPr>
-        <p:spPr>
-          <a:xfrm>
-            <a:off x="0" y="6128413"/>
-            <a:ext cx="12192000" cy="0"/>
-          </a:xfrm>
-          <a:prstGeom prst="line">
-            <a:avLst/>
-          </a:prstGeom>
-          <a:ln w="12700">
-            <a:solidFill>
-              <a:srgbClr val="000001">
-                <a:alpha val="20000"/>
-              </a:srgbClr>
-            </a:solidFill>
-          </a:ln>
-        </p:spPr>
-        <p:style>
-          <a:lnRef idx="1">
-            <a:schemeClr val="accent1"/>
-          </a:lnRef>
-          <a:fillRef idx="0">
-            <a:schemeClr val="accent1"/>
-          </a:fillRef>
-          <a:effectRef idx="0">
-            <a:schemeClr val="accent1"/>
-          </a:effectRef>
-          <a:fontRef idx="minor">
-            <a:schemeClr val="tx1"/>
-          </a:fontRef>
-        </p:style>
-      </p:cxnSp>
     </p:spTree>
     <p:extLst>
       <p:ext uri="{BB962C8B-B14F-4D97-AF65-F5344CB8AC3E}">
-        <p14:creationId xmlns:p14="http://schemas.microsoft.com/office/powerpoint/2010/main" val="4093124044"/>
+        <p14:creationId xmlns:p14="http://schemas.microsoft.com/office/powerpoint/2010/main" val="2438320129"/>
       </p:ext>
     </p:extLst>
   </p:cSld>
@@ -7566,30 +5362,6 @@
 <file path=ppt/slides/slide6.xml><?xml version="1.0" encoding="utf-8"?>
 <p:sld xmlns:a="http://schemas.openxmlformats.org/drawingml/2006/main" xmlns:r="http://schemas.openxmlformats.org/officeDocument/2006/relationships" xmlns:p="http://schemas.openxmlformats.org/presentationml/2006/main">
   <p:cSld>
-    <p:bg>
-      <p:bgPr>
-        <a:gradFill rotWithShape="1">
-          <a:gsLst>
-            <a:gs pos="0">
-              <a:schemeClr val="bg2">
-                <a:tint val="94000"/>
-                <a:satMod val="80000"/>
-                <a:lumMod val="106000"/>
-              </a:schemeClr>
-            </a:gs>
-            <a:gs pos="100000">
-              <a:schemeClr val="bg2">
-                <a:shade val="80000"/>
-              </a:schemeClr>
-            </a:gs>
-          </a:gsLst>
-          <a:path path="circle">
-            <a:fillToRect l="43000" r="43000" b="100000"/>
-          </a:path>
-        </a:gradFill>
-        <a:effectLst/>
-      </p:bgPr>
-    </p:bg>
     <p:spTree>
       <p:nvGrpSpPr>
         <p:cNvPr id="1" name=""/>
@@ -7606,360 +5378,14 @@
       </p:grpSpPr>
       <p:sp>
         <p:nvSpPr>
-          <p:cNvPr id="39" name="Rectangle 38">
+          <p:cNvPr id="2" name="Title 1">
             <a:extLst>
               <a:ext uri="{FF2B5EF4-FFF2-40B4-BE49-F238E27FC236}">
-                <a16:creationId xmlns:a16="http://schemas.microsoft.com/office/drawing/2014/main" id="{EEA869E1-F851-4A52-92F5-77E592B76A5B}"/>
-              </a:ext>
-              <a:ext uri="{C183D7F6-B498-43B3-948B-1728B52AA6E4}">
-                <adec:decorative xmlns:adec="http://schemas.microsoft.com/office/drawing/2017/decorative" val="1"/>
+                <a16:creationId xmlns:a16="http://schemas.microsoft.com/office/drawing/2014/main" id="{6D8E4291-1534-A54F-AFE5-879B1999ADC8}"/>
               </a:ext>
             </a:extLst>
           </p:cNvPr>
           <p:cNvSpPr>
-            <a:spLocks noGrp="1" noRot="1" noChangeAspect="1" noMove="1" noResize="1" noEditPoints="1" noAdjustHandles="1" noChangeArrowheads="1" noChangeShapeType="1" noTextEdit="1"/>
-          </p:cNvSpPr>
-          <p:nvPr>
-            <p:extLst>
-              <p:ext uri="{386F3935-93C4-4BCD-93E2-E3B085C9AB24}">
-                <p16:designElem xmlns:p16="http://schemas.microsoft.com/office/powerpoint/2015/main" val="1"/>
-              </p:ext>
-            </p:extLst>
-          </p:nvPr>
-        </p:nvSpPr>
-        <p:spPr>
-          <a:xfrm>
-            <a:off x="0" y="2019476"/>
-            <a:ext cx="12192000" cy="4105941"/>
-          </a:xfrm>
-          <a:prstGeom prst="rect">
-            <a:avLst/>
-          </a:prstGeom>
-          <a:gradFill flip="none" rotWithShape="1">
-            <a:gsLst>
-              <a:gs pos="0">
-                <a:schemeClr val="bg2">
-                  <a:alpha val="0"/>
-                </a:schemeClr>
-              </a:gs>
-              <a:gs pos="100000">
-                <a:schemeClr val="bg2"/>
-              </a:gs>
-            </a:gsLst>
-            <a:lin ang="5400000" scaled="0"/>
-            <a:tileRect/>
-          </a:gradFill>
-          <a:ln>
-            <a:noFill/>
-          </a:ln>
-        </p:spPr>
-        <p:style>
-          <a:lnRef idx="2">
-            <a:schemeClr val="accent1">
-              <a:shade val="50000"/>
-            </a:schemeClr>
-          </a:lnRef>
-          <a:fillRef idx="1">
-            <a:schemeClr val="accent1"/>
-          </a:fillRef>
-          <a:effectRef idx="0">
-            <a:schemeClr val="accent1"/>
-          </a:effectRef>
-          <a:fontRef idx="minor">
-            <a:schemeClr val="lt1"/>
-          </a:fontRef>
-        </p:style>
-      </p:sp>
-      <p:pic>
-        <p:nvPicPr>
-          <p:cNvPr id="41" name="Picture 40">
-            <a:extLst>
-              <a:ext uri="{FF2B5EF4-FFF2-40B4-BE49-F238E27FC236}">
-                <a16:creationId xmlns:a16="http://schemas.microsoft.com/office/drawing/2014/main" id="{B083AD55-8296-44BD-8E14-DD2DDBC351B0}"/>
-              </a:ext>
-              <a:ext uri="{C183D7F6-B498-43B3-948B-1728B52AA6E4}">
-                <adec:decorative xmlns:adec="http://schemas.microsoft.com/office/drawing/2017/decorative" val="1"/>
-              </a:ext>
-            </a:extLst>
-          </p:cNvPr>
-          <p:cNvPicPr>
-            <a:picLocks noGrp="1" noRot="1" noChangeAspect="1" noMove="1" noResize="1" noEditPoints="1" noAdjustHandles="1" noChangeArrowheads="1" noChangeShapeType="1" noCrop="1"/>
-          </p:cNvPicPr>
-          <p:nvPr>
-            <p:extLst>
-              <p:ext uri="{386F3935-93C4-4BCD-93E2-E3B085C9AB24}">
-                <p16:designElem xmlns:p16="http://schemas.microsoft.com/office/powerpoint/2015/main" val="1"/>
-              </p:ext>
-            </p:extLst>
-          </p:nvPr>
-        </p:nvPicPr>
-        <p:blipFill rotWithShape="1">
-          <a:blip r:embed="rId2">
-            <a:extLst>
-              <a:ext uri="{28A0092B-C50C-407E-A947-70E740481C1C}">
-                <a14:useLocalDpi xmlns:a14="http://schemas.microsoft.com/office/drawing/2010/main" val="0"/>
-              </a:ext>
-            </a:extLst>
-          </a:blip>
-          <a:srcRect t="1538" b="-1538"/>
-          <a:stretch/>
-        </p:blipFill>
-        <p:spPr bwMode="black">
-          <a:xfrm>
-            <a:off x="0" y="6126480"/>
-            <a:ext cx="12192000" cy="742950"/>
-          </a:xfrm>
-          <a:prstGeom prst="rect">
-            <a:avLst/>
-          </a:prstGeom>
-        </p:spPr>
-      </p:pic>
-      <p:cxnSp>
-        <p:nvCxnSpPr>
-          <p:cNvPr id="43" name="Straight Connector 42">
-            <a:extLst>
-              <a:ext uri="{FF2B5EF4-FFF2-40B4-BE49-F238E27FC236}">
-                <a16:creationId xmlns:a16="http://schemas.microsoft.com/office/drawing/2014/main" id="{2BF46B26-15FC-4C5A-94FA-AE9ED64B5C20}"/>
-              </a:ext>
-              <a:ext uri="{C183D7F6-B498-43B3-948B-1728B52AA6E4}">
-                <adec:decorative xmlns:adec="http://schemas.microsoft.com/office/drawing/2017/decorative" val="1"/>
-              </a:ext>
-            </a:extLst>
-          </p:cNvPr>
-          <p:cNvCxnSpPr>
-            <a:cxnSpLocks noGrp="1" noRot="1" noChangeAspect="1" noMove="1" noResize="1" noEditPoints="1" noAdjustHandles="1" noChangeArrowheads="1" noChangeShapeType="1"/>
-          </p:cNvCxnSpPr>
-          <p:nvPr>
-            <p:extLst>
-              <p:ext uri="{386F3935-93C4-4BCD-93E2-E3B085C9AB24}">
-                <p16:designElem xmlns:p16="http://schemas.microsoft.com/office/powerpoint/2015/main" val="1"/>
-              </p:ext>
-            </p:extLst>
-          </p:nvPr>
-        </p:nvCxnSpPr>
-        <p:spPr>
-          <a:xfrm>
-            <a:off x="0" y="6128413"/>
-            <a:ext cx="12192000" cy="0"/>
-          </a:xfrm>
-          <a:prstGeom prst="line">
-            <a:avLst/>
-          </a:prstGeom>
-          <a:ln w="12700">
-            <a:solidFill>
-              <a:srgbClr val="000001">
-                <a:alpha val="20000"/>
-              </a:srgbClr>
-            </a:solidFill>
-          </a:ln>
-        </p:spPr>
-        <p:style>
-          <a:lnRef idx="1">
-            <a:schemeClr val="accent1"/>
-          </a:lnRef>
-          <a:fillRef idx="0">
-            <a:schemeClr val="accent1"/>
-          </a:fillRef>
-          <a:effectRef idx="0">
-            <a:schemeClr val="accent1"/>
-          </a:effectRef>
-          <a:fontRef idx="minor">
-            <a:schemeClr val="tx1"/>
-          </a:fontRef>
-        </p:style>
-      </p:cxnSp>
-      <p:cxnSp>
-        <p:nvCxnSpPr>
-          <p:cNvPr id="45" name="Straight Connector 44">
-            <a:extLst>
-              <a:ext uri="{FF2B5EF4-FFF2-40B4-BE49-F238E27FC236}">
-                <a16:creationId xmlns:a16="http://schemas.microsoft.com/office/drawing/2014/main" id="{912F6065-5345-44BD-B66E-5487CCD7A9B9}"/>
-              </a:ext>
-              <a:ext uri="{C183D7F6-B498-43B3-948B-1728B52AA6E4}">
-                <adec:decorative xmlns:adec="http://schemas.microsoft.com/office/drawing/2017/decorative" val="1"/>
-              </a:ext>
-            </a:extLst>
-          </p:cNvPr>
-          <p:cNvCxnSpPr>
-            <a:cxnSpLocks noGrp="1" noRot="1" noChangeAspect="1" noMove="1" noResize="1" noEditPoints="1" noAdjustHandles="1" noChangeArrowheads="1" noChangeShapeType="1"/>
-          </p:cNvCxnSpPr>
-          <p:nvPr>
-            <p:extLst>
-              <p:ext uri="{386F3935-93C4-4BCD-93E2-E3B085C9AB24}">
-                <p16:designElem xmlns:p16="http://schemas.microsoft.com/office/powerpoint/2015/main" val="1"/>
-              </p:ext>
-            </p:extLst>
-          </p:nvPr>
-        </p:nvCxnSpPr>
-        <p:spPr>
-          <a:xfrm>
-            <a:off x="2417780" y="3528542"/>
-            <a:ext cx="8637072" cy="0"/>
-          </a:xfrm>
-          <a:prstGeom prst="line">
-            <a:avLst/>
-          </a:prstGeom>
-          <a:ln w="31750"/>
-        </p:spPr>
-        <p:style>
-          <a:lnRef idx="3">
-            <a:schemeClr val="accent1"/>
-          </a:lnRef>
-          <a:fillRef idx="0">
-            <a:schemeClr val="accent1"/>
-          </a:fillRef>
-          <a:effectRef idx="2">
-            <a:schemeClr val="accent1"/>
-          </a:effectRef>
-          <a:fontRef idx="minor">
-            <a:schemeClr val="tx1"/>
-          </a:fontRef>
-        </p:style>
-      </p:cxnSp>
-      <p:sp useBgFill="1">
-        <p:nvSpPr>
-          <p:cNvPr id="47" name="Rectangle 46">
-            <a:extLst>
-              <a:ext uri="{FF2B5EF4-FFF2-40B4-BE49-F238E27FC236}">
-                <a16:creationId xmlns:a16="http://schemas.microsoft.com/office/drawing/2014/main" id="{BD89ECFB-8421-4BB8-A23D-8B8D151F8959}"/>
-              </a:ext>
-              <a:ext uri="{C183D7F6-B498-43B3-948B-1728B52AA6E4}">
-                <adec:decorative xmlns:adec="http://schemas.microsoft.com/office/drawing/2017/decorative" val="1"/>
-              </a:ext>
-            </a:extLst>
-          </p:cNvPr>
-          <p:cNvSpPr>
-            <a:spLocks noGrp="1" noRot="1" noChangeAspect="1" noMove="1" noResize="1" noEditPoints="1" noAdjustHandles="1" noChangeArrowheads="1" noChangeShapeType="1" noTextEdit="1"/>
-          </p:cNvSpPr>
-          <p:nvPr>
-            <p:extLst>
-              <p:ext uri="{386F3935-93C4-4BCD-93E2-E3B085C9AB24}">
-                <p16:designElem xmlns:p16="http://schemas.microsoft.com/office/powerpoint/2015/main" val="1"/>
-              </p:ext>
-            </p:extLst>
-          </p:nvPr>
-        </p:nvSpPr>
-        <p:spPr>
-          <a:xfrm>
-            <a:off x="2" y="0"/>
-            <a:ext cx="12191695" cy="6858000"/>
-          </a:xfrm>
-          <a:prstGeom prst="rect">
-            <a:avLst/>
-          </a:prstGeom>
-          <a:ln>
-            <a:noFill/>
-          </a:ln>
-        </p:spPr>
-        <p:style>
-          <a:lnRef idx="2">
-            <a:schemeClr val="accent1">
-              <a:shade val="50000"/>
-            </a:schemeClr>
-          </a:lnRef>
-          <a:fillRef idx="1">
-            <a:schemeClr val="accent1"/>
-          </a:fillRef>
-          <a:effectRef idx="0">
-            <a:schemeClr val="accent1"/>
-          </a:effectRef>
-          <a:fontRef idx="minor">
-            <a:schemeClr val="lt1"/>
-          </a:fontRef>
-        </p:style>
-        <p:txBody>
-          <a:bodyPr rtlCol="0" anchor="ctr"/>
-          <a:lstStyle/>
-          <a:p>
-            <a:pPr algn="ctr"/>
-            <a:endParaRPr lang="en-US"/>
-          </a:p>
-        </p:txBody>
-      </p:sp>
-      <p:sp>
-        <p:nvSpPr>
-          <p:cNvPr id="49" name="Rectangle 48">
-            <a:extLst>
-              <a:ext uri="{FF2B5EF4-FFF2-40B4-BE49-F238E27FC236}">
-                <a16:creationId xmlns:a16="http://schemas.microsoft.com/office/drawing/2014/main" id="{44911EB7-93CE-44FF-973F-B25ECF5DF58C}"/>
-              </a:ext>
-              <a:ext uri="{C183D7F6-B498-43B3-948B-1728B52AA6E4}">
-                <adec:decorative xmlns:adec="http://schemas.microsoft.com/office/drawing/2017/decorative" val="1"/>
-              </a:ext>
-            </a:extLst>
-          </p:cNvPr>
-          <p:cNvSpPr>
-            <a:spLocks noGrp="1" noRot="1" noChangeAspect="1" noMove="1" noResize="1" noEditPoints="1" noAdjustHandles="1" noChangeArrowheads="1" noChangeShapeType="1" noTextEdit="1"/>
-          </p:cNvSpPr>
-          <p:nvPr>
-            <p:extLst>
-              <p:ext uri="{386F3935-93C4-4BCD-93E2-E3B085C9AB24}">
-                <p16:designElem xmlns:p16="http://schemas.microsoft.com/office/powerpoint/2015/main" val="1"/>
-              </p:ext>
-            </p:extLst>
-          </p:nvPr>
-        </p:nvSpPr>
-        <p:spPr>
-          <a:xfrm>
-            <a:off x="0" y="2019476"/>
-            <a:ext cx="12192000" cy="4105941"/>
-          </a:xfrm>
-          <a:prstGeom prst="rect">
-            <a:avLst/>
-          </a:prstGeom>
-          <a:gradFill flip="none" rotWithShape="1">
-            <a:gsLst>
-              <a:gs pos="0">
-                <a:schemeClr val="bg2">
-                  <a:alpha val="0"/>
-                </a:schemeClr>
-              </a:gs>
-              <a:gs pos="100000">
-                <a:schemeClr val="bg2"/>
-              </a:gs>
-            </a:gsLst>
-            <a:lin ang="5400000" scaled="0"/>
-            <a:tileRect/>
-          </a:gradFill>
-          <a:ln>
-            <a:noFill/>
-          </a:ln>
-        </p:spPr>
-        <p:style>
-          <a:lnRef idx="2">
-            <a:schemeClr val="accent1">
-              <a:shade val="50000"/>
-            </a:schemeClr>
-          </a:lnRef>
-          <a:fillRef idx="1">
-            <a:schemeClr val="accent1"/>
-          </a:fillRef>
-          <a:effectRef idx="0">
-            <a:schemeClr val="accent1"/>
-          </a:effectRef>
-          <a:fontRef idx="minor">
-            <a:schemeClr val="lt1"/>
-          </a:fontRef>
-        </p:style>
-        <p:txBody>
-          <a:bodyPr rtlCol="0" anchor="ctr"/>
-          <a:lstStyle/>
-          <a:p>
-            <a:pPr lvl="0" algn="ctr"/>
-            <a:endParaRPr lang="en-US"/>
-          </a:p>
-        </p:txBody>
-      </p:sp>
-      <p:sp>
-        <p:nvSpPr>
-          <p:cNvPr id="2" name="Title 1">
-            <a:extLst>
-              <a:ext uri="{FF2B5EF4-FFF2-40B4-BE49-F238E27FC236}">
-                <a16:creationId xmlns:a16="http://schemas.microsoft.com/office/drawing/2014/main" id="{36827B44-F171-45F6-A33E-24943375FF73}"/>
-              </a:ext>
-            </a:extLst>
-          </p:cNvPr>
-          <p:cNvSpPr>
             <a:spLocks noGrp="1"/>
           </p:cNvSpPr>
           <p:nvPr>
@@ -7968,8 +5394,8 @@
         </p:nvSpPr>
         <p:spPr>
           <a:xfrm>
-            <a:off x="485695" y="1474969"/>
-            <a:ext cx="3026558" cy="1868760"/>
+            <a:off x="659301" y="1474969"/>
+            <a:ext cx="2823919" cy="1868760"/>
           </a:xfrm>
         </p:spPr>
         <p:txBody>
@@ -7979,332 +5405,18 @@
           <a:lstStyle/>
           <a:p>
             <a:r>
-              <a:rPr lang="en-US" sz="3600" dirty="0" err="1"/>
-              <a:t>HomE</a:t>
-            </a:r>
-            <a:r>
               <a:rPr lang="en-US" sz="3600" dirty="0"/>
-              <a:t>- Animation</a:t>
-            </a:r>
-          </a:p>
-        </p:txBody>
-      </p:sp>
-      <p:cxnSp>
-        <p:nvCxnSpPr>
-          <p:cNvPr id="51" name="Straight Connector 50">
+              <a:t>Image hover code</a:t>
+            </a:r>
+          </a:p>
+        </p:txBody>
+      </p:sp>
+      <p:pic>
+        <p:nvPicPr>
+          <p:cNvPr id="5" name="Picture 4">
             <a:extLst>
               <a:ext uri="{FF2B5EF4-FFF2-40B4-BE49-F238E27FC236}">
-                <a16:creationId xmlns:a16="http://schemas.microsoft.com/office/drawing/2014/main" id="{72870A17-34CA-4FF4-8777-CE7D7B986B76}"/>
-              </a:ext>
-              <a:ext uri="{C183D7F6-B498-43B3-948B-1728B52AA6E4}">
-                <adec:decorative xmlns:adec="http://schemas.microsoft.com/office/drawing/2017/decorative" val="1"/>
-              </a:ext>
-            </a:extLst>
-          </p:cNvPr>
-          <p:cNvCxnSpPr>
-            <a:cxnSpLocks noGrp="1" noRot="1" noChangeAspect="1" noMove="1" noResize="1" noEditPoints="1" noAdjustHandles="1" noChangeArrowheads="1" noChangeShapeType="1"/>
-          </p:cNvCxnSpPr>
-          <p:nvPr>
-            <p:extLst>
-              <p:ext uri="{386F3935-93C4-4BCD-93E2-E3B085C9AB24}">
-                <p16:designElem xmlns:p16="http://schemas.microsoft.com/office/powerpoint/2015/main" val="1"/>
-              </p:ext>
-            </p:extLst>
-          </p:nvPr>
-        </p:nvCxnSpPr>
-        <p:spPr>
-          <a:xfrm>
-            <a:off x="484009" y="3526496"/>
-            <a:ext cx="3023617" cy="0"/>
-          </a:xfrm>
-          <a:prstGeom prst="line">
-            <a:avLst/>
-          </a:prstGeom>
-          <a:ln w="31750"/>
-        </p:spPr>
-        <p:style>
-          <a:lnRef idx="3">
-            <a:schemeClr val="accent1"/>
-          </a:lnRef>
-          <a:fillRef idx="0">
-            <a:schemeClr val="accent1"/>
-          </a:fillRef>
-          <a:effectRef idx="2">
-            <a:schemeClr val="accent1"/>
-          </a:effectRef>
-          <a:fontRef idx="minor">
-            <a:schemeClr val="tx1"/>
-          </a:fontRef>
-        </p:style>
-      </p:cxnSp>
-      <p:grpSp>
-        <p:nvGrpSpPr>
-          <p:cNvPr id="53" name="Group 52">
-            <a:extLst>
-              <a:ext uri="{FF2B5EF4-FFF2-40B4-BE49-F238E27FC236}">
-                <a16:creationId xmlns:a16="http://schemas.microsoft.com/office/drawing/2014/main" id="{34B79B4F-74AA-4B58-BBD2-2C3804928DFD}"/>
-              </a:ext>
-              <a:ext uri="{C183D7F6-B498-43B3-948B-1728B52AA6E4}">
-                <adec:decorative xmlns:adec="http://schemas.microsoft.com/office/drawing/2017/decorative" val="1"/>
-              </a:ext>
-            </a:extLst>
-          </p:cNvPr>
-          <p:cNvGrpSpPr>
-            <a:grpSpLocks noGrp="1" noUngrp="1" noRot="1" noChangeAspect="1" noMove="1" noResize="1"/>
-          </p:cNvGrpSpPr>
-          <p:nvPr>
-            <p:extLst>
-              <p:ext uri="{386F3935-93C4-4BCD-93E2-E3B085C9AB24}">
-                <p16:designElem xmlns:p16="http://schemas.microsoft.com/office/powerpoint/2015/main" val="1"/>
-              </p:ext>
-            </p:extLst>
-          </p:nvPr>
-        </p:nvGrpSpPr>
-        <p:grpSpPr>
-          <a:xfrm>
-            <a:off x="3990638" y="482171"/>
-            <a:ext cx="7560115" cy="5149101"/>
-            <a:chOff x="7463258" y="583365"/>
-            <a:chExt cx="7560115" cy="5181928"/>
-          </a:xfrm>
-        </p:grpSpPr>
-        <p:sp>
-          <p:nvSpPr>
-            <p:cNvPr id="54" name="Rectangle 53">
-              <a:extLst>
-                <a:ext uri="{FF2B5EF4-FFF2-40B4-BE49-F238E27FC236}">
-                  <a16:creationId xmlns:a16="http://schemas.microsoft.com/office/drawing/2014/main" id="{FE994EF0-F368-43B3-9BF0-442E33BC3685}"/>
-                </a:ext>
-                <a:ext uri="{C183D7F6-B498-43B3-948B-1728B52AA6E4}">
-                  <adec:decorative xmlns:adec="http://schemas.microsoft.com/office/drawing/2017/decorative" val="1"/>
-                </a:ext>
-              </a:extLst>
-            </p:cNvPr>
-            <p:cNvSpPr/>
-            <p:nvPr>
-              <p:extLst>
-                <p:ext uri="{386F3935-93C4-4BCD-93E2-E3B085C9AB24}">
-                  <p16:designElem xmlns:p16="http://schemas.microsoft.com/office/powerpoint/2015/main" val="1"/>
-                </p:ext>
-              </p:extLst>
-            </p:nvPr>
-          </p:nvSpPr>
-          <p:spPr>
-            <a:xfrm>
-              <a:off x="7463258" y="583365"/>
-              <a:ext cx="7560115" cy="5181928"/>
-            </a:xfrm>
-            <a:prstGeom prst="rect">
-              <a:avLst/>
-            </a:prstGeom>
-            <a:gradFill>
-              <a:gsLst>
-                <a:gs pos="0">
-                  <a:srgbClr val="000001"/>
-                </a:gs>
-                <a:gs pos="100000">
-                  <a:srgbClr val="191919"/>
-                </a:gs>
-              </a:gsLst>
-            </a:gradFill>
-            <a:ln w="76200" cmpd="sng">
-              <a:noFill/>
-              <a:miter lim="800000"/>
-            </a:ln>
-            <a:effectLst>
-              <a:outerShdw blurRad="127000" dist="228600" dir="4740000" sx="98000" sy="98000" algn="tl" rotWithShape="0">
-                <a:srgbClr val="000000">
-                  <a:alpha val="34000"/>
-                </a:srgbClr>
-              </a:outerShdw>
-            </a:effectLst>
-            <a:scene3d>
-              <a:camera prst="orthographicFront"/>
-              <a:lightRig rig="threePt" dir="t"/>
-            </a:scene3d>
-            <a:sp3d>
-              <a:bevelT w="152400" h="50800" prst="softRound"/>
-            </a:sp3d>
-          </p:spPr>
-          <p:style>
-            <a:lnRef idx="1">
-              <a:schemeClr val="accent1"/>
-            </a:lnRef>
-            <a:fillRef idx="3">
-              <a:schemeClr val="accent1"/>
-            </a:fillRef>
-            <a:effectRef idx="2">
-              <a:schemeClr val="accent1"/>
-            </a:effectRef>
-            <a:fontRef idx="minor">
-              <a:schemeClr val="lt1"/>
-            </a:fontRef>
-          </p:style>
-          <p:txBody>
-            <a:bodyPr rtlCol="0" anchor="ctr"/>
-            <a:lstStyle/>
-            <a:p>
-              <a:pPr algn="ctr"/>
-              <a:endParaRPr lang="en-US"/>
-            </a:p>
-          </p:txBody>
-        </p:sp>
-        <p:sp>
-          <p:nvSpPr>
-            <p:cNvPr id="55" name="Rectangle 54">
-              <a:extLst>
-                <a:ext uri="{FF2B5EF4-FFF2-40B4-BE49-F238E27FC236}">
-                  <a16:creationId xmlns:a16="http://schemas.microsoft.com/office/drawing/2014/main" id="{9B478E81-F333-452C-B354-06E13FB0B261}"/>
-                </a:ext>
-                <a:ext uri="{C183D7F6-B498-43B3-948B-1728B52AA6E4}">
-                  <adec:decorative xmlns:adec="http://schemas.microsoft.com/office/drawing/2017/decorative" val="1"/>
-                </a:ext>
-              </a:extLst>
-            </p:cNvPr>
-            <p:cNvSpPr/>
-            <p:nvPr>
-              <p:extLst>
-                <p:ext uri="{386F3935-93C4-4BCD-93E2-E3B085C9AB24}">
-                  <p16:designElem xmlns:p16="http://schemas.microsoft.com/office/powerpoint/2015/main" val="1"/>
-                </p:ext>
-              </p:extLst>
-            </p:nvPr>
-          </p:nvSpPr>
-          <p:spPr>
-            <a:xfrm>
-              <a:off x="7776317" y="915807"/>
-              <a:ext cx="6928279" cy="4494927"/>
-            </a:xfrm>
-            <a:prstGeom prst="rect">
-              <a:avLst/>
-            </a:prstGeom>
-            <a:gradFill>
-              <a:gsLst>
-                <a:gs pos="0">
-                  <a:srgbClr val="DADADA"/>
-                </a:gs>
-                <a:gs pos="100000">
-                  <a:srgbClr val="FFFFFE"/>
-                </a:gs>
-              </a:gsLst>
-              <a:lin ang="16200000" scaled="0"/>
-            </a:gradFill>
-            <a:ln w="50800" cmpd="sng">
-              <a:solidFill>
-                <a:srgbClr val="191919"/>
-              </a:solidFill>
-              <a:miter lim="800000"/>
-            </a:ln>
-            <a:effectLst>
-              <a:innerShdw blurRad="63500" dist="88900" dir="14100000">
-                <a:srgbClr val="000000">
-                  <a:alpha val="30000"/>
-                </a:srgbClr>
-              </a:innerShdw>
-            </a:effectLst>
-            <a:scene3d>
-              <a:camera prst="orthographicFront"/>
-              <a:lightRig rig="threePt" dir="t"/>
-            </a:scene3d>
-            <a:sp3d>
-              <a:bevelT prst="relaxedInset"/>
-            </a:sp3d>
-          </p:spPr>
-          <p:style>
-            <a:lnRef idx="1">
-              <a:schemeClr val="accent1"/>
-            </a:lnRef>
-            <a:fillRef idx="3">
-              <a:schemeClr val="accent1"/>
-            </a:fillRef>
-            <a:effectRef idx="2">
-              <a:schemeClr val="accent1"/>
-            </a:effectRef>
-            <a:fontRef idx="minor">
-              <a:schemeClr val="lt1"/>
-            </a:fontRef>
-          </p:style>
-          <p:txBody>
-            <a:bodyPr rtlCol="0" anchor="ctr"/>
-            <a:lstStyle/>
-            <a:p>
-              <a:pPr algn="ctr"/>
-              <a:endParaRPr lang="en-US"/>
-            </a:p>
-          </p:txBody>
-        </p:sp>
-      </p:grpSp>
-      <p:sp>
-        <p:nvSpPr>
-          <p:cNvPr id="57" name="Rectangle 56">
-            <a:extLst>
-              <a:ext uri="{FF2B5EF4-FFF2-40B4-BE49-F238E27FC236}">
-                <a16:creationId xmlns:a16="http://schemas.microsoft.com/office/drawing/2014/main" id="{4E4C1088-922B-4744-BB37-5D47AEA43D4D}"/>
-              </a:ext>
-              <a:ext uri="{C183D7F6-B498-43B3-948B-1728B52AA6E4}">
-                <adec:decorative xmlns:adec="http://schemas.microsoft.com/office/drawing/2017/decorative" val="1"/>
-              </a:ext>
-            </a:extLst>
-          </p:cNvPr>
-          <p:cNvSpPr>
-            <a:spLocks noGrp="1" noRot="1" noChangeAspect="1" noMove="1" noResize="1" noEditPoints="1" noAdjustHandles="1" noChangeArrowheads="1" noChangeShapeType="1" noTextEdit="1"/>
-          </p:cNvSpPr>
-          <p:nvPr>
-            <p:extLst>
-              <p:ext uri="{386F3935-93C4-4BCD-93E2-E3B085C9AB24}">
-                <p16:designElem xmlns:p16="http://schemas.microsoft.com/office/powerpoint/2015/main" val="1"/>
-              </p:ext>
-            </p:extLst>
-          </p:nvPr>
-        </p:nvSpPr>
-        <p:spPr>
-          <a:xfrm>
-            <a:off x="4472130" y="977099"/>
-            <a:ext cx="6597725" cy="4136205"/>
-          </a:xfrm>
-          <a:prstGeom prst="rect">
-            <a:avLst/>
-          </a:prstGeom>
-          <a:solidFill>
-            <a:schemeClr val="bg1"/>
-          </a:solidFill>
-          <a:ln w="6350">
-            <a:solidFill>
-              <a:schemeClr val="bg2"/>
-            </a:solidFill>
-          </a:ln>
-        </p:spPr>
-        <p:style>
-          <a:lnRef idx="2">
-            <a:schemeClr val="accent1">
-              <a:shade val="50000"/>
-            </a:schemeClr>
-          </a:lnRef>
-          <a:fillRef idx="1">
-            <a:schemeClr val="accent1"/>
-          </a:fillRef>
-          <a:effectRef idx="0">
-            <a:schemeClr val="accent1"/>
-          </a:effectRef>
-          <a:fontRef idx="minor">
-            <a:schemeClr val="lt1"/>
-          </a:fontRef>
-        </p:style>
-        <p:txBody>
-          <a:bodyPr rtlCol="0" anchor="ctr"/>
-          <a:lstStyle/>
-          <a:p>
-            <a:pPr algn="ctr"/>
-            <a:endParaRPr lang="en-US"/>
-          </a:p>
-        </p:txBody>
-      </p:sp>
-      <p:pic>
-        <p:nvPicPr>
-          <p:cNvPr id="7" name="Picture 6">
-            <a:extLst>
-              <a:ext uri="{FF2B5EF4-FFF2-40B4-BE49-F238E27FC236}">
-                <a16:creationId xmlns:a16="http://schemas.microsoft.com/office/drawing/2014/main" id="{32391DB8-9ED4-496A-966F-85607DE386C9}"/>
+                <a16:creationId xmlns:a16="http://schemas.microsoft.com/office/drawing/2014/main" id="{2AF000BE-BD19-4BD7-876D-474EE8DCD26F}"/>
               </a:ext>
             </a:extLst>
           </p:cNvPr>
@@ -8314,165 +5426,25 @@
           <p:nvPr/>
         </p:nvPicPr>
         <p:blipFill>
-          <a:blip r:embed="rId3">
-            <a:extLst>
-              <a:ext uri="{28A0092B-C50C-407E-A947-70E740481C1C}">
-                <a14:useLocalDpi xmlns:a14="http://schemas.microsoft.com/office/drawing/2010/main" val="0"/>
-              </a:ext>
-            </a:extLst>
-          </a:blip>
+          <a:blip r:embed="rId2"/>
           <a:stretch>
             <a:fillRect/>
           </a:stretch>
         </p:blipFill>
         <p:spPr>
           <a:xfrm>
-            <a:off x="4631115" y="2138483"/>
-            <a:ext cx="3059596" cy="1821895"/>
+            <a:off x="4420003" y="1190569"/>
+            <a:ext cx="6686550" cy="3895725"/>
           </a:xfrm>
           <a:prstGeom prst="rect">
             <a:avLst/>
           </a:prstGeom>
         </p:spPr>
       </p:pic>
-      <p:pic>
-        <p:nvPicPr>
-          <p:cNvPr id="10" name="Picture 9">
-            <a:extLst>
-              <a:ext uri="{FF2B5EF4-FFF2-40B4-BE49-F238E27FC236}">
-                <a16:creationId xmlns:a16="http://schemas.microsoft.com/office/drawing/2014/main" id="{E3FF8C09-07A9-4558-8A8F-D8C11722B27B}"/>
-              </a:ext>
-            </a:extLst>
-          </p:cNvPr>
-          <p:cNvPicPr>
-            <a:picLocks noChangeAspect="1"/>
-          </p:cNvPicPr>
-          <p:nvPr/>
-        </p:nvPicPr>
-        <p:blipFill>
-          <a:blip r:embed="rId4">
-            <a:extLst>
-              <a:ext uri="{28A0092B-C50C-407E-A947-70E740481C1C}">
-                <a14:useLocalDpi xmlns:a14="http://schemas.microsoft.com/office/drawing/2010/main" val="0"/>
-              </a:ext>
-            </a:extLst>
-          </a:blip>
-          <a:stretch>
-            <a:fillRect/>
-          </a:stretch>
-        </p:blipFill>
-        <p:spPr>
-          <a:xfrm>
-            <a:off x="7849810" y="1206301"/>
-            <a:ext cx="3059596" cy="3686260"/>
-          </a:xfrm>
-          <a:prstGeom prst="rect">
-            <a:avLst/>
-          </a:prstGeom>
-        </p:spPr>
-      </p:pic>
-      <p:pic>
-        <p:nvPicPr>
-          <p:cNvPr id="59" name="Picture 58">
-            <a:extLst>
-              <a:ext uri="{FF2B5EF4-FFF2-40B4-BE49-F238E27FC236}">
-                <a16:creationId xmlns:a16="http://schemas.microsoft.com/office/drawing/2014/main" id="{15621CD7-6951-4B76-949B-6D851A2BE4D4}"/>
-              </a:ext>
-              <a:ext uri="{C183D7F6-B498-43B3-948B-1728B52AA6E4}">
-                <adec:decorative xmlns:adec="http://schemas.microsoft.com/office/drawing/2017/decorative" val="1"/>
-              </a:ext>
-            </a:extLst>
-          </p:cNvPr>
-          <p:cNvPicPr>
-            <a:picLocks noGrp="1" noRot="1" noChangeAspect="1" noMove="1" noResize="1" noEditPoints="1" noAdjustHandles="1" noChangeArrowheads="1" noChangeShapeType="1" noCrop="1"/>
-          </p:cNvPicPr>
-          <p:nvPr>
-            <p:extLst>
-              <p:ext uri="{386F3935-93C4-4BCD-93E2-E3B085C9AB24}">
-                <p16:designElem xmlns:p16="http://schemas.microsoft.com/office/powerpoint/2015/main" val="1"/>
-              </p:ext>
-            </p:extLst>
-          </p:nvPr>
-        </p:nvPicPr>
-        <p:blipFill rotWithShape="1">
-          <a:blip r:embed="rId2">
-            <a:extLst>
-              <a:ext uri="{28A0092B-C50C-407E-A947-70E740481C1C}">
-                <a14:useLocalDpi xmlns:a14="http://schemas.microsoft.com/office/drawing/2010/main" val="0"/>
-              </a:ext>
-            </a:extLst>
-          </a:blip>
-          <a:srcRect t="1538" b="-1538"/>
-          <a:stretch/>
-        </p:blipFill>
-        <p:spPr bwMode="black">
-          <a:xfrm>
-            <a:off x="0" y="6126480"/>
-            <a:ext cx="12192000" cy="742950"/>
-          </a:xfrm>
-          <a:prstGeom prst="rect">
-            <a:avLst/>
-          </a:prstGeom>
-        </p:spPr>
-      </p:pic>
-      <p:cxnSp>
-        <p:nvCxnSpPr>
-          <p:cNvPr id="61" name="Straight Connector 60">
-            <a:extLst>
-              <a:ext uri="{FF2B5EF4-FFF2-40B4-BE49-F238E27FC236}">
-                <a16:creationId xmlns:a16="http://schemas.microsoft.com/office/drawing/2014/main" id="{7AD09E24-F963-4867-8AA6-3D2F8D3C8AAF}"/>
-              </a:ext>
-              <a:ext uri="{C183D7F6-B498-43B3-948B-1728B52AA6E4}">
-                <adec:decorative xmlns:adec="http://schemas.microsoft.com/office/drawing/2017/decorative" val="1"/>
-              </a:ext>
-            </a:extLst>
-          </p:cNvPr>
-          <p:cNvCxnSpPr>
-            <a:cxnSpLocks noGrp="1" noRot="1" noChangeAspect="1" noMove="1" noResize="1" noEditPoints="1" noAdjustHandles="1" noChangeArrowheads="1" noChangeShapeType="1"/>
-          </p:cNvCxnSpPr>
-          <p:nvPr>
-            <p:extLst>
-              <p:ext uri="{386F3935-93C4-4BCD-93E2-E3B085C9AB24}">
-                <p16:designElem xmlns:p16="http://schemas.microsoft.com/office/powerpoint/2015/main" val="1"/>
-              </p:ext>
-            </p:extLst>
-          </p:nvPr>
-        </p:nvCxnSpPr>
-        <p:spPr>
-          <a:xfrm>
-            <a:off x="0" y="6128413"/>
-            <a:ext cx="12192000" cy="0"/>
-          </a:xfrm>
-          <a:prstGeom prst="line">
-            <a:avLst/>
-          </a:prstGeom>
-          <a:ln w="12700">
-            <a:solidFill>
-              <a:srgbClr val="000001">
-                <a:alpha val="20000"/>
-              </a:srgbClr>
-            </a:solidFill>
-          </a:ln>
-        </p:spPr>
-        <p:style>
-          <a:lnRef idx="1">
-            <a:schemeClr val="accent1"/>
-          </a:lnRef>
-          <a:fillRef idx="0">
-            <a:schemeClr val="accent1"/>
-          </a:fillRef>
-          <a:effectRef idx="0">
-            <a:schemeClr val="accent1"/>
-          </a:effectRef>
-          <a:fontRef idx="minor">
-            <a:schemeClr val="tx1"/>
-          </a:fontRef>
-        </p:style>
-      </p:cxnSp>
     </p:spTree>
     <p:extLst>
       <p:ext uri="{BB962C8B-B14F-4D97-AF65-F5344CB8AC3E}">
-        <p14:creationId xmlns:p14="http://schemas.microsoft.com/office/powerpoint/2010/main" val="2753793027"/>
+        <p14:creationId xmlns:p14="http://schemas.microsoft.com/office/powerpoint/2010/main" val="3139029800"/>
       </p:ext>
     </p:extLst>
   </p:cSld>
@@ -8485,30 +5457,6 @@
 <file path=ppt/slides/slide7.xml><?xml version="1.0" encoding="utf-8"?>
 <p:sld xmlns:a="http://schemas.openxmlformats.org/drawingml/2006/main" xmlns:r="http://schemas.openxmlformats.org/officeDocument/2006/relationships" xmlns:p="http://schemas.openxmlformats.org/presentationml/2006/main">
   <p:cSld>
-    <p:bg>
-      <p:bgPr>
-        <a:gradFill rotWithShape="1">
-          <a:gsLst>
-            <a:gs pos="0">
-              <a:schemeClr val="bg2">
-                <a:tint val="94000"/>
-                <a:satMod val="80000"/>
-                <a:lumMod val="106000"/>
-              </a:schemeClr>
-            </a:gs>
-            <a:gs pos="100000">
-              <a:schemeClr val="bg2">
-                <a:shade val="80000"/>
-              </a:schemeClr>
-            </a:gs>
-          </a:gsLst>
-          <a:path path="circle">
-            <a:fillToRect l="43000" r="43000" b="100000"/>
-          </a:path>
-        </a:gradFill>
-        <a:effectLst/>
-      </p:bgPr>
-    </p:bg>
     <p:spTree>
       <p:nvGrpSpPr>
         <p:cNvPr id="1" name=""/>
@@ -8525,588 +5473,74 @@
       </p:grpSpPr>
       <p:sp>
         <p:nvSpPr>
-          <p:cNvPr id="22" name="Rectangle 21">
+          <p:cNvPr id="2" name="Title 1">
             <a:extLst>
               <a:ext uri="{FF2B5EF4-FFF2-40B4-BE49-F238E27FC236}">
-                <a16:creationId xmlns:a16="http://schemas.microsoft.com/office/drawing/2014/main" id="{C63C853E-3842-4594-86A9-051FFAF4D343}"/>
-              </a:ext>
-              <a:ext uri="{C183D7F6-B498-43B3-948B-1728B52AA6E4}">
-                <adec:decorative xmlns:adec="http://schemas.microsoft.com/office/drawing/2017/decorative" val="1"/>
+                <a16:creationId xmlns:a16="http://schemas.microsoft.com/office/drawing/2014/main" id="{639968D1-C9CD-C24C-B248-A7999E67C43D}"/>
               </a:ext>
             </a:extLst>
           </p:cNvPr>
           <p:cNvSpPr>
-            <a:spLocks noGrp="1" noRot="1" noChangeAspect="1" noMove="1" noResize="1" noEditPoints="1" noAdjustHandles="1" noChangeArrowheads="1" noChangeShapeType="1" noTextEdit="1"/>
-          </p:cNvSpPr>
-          <p:nvPr>
-            <p:extLst>
-              <p:ext uri="{386F3935-93C4-4BCD-93E2-E3B085C9AB24}">
-                <p16:designElem xmlns:p16="http://schemas.microsoft.com/office/powerpoint/2015/main" val="1"/>
-              </p:ext>
-            </p:extLst>
-          </p:nvPr>
-        </p:nvSpPr>
-        <p:spPr>
-          <a:xfrm>
-            <a:off x="0" y="2019476"/>
-            <a:ext cx="12192000" cy="4105941"/>
-          </a:xfrm>
-          <a:prstGeom prst="rect">
-            <a:avLst/>
-          </a:prstGeom>
-          <a:gradFill flip="none" rotWithShape="1">
-            <a:gsLst>
-              <a:gs pos="0">
-                <a:schemeClr val="bg2">
-                  <a:alpha val="0"/>
-                </a:schemeClr>
-              </a:gs>
-              <a:gs pos="100000">
-                <a:schemeClr val="bg2"/>
-              </a:gs>
-            </a:gsLst>
-            <a:lin ang="5400000" scaled="0"/>
-            <a:tileRect/>
-          </a:gradFill>
-          <a:ln>
-            <a:noFill/>
-          </a:ln>
-        </p:spPr>
-        <p:style>
-          <a:lnRef idx="2">
-            <a:schemeClr val="accent1">
-              <a:shade val="50000"/>
-            </a:schemeClr>
-          </a:lnRef>
-          <a:fillRef idx="1">
-            <a:schemeClr val="accent1"/>
-          </a:fillRef>
-          <a:effectRef idx="0">
-            <a:schemeClr val="accent1"/>
-          </a:effectRef>
-          <a:fontRef idx="minor">
-            <a:schemeClr val="lt1"/>
-          </a:fontRef>
-        </p:style>
+            <a:spLocks noGrp="1"/>
+          </p:cNvSpPr>
+          <p:nvPr>
+            <p:ph type="title"/>
+          </p:nvPr>
+        </p:nvSpPr>
+        <p:spPr>
+          <a:xfrm>
+            <a:off x="1451580" y="1367162"/>
+            <a:ext cx="3530157" cy="486593"/>
+          </a:xfrm>
+        </p:spPr>
+        <p:txBody>
+          <a:bodyPr vert="horz" lIns="91440" tIns="45720" rIns="91440" bIns="0" rtlCol="0">
+            <a:normAutofit/>
+          </a:bodyPr>
+          <a:lstStyle/>
+          <a:p>
+            <a:r>
+              <a:rPr lang="en-US" dirty="0"/>
+              <a:t>INBOX  UI</a:t>
+            </a:r>
+          </a:p>
+        </p:txBody>
       </p:sp>
       <p:pic>
         <p:nvPicPr>
-          <p:cNvPr id="24" name="Picture 23">
+          <p:cNvPr id="15" name="Content Placeholder 14">
             <a:extLst>
               <a:ext uri="{FF2B5EF4-FFF2-40B4-BE49-F238E27FC236}">
-                <a16:creationId xmlns:a16="http://schemas.microsoft.com/office/drawing/2014/main" id="{B591CDC5-6B61-4116-B3B5-0FF42B6E606D}"/>
-              </a:ext>
-              <a:ext uri="{C183D7F6-B498-43B3-948B-1728B52AA6E4}">
-                <adec:decorative xmlns:adec="http://schemas.microsoft.com/office/drawing/2017/decorative" val="1"/>
+                <a16:creationId xmlns:a16="http://schemas.microsoft.com/office/drawing/2014/main" id="{43897C75-3054-40E4-A5D6-668519210903}"/>
               </a:ext>
             </a:extLst>
           </p:cNvPr>
           <p:cNvPicPr>
-            <a:picLocks noGrp="1" noRot="1" noChangeAspect="1" noMove="1" noResize="1" noEditPoints="1" noAdjustHandles="1" noChangeArrowheads="1" noChangeShapeType="1" noCrop="1"/>
+            <a:picLocks noGrp="1" noChangeAspect="1"/>
           </p:cNvPicPr>
           <p:nvPr>
-            <p:extLst>
-              <p:ext uri="{386F3935-93C4-4BCD-93E2-E3B085C9AB24}">
-                <p16:designElem xmlns:p16="http://schemas.microsoft.com/office/powerpoint/2015/main" val="1"/>
-              </p:ext>
-            </p:extLst>
+            <p:ph idx="1"/>
           </p:nvPr>
         </p:nvPicPr>
-        <p:blipFill rotWithShape="1">
-          <a:blip r:embed="rId2">
-            <a:extLst>
-              <a:ext uri="{28A0092B-C50C-407E-A947-70E740481C1C}">
-                <a14:useLocalDpi xmlns:a14="http://schemas.microsoft.com/office/drawing/2010/main" val="0"/>
-              </a:ext>
-            </a:extLst>
-          </a:blip>
-          <a:srcRect t="1538" b="-1538"/>
-          <a:stretch/>
+        <p:blipFill>
+          <a:blip r:embed="rId2"/>
+          <a:stretch>
+            <a:fillRect/>
+          </a:stretch>
         </p:blipFill>
-        <p:spPr bwMode="black">
-          <a:xfrm>
-            <a:off x="0" y="6126480"/>
-            <a:ext cx="12192000" cy="742950"/>
-          </a:xfrm>
-          <a:prstGeom prst="rect">
-            <a:avLst/>
-          </a:prstGeom>
+        <p:spPr>
+          <a:xfrm>
+            <a:off x="951265" y="2026142"/>
+            <a:ext cx="4027136" cy="3087162"/>
+          </a:xfrm>
         </p:spPr>
       </p:pic>
-      <p:cxnSp>
-        <p:nvCxnSpPr>
-          <p:cNvPr id="26" name="Straight Connector 25">
+      <p:pic>
+        <p:nvPicPr>
+          <p:cNvPr id="101" name="Content Placeholder 10">
             <a:extLst>
               <a:ext uri="{FF2B5EF4-FFF2-40B4-BE49-F238E27FC236}">
-                <a16:creationId xmlns:a16="http://schemas.microsoft.com/office/drawing/2014/main" id="{25B08984-5BEB-422F-A364-2B41E6A516EB}"/>
-              </a:ext>
-              <a:ext uri="{C183D7F6-B498-43B3-948B-1728B52AA6E4}">
-                <adec:decorative xmlns:adec="http://schemas.microsoft.com/office/drawing/2017/decorative" val="1"/>
-              </a:ext>
-            </a:extLst>
-          </p:cNvPr>
-          <p:cNvCxnSpPr>
-            <a:cxnSpLocks noGrp="1" noRot="1" noChangeAspect="1" noMove="1" noResize="1" noEditPoints="1" noAdjustHandles="1" noChangeArrowheads="1" noChangeShapeType="1"/>
-          </p:cNvCxnSpPr>
-          <p:nvPr>
-            <p:extLst>
-              <p:ext uri="{386F3935-93C4-4BCD-93E2-E3B085C9AB24}">
-                <p16:designElem xmlns:p16="http://schemas.microsoft.com/office/powerpoint/2015/main" val="1"/>
-              </p:ext>
-            </p:extLst>
-          </p:nvPr>
-        </p:nvCxnSpPr>
-        <p:spPr>
-          <a:xfrm>
-            <a:off x="0" y="6128413"/>
-            <a:ext cx="12192000" cy="0"/>
-          </a:xfrm>
-          <a:prstGeom prst="line">
-            <a:avLst/>
-          </a:prstGeom>
-          <a:ln w="12700">
-            <a:solidFill>
-              <a:srgbClr val="000001">
-                <a:alpha val="20000"/>
-              </a:srgbClr>
-            </a:solidFill>
-          </a:ln>
-        </p:spPr>
-        <p:style>
-          <a:lnRef idx="1">
-            <a:schemeClr val="accent1"/>
-          </a:lnRef>
-          <a:fillRef idx="0">
-            <a:schemeClr val="accent1"/>
-          </a:fillRef>
-          <a:effectRef idx="0">
-            <a:schemeClr val="accent1"/>
-          </a:effectRef>
-          <a:fontRef idx="minor">
-            <a:schemeClr val="tx1"/>
-          </a:fontRef>
-        </p:style>
-      </p:cxnSp>
-      <p:cxnSp>
-        <p:nvCxnSpPr>
-          <p:cNvPr id="28" name="Straight Connector 27">
-            <a:extLst>
-              <a:ext uri="{FF2B5EF4-FFF2-40B4-BE49-F238E27FC236}">
-                <a16:creationId xmlns:a16="http://schemas.microsoft.com/office/drawing/2014/main" id="{A8F413B1-54E0-4B16-92AB-1CC5C7D645BC}"/>
-              </a:ext>
-              <a:ext uri="{C183D7F6-B498-43B3-948B-1728B52AA6E4}">
-                <adec:decorative xmlns:adec="http://schemas.microsoft.com/office/drawing/2017/decorative" val="1"/>
-              </a:ext>
-            </a:extLst>
-          </p:cNvPr>
-          <p:cNvCxnSpPr>
-            <a:cxnSpLocks noGrp="1" noRot="1" noChangeAspect="1" noMove="1" noResize="1" noEditPoints="1" noAdjustHandles="1" noChangeArrowheads="1" noChangeShapeType="1"/>
-          </p:cNvCxnSpPr>
-          <p:nvPr>
-            <p:extLst>
-              <p:ext uri="{386F3935-93C4-4BCD-93E2-E3B085C9AB24}">
-                <p16:designElem xmlns:p16="http://schemas.microsoft.com/office/powerpoint/2015/main" val="1"/>
-              </p:ext>
-            </p:extLst>
-          </p:nvPr>
-        </p:nvCxnSpPr>
-        <p:spPr>
-          <a:xfrm>
-            <a:off x="1453896" y="1847088"/>
-            <a:ext cx="9607522" cy="0"/>
-          </a:xfrm>
-          <a:prstGeom prst="line">
-            <a:avLst/>
-          </a:prstGeom>
-          <a:ln w="31750"/>
-        </p:spPr>
-        <p:style>
-          <a:lnRef idx="3">
-            <a:schemeClr val="accent1"/>
-          </a:lnRef>
-          <a:fillRef idx="0">
-            <a:schemeClr val="accent1"/>
-          </a:fillRef>
-          <a:effectRef idx="2">
-            <a:schemeClr val="accent1"/>
-          </a:effectRef>
-          <a:fontRef idx="minor">
-            <a:schemeClr val="tx1"/>
-          </a:fontRef>
-        </p:style>
-      </p:cxnSp>
-      <p:sp useBgFill="1">
-        <p:nvSpPr>
-          <p:cNvPr id="30" name="Rectangle 29">
-            <a:extLst>
-              <a:ext uri="{FF2B5EF4-FFF2-40B4-BE49-F238E27FC236}">
-                <a16:creationId xmlns:a16="http://schemas.microsoft.com/office/drawing/2014/main" id="{5C1C8E8D-F90C-4CE0-B013-CBAC6E4D7690}"/>
-              </a:ext>
-              <a:ext uri="{C183D7F6-B498-43B3-948B-1728B52AA6E4}">
-                <adec:decorative xmlns:adec="http://schemas.microsoft.com/office/drawing/2017/decorative" val="1"/>
-              </a:ext>
-            </a:extLst>
-          </p:cNvPr>
-          <p:cNvSpPr>
-            <a:spLocks noGrp="1" noRot="1" noChangeAspect="1" noMove="1" noResize="1" noEditPoints="1" noAdjustHandles="1" noChangeArrowheads="1" noChangeShapeType="1" noTextEdit="1"/>
-          </p:cNvSpPr>
-          <p:nvPr>
-            <p:extLst>
-              <p:ext uri="{386F3935-93C4-4BCD-93E2-E3B085C9AB24}">
-                <p16:designElem xmlns:p16="http://schemas.microsoft.com/office/powerpoint/2015/main" val="1"/>
-              </p:ext>
-            </p:extLst>
-          </p:nvPr>
-        </p:nvSpPr>
-        <p:spPr>
-          <a:xfrm>
-            <a:off x="2" y="0"/>
-            <a:ext cx="12191695" cy="6858000"/>
-          </a:xfrm>
-          <a:prstGeom prst="rect">
-            <a:avLst/>
-          </a:prstGeom>
-          <a:ln>
-            <a:noFill/>
-          </a:ln>
-        </p:spPr>
-        <p:style>
-          <a:lnRef idx="2">
-            <a:schemeClr val="accent1">
-              <a:shade val="50000"/>
-            </a:schemeClr>
-          </a:lnRef>
-          <a:fillRef idx="1">
-            <a:schemeClr val="accent1"/>
-          </a:fillRef>
-          <a:effectRef idx="0">
-            <a:schemeClr val="accent1"/>
-          </a:effectRef>
-          <a:fontRef idx="minor">
-            <a:schemeClr val="lt1"/>
-          </a:fontRef>
-        </p:style>
-        <p:txBody>
-          <a:bodyPr rtlCol="0" anchor="ctr"/>
-          <a:lstStyle/>
-          <a:p>
-            <a:pPr algn="ctr"/>
-            <a:endParaRPr lang="en-US"/>
-          </a:p>
-        </p:txBody>
-      </p:sp>
-      <p:sp>
-        <p:nvSpPr>
-          <p:cNvPr id="32" name="Rectangle 31">
-            <a:extLst>
-              <a:ext uri="{FF2B5EF4-FFF2-40B4-BE49-F238E27FC236}">
-                <a16:creationId xmlns:a16="http://schemas.microsoft.com/office/drawing/2014/main" id="{256B2D4F-5C3C-4930-9E59-5624E50633A5}"/>
-              </a:ext>
-              <a:ext uri="{C183D7F6-B498-43B3-948B-1728B52AA6E4}">
-                <adec:decorative xmlns:adec="http://schemas.microsoft.com/office/drawing/2017/decorative" val="1"/>
-              </a:ext>
-            </a:extLst>
-          </p:cNvPr>
-          <p:cNvSpPr>
-            <a:spLocks noGrp="1" noRot="1" noChangeAspect="1" noMove="1" noResize="1" noEditPoints="1" noAdjustHandles="1" noChangeArrowheads="1" noChangeShapeType="1" noTextEdit="1"/>
-          </p:cNvSpPr>
-          <p:nvPr>
-            <p:extLst>
-              <p:ext uri="{386F3935-93C4-4BCD-93E2-E3B085C9AB24}">
-                <p16:designElem xmlns:p16="http://schemas.microsoft.com/office/powerpoint/2015/main" val="1"/>
-              </p:ext>
-            </p:extLst>
-          </p:nvPr>
-        </p:nvSpPr>
-        <p:spPr>
-          <a:xfrm>
-            <a:off x="0" y="2019476"/>
-            <a:ext cx="12192000" cy="4105941"/>
-          </a:xfrm>
-          <a:prstGeom prst="rect">
-            <a:avLst/>
-          </a:prstGeom>
-          <a:gradFill flip="none" rotWithShape="1">
-            <a:gsLst>
-              <a:gs pos="0">
-                <a:schemeClr val="bg2">
-                  <a:alpha val="0"/>
-                </a:schemeClr>
-              </a:gs>
-              <a:gs pos="100000">
-                <a:schemeClr val="bg2"/>
-              </a:gs>
-            </a:gsLst>
-            <a:lin ang="5400000" scaled="0"/>
-            <a:tileRect/>
-          </a:gradFill>
-          <a:ln>
-            <a:noFill/>
-          </a:ln>
-        </p:spPr>
-        <p:style>
-          <a:lnRef idx="2">
-            <a:schemeClr val="accent1">
-              <a:shade val="50000"/>
-            </a:schemeClr>
-          </a:lnRef>
-          <a:fillRef idx="1">
-            <a:schemeClr val="accent1"/>
-          </a:fillRef>
-          <a:effectRef idx="0">
-            <a:schemeClr val="accent1"/>
-          </a:effectRef>
-          <a:fontRef idx="minor">
-            <a:schemeClr val="lt1"/>
-          </a:fontRef>
-        </p:style>
-        <p:txBody>
-          <a:bodyPr rtlCol="0" anchor="ctr"/>
-          <a:lstStyle/>
-          <a:p>
-            <a:pPr lvl="0" algn="ctr"/>
-            <a:endParaRPr lang="en-US"/>
-          </a:p>
-        </p:txBody>
-      </p:sp>
-      <p:sp>
-        <p:nvSpPr>
-          <p:cNvPr id="2" name="Title 1">
-            <a:extLst>
-              <a:ext uri="{FF2B5EF4-FFF2-40B4-BE49-F238E27FC236}">
-                <a16:creationId xmlns:a16="http://schemas.microsoft.com/office/drawing/2014/main" id="{36827B44-F171-45F6-A33E-24943375FF73}"/>
-              </a:ext>
-            </a:extLst>
-          </p:cNvPr>
-          <p:cNvSpPr>
-            <a:spLocks noGrp="1"/>
-          </p:cNvSpPr>
-          <p:nvPr>
-            <p:ph type="title"/>
-          </p:nvPr>
-        </p:nvSpPr>
-        <p:spPr>
-          <a:xfrm>
-            <a:off x="661251" y="1474970"/>
-            <a:ext cx="2821967" cy="3144914"/>
-          </a:xfrm>
-        </p:spPr>
-        <p:txBody>
-          <a:bodyPr vert="horz" lIns="91440" tIns="45720" rIns="91440" bIns="45720" rtlCol="0" anchor="ctr">
-            <a:normAutofit/>
-          </a:bodyPr>
-          <a:lstStyle/>
-          <a:p>
-            <a:r>
-              <a:rPr lang="en-US"/>
-              <a:t>PHP code</a:t>
-            </a:r>
-          </a:p>
-        </p:txBody>
-      </p:sp>
-      <p:grpSp>
-        <p:nvGrpSpPr>
-          <p:cNvPr id="34" name="Group 33">
-            <a:extLst>
-              <a:ext uri="{FF2B5EF4-FFF2-40B4-BE49-F238E27FC236}">
-                <a16:creationId xmlns:a16="http://schemas.microsoft.com/office/drawing/2014/main" id="{611721EC-7249-4412-ACE9-7752CF201736}"/>
-              </a:ext>
-              <a:ext uri="{C183D7F6-B498-43B3-948B-1728B52AA6E4}">
-                <adec:decorative xmlns:adec="http://schemas.microsoft.com/office/drawing/2017/decorative" val="1"/>
-              </a:ext>
-            </a:extLst>
-          </p:cNvPr>
-          <p:cNvGrpSpPr>
-            <a:grpSpLocks noGrp="1" noUngrp="1" noRot="1" noChangeAspect="1" noMove="1" noResize="1"/>
-          </p:cNvGrpSpPr>
-          <p:nvPr>
-            <p:extLst>
-              <p:ext uri="{386F3935-93C4-4BCD-93E2-E3B085C9AB24}">
-                <p16:designElem xmlns:p16="http://schemas.microsoft.com/office/powerpoint/2015/main" val="1"/>
-              </p:ext>
-            </p:extLst>
-          </p:nvPr>
-        </p:nvGrpSpPr>
-        <p:grpSpPr>
-          <a:xfrm>
-            <a:off x="3979388" y="482170"/>
-            <a:ext cx="7560115" cy="5149101"/>
-            <a:chOff x="7463258" y="583365"/>
-            <a:chExt cx="7560115" cy="5181928"/>
-          </a:xfrm>
-        </p:grpSpPr>
-        <p:sp>
-          <p:nvSpPr>
-            <p:cNvPr id="35" name="Rectangle 34">
-              <a:extLst>
-                <a:ext uri="{FF2B5EF4-FFF2-40B4-BE49-F238E27FC236}">
-                  <a16:creationId xmlns:a16="http://schemas.microsoft.com/office/drawing/2014/main" id="{8DCCC7A4-5D61-41EA-82D7-5D59C1F1C437}"/>
-                </a:ext>
-                <a:ext uri="{C183D7F6-B498-43B3-948B-1728B52AA6E4}">
-                  <adec:decorative xmlns:adec="http://schemas.microsoft.com/office/drawing/2017/decorative" val="1"/>
-                </a:ext>
-              </a:extLst>
-            </p:cNvPr>
-            <p:cNvSpPr/>
-            <p:nvPr>
-              <p:extLst>
-                <p:ext uri="{386F3935-93C4-4BCD-93E2-E3B085C9AB24}">
-                  <p16:designElem xmlns:p16="http://schemas.microsoft.com/office/powerpoint/2015/main" val="1"/>
-                </p:ext>
-              </p:extLst>
-            </p:nvPr>
-          </p:nvSpPr>
-          <p:spPr>
-            <a:xfrm>
-              <a:off x="7463258" y="583365"/>
-              <a:ext cx="7560115" cy="5181928"/>
-            </a:xfrm>
-            <a:prstGeom prst="rect">
-              <a:avLst/>
-            </a:prstGeom>
-            <a:gradFill>
-              <a:gsLst>
-                <a:gs pos="0">
-                  <a:srgbClr val="000001"/>
-                </a:gs>
-                <a:gs pos="100000">
-                  <a:srgbClr val="191919"/>
-                </a:gs>
-              </a:gsLst>
-            </a:gradFill>
-            <a:ln w="76200" cmpd="sng">
-              <a:noFill/>
-              <a:miter lim="800000"/>
-            </a:ln>
-            <a:effectLst>
-              <a:outerShdw blurRad="127000" dist="228600" dir="4740000" sx="98000" sy="98000" algn="tl" rotWithShape="0">
-                <a:srgbClr val="000000">
-                  <a:alpha val="34000"/>
-                </a:srgbClr>
-              </a:outerShdw>
-            </a:effectLst>
-            <a:scene3d>
-              <a:camera prst="orthographicFront"/>
-              <a:lightRig rig="threePt" dir="t"/>
-            </a:scene3d>
-            <a:sp3d>
-              <a:bevelT w="152400" h="50800" prst="softRound"/>
-            </a:sp3d>
-          </p:spPr>
-          <p:style>
-            <a:lnRef idx="1">
-              <a:schemeClr val="accent1"/>
-            </a:lnRef>
-            <a:fillRef idx="3">
-              <a:schemeClr val="accent1"/>
-            </a:fillRef>
-            <a:effectRef idx="2">
-              <a:schemeClr val="accent1"/>
-            </a:effectRef>
-            <a:fontRef idx="minor">
-              <a:schemeClr val="lt1"/>
-            </a:fontRef>
-          </p:style>
-          <p:txBody>
-            <a:bodyPr rtlCol="0" anchor="ctr"/>
-            <a:lstStyle/>
-            <a:p>
-              <a:pPr algn="ctr"/>
-              <a:endParaRPr lang="en-US"/>
-            </a:p>
-          </p:txBody>
-        </p:sp>
-        <p:sp>
-          <p:nvSpPr>
-            <p:cNvPr id="36" name="Rectangle 35">
-              <a:extLst>
-                <a:ext uri="{FF2B5EF4-FFF2-40B4-BE49-F238E27FC236}">
-                  <a16:creationId xmlns:a16="http://schemas.microsoft.com/office/drawing/2014/main" id="{A16A4307-5009-41C2-B976-153F0A17E6EC}"/>
-                </a:ext>
-                <a:ext uri="{C183D7F6-B498-43B3-948B-1728B52AA6E4}">
-                  <adec:decorative xmlns:adec="http://schemas.microsoft.com/office/drawing/2017/decorative" val="1"/>
-                </a:ext>
-              </a:extLst>
-            </p:cNvPr>
-            <p:cNvSpPr/>
-            <p:nvPr>
-              <p:extLst>
-                <p:ext uri="{386F3935-93C4-4BCD-93E2-E3B085C9AB24}">
-                  <p16:designElem xmlns:p16="http://schemas.microsoft.com/office/powerpoint/2015/main" val="1"/>
-                </p:ext>
-              </p:extLst>
-            </p:nvPr>
-          </p:nvSpPr>
-          <p:spPr>
-            <a:xfrm>
-              <a:off x="7776317" y="915807"/>
-              <a:ext cx="6928279" cy="4494927"/>
-            </a:xfrm>
-            <a:prstGeom prst="rect">
-              <a:avLst/>
-            </a:prstGeom>
-            <a:gradFill>
-              <a:gsLst>
-                <a:gs pos="0">
-                  <a:srgbClr val="DADADA"/>
-                </a:gs>
-                <a:gs pos="100000">
-                  <a:srgbClr val="FFFFFE"/>
-                </a:gs>
-              </a:gsLst>
-              <a:lin ang="16200000" scaled="0"/>
-            </a:gradFill>
-            <a:ln w="50800" cmpd="sng">
-              <a:solidFill>
-                <a:srgbClr val="191919"/>
-              </a:solidFill>
-              <a:miter lim="800000"/>
-            </a:ln>
-            <a:effectLst>
-              <a:innerShdw blurRad="63500" dist="88900" dir="14100000">
-                <a:srgbClr val="000000">
-                  <a:alpha val="30000"/>
-                </a:srgbClr>
-              </a:innerShdw>
-            </a:effectLst>
-            <a:scene3d>
-              <a:camera prst="orthographicFront"/>
-              <a:lightRig rig="threePt" dir="t"/>
-            </a:scene3d>
-            <a:sp3d>
-              <a:bevelT prst="relaxedInset"/>
-            </a:sp3d>
-          </p:spPr>
-          <p:style>
-            <a:lnRef idx="1">
-              <a:schemeClr val="accent1"/>
-            </a:lnRef>
-            <a:fillRef idx="3">
-              <a:schemeClr val="accent1"/>
-            </a:fillRef>
-            <a:effectRef idx="2">
-              <a:schemeClr val="accent1"/>
-            </a:effectRef>
-            <a:fontRef idx="minor">
-              <a:schemeClr val="lt1"/>
-            </a:fontRef>
-          </p:style>
-          <p:txBody>
-            <a:bodyPr rtlCol="0" anchor="ctr"/>
-            <a:lstStyle/>
-            <a:p>
-              <a:pPr algn="ctr"/>
-              <a:endParaRPr lang="en-US"/>
-            </a:p>
-          </p:txBody>
-        </p:sp>
-      </p:grpSp>
-      <p:pic>
-        <p:nvPicPr>
-          <p:cNvPr id="6" name="Picture 5">
-            <a:extLst>
-              <a:ext uri="{FF2B5EF4-FFF2-40B4-BE49-F238E27FC236}">
-                <a16:creationId xmlns:a16="http://schemas.microsoft.com/office/drawing/2014/main" id="{D214E474-BF7F-4290-A17C-728F746EECA9}"/>
+                <a16:creationId xmlns:a16="http://schemas.microsoft.com/office/drawing/2014/main" id="{72633DE8-571C-4E6B-877A-34D3C822E41D}"/>
               </a:ext>
             </a:extLst>
           </p:cNvPr>
@@ -9116,129 +5550,25 @@
           <p:nvPr/>
         </p:nvPicPr>
         <p:blipFill>
-          <a:blip r:embed="rId3">
-            <a:extLst>
-              <a:ext uri="{28A0092B-C50C-407E-A947-70E740481C1C}">
-                <a14:useLocalDpi xmlns:a14="http://schemas.microsoft.com/office/drawing/2010/main" val="0"/>
-              </a:ext>
-            </a:extLst>
-          </a:blip>
+          <a:blip r:embed="rId3"/>
           <a:stretch>
             <a:fillRect/>
           </a:stretch>
         </p:blipFill>
         <p:spPr>
           <a:xfrm>
-            <a:off x="4618373" y="1614392"/>
-            <a:ext cx="6282918" cy="2870076"/>
+            <a:off x="6093926" y="1590912"/>
+            <a:ext cx="4821551" cy="2917038"/>
           </a:xfrm>
           <a:prstGeom prst="rect">
             <a:avLst/>
           </a:prstGeom>
         </p:spPr>
       </p:pic>
-      <p:pic>
-        <p:nvPicPr>
-          <p:cNvPr id="38" name="Picture 37">
-            <a:extLst>
-              <a:ext uri="{FF2B5EF4-FFF2-40B4-BE49-F238E27FC236}">
-                <a16:creationId xmlns:a16="http://schemas.microsoft.com/office/drawing/2014/main" id="{1E6480F6-B743-4137-9D81-70DA7E0B6454}"/>
-              </a:ext>
-              <a:ext uri="{C183D7F6-B498-43B3-948B-1728B52AA6E4}">
-                <adec:decorative xmlns:adec="http://schemas.microsoft.com/office/drawing/2017/decorative" val="1"/>
-              </a:ext>
-            </a:extLst>
-          </p:cNvPr>
-          <p:cNvPicPr>
-            <a:picLocks noGrp="1" noRot="1" noChangeAspect="1" noMove="1" noResize="1" noEditPoints="1" noAdjustHandles="1" noChangeArrowheads="1" noChangeShapeType="1" noCrop="1"/>
-          </p:cNvPicPr>
-          <p:nvPr>
-            <p:extLst>
-              <p:ext uri="{386F3935-93C4-4BCD-93E2-E3B085C9AB24}">
-                <p16:designElem xmlns:p16="http://schemas.microsoft.com/office/powerpoint/2015/main" val="1"/>
-              </p:ext>
-            </p:extLst>
-          </p:nvPr>
-        </p:nvPicPr>
-        <p:blipFill rotWithShape="1">
-          <a:blip r:embed="rId2">
-            <a:extLst>
-              <a:ext uri="{28A0092B-C50C-407E-A947-70E740481C1C}">
-                <a14:useLocalDpi xmlns:a14="http://schemas.microsoft.com/office/drawing/2010/main" val="0"/>
-              </a:ext>
-            </a:extLst>
-          </a:blip>
-          <a:srcRect t="1538" b="-1538"/>
-          <a:stretch/>
-        </p:blipFill>
-        <p:spPr bwMode="black">
-          <a:xfrm>
-            <a:off x="0" y="6126480"/>
-            <a:ext cx="12192000" cy="742950"/>
-          </a:xfrm>
-          <a:prstGeom prst="rect">
-            <a:avLst/>
-          </a:prstGeom>
-        </p:spPr>
-      </p:pic>
-      <p:cxnSp>
-        <p:nvCxnSpPr>
-          <p:cNvPr id="40" name="Straight Connector 39">
-            <a:extLst>
-              <a:ext uri="{FF2B5EF4-FFF2-40B4-BE49-F238E27FC236}">
-                <a16:creationId xmlns:a16="http://schemas.microsoft.com/office/drawing/2014/main" id="{6729B337-89A8-4A06-ADF2-C2CB930A96F6}"/>
-              </a:ext>
-              <a:ext uri="{C183D7F6-B498-43B3-948B-1728B52AA6E4}">
-                <adec:decorative xmlns:adec="http://schemas.microsoft.com/office/drawing/2017/decorative" val="1"/>
-              </a:ext>
-            </a:extLst>
-          </p:cNvPr>
-          <p:cNvCxnSpPr>
-            <a:cxnSpLocks noGrp="1" noRot="1" noChangeAspect="1" noMove="1" noResize="1" noEditPoints="1" noAdjustHandles="1" noChangeArrowheads="1" noChangeShapeType="1"/>
-          </p:cNvCxnSpPr>
-          <p:nvPr>
-            <p:extLst>
-              <p:ext uri="{386F3935-93C4-4BCD-93E2-E3B085C9AB24}">
-                <p16:designElem xmlns:p16="http://schemas.microsoft.com/office/powerpoint/2015/main" val="1"/>
-              </p:ext>
-            </p:extLst>
-          </p:nvPr>
-        </p:nvCxnSpPr>
-        <p:spPr>
-          <a:xfrm>
-            <a:off x="0" y="6128413"/>
-            <a:ext cx="12192000" cy="0"/>
-          </a:xfrm>
-          <a:prstGeom prst="line">
-            <a:avLst/>
-          </a:prstGeom>
-          <a:ln w="12700">
-            <a:solidFill>
-              <a:srgbClr val="000001">
-                <a:alpha val="20000"/>
-              </a:srgbClr>
-            </a:solidFill>
-          </a:ln>
-        </p:spPr>
-        <p:style>
-          <a:lnRef idx="1">
-            <a:schemeClr val="accent1"/>
-          </a:lnRef>
-          <a:fillRef idx="0">
-            <a:schemeClr val="accent1"/>
-          </a:fillRef>
-          <a:effectRef idx="0">
-            <a:schemeClr val="accent1"/>
-          </a:effectRef>
-          <a:fontRef idx="minor">
-            <a:schemeClr val="tx1"/>
-          </a:fontRef>
-        </p:style>
-      </p:cxnSp>
     </p:spTree>
     <p:extLst>
       <p:ext uri="{BB962C8B-B14F-4D97-AF65-F5344CB8AC3E}">
-        <p14:creationId xmlns:p14="http://schemas.microsoft.com/office/powerpoint/2010/main" val="2438320129"/>
+        <p14:creationId xmlns:p14="http://schemas.microsoft.com/office/powerpoint/2010/main" val="2698728492"/>
       </p:ext>
     </p:extLst>
   </p:cSld>
@@ -9251,30 +5581,6 @@
 <file path=ppt/slides/slide8.xml><?xml version="1.0" encoding="utf-8"?>
 <p:sld xmlns:a="http://schemas.openxmlformats.org/drawingml/2006/main" xmlns:r="http://schemas.openxmlformats.org/officeDocument/2006/relationships" xmlns:p="http://schemas.openxmlformats.org/presentationml/2006/main">
   <p:cSld>
-    <p:bg>
-      <p:bgPr>
-        <a:gradFill rotWithShape="1">
-          <a:gsLst>
-            <a:gs pos="0">
-              <a:schemeClr val="bg2">
-                <a:tint val="94000"/>
-                <a:satMod val="80000"/>
-                <a:lumMod val="106000"/>
-              </a:schemeClr>
-            </a:gs>
-            <a:gs pos="100000">
-              <a:schemeClr val="bg2">
-                <a:shade val="80000"/>
-              </a:schemeClr>
-            </a:gs>
-          </a:gsLst>
-          <a:path path="circle">
-            <a:fillToRect l="43000" r="43000" b="100000"/>
-          </a:path>
-        </a:gradFill>
-        <a:effectLst/>
-      </p:bgPr>
-    </p:bg>
     <p:spTree>
       <p:nvGrpSpPr>
         <p:cNvPr id="1" name=""/>
@@ -9291,334 +5597,36 @@
       </p:grpSpPr>
       <p:sp>
         <p:nvSpPr>
-          <p:cNvPr id="27" name="Rectangle 19">
+          <p:cNvPr id="2" name="Title 1">
             <a:extLst>
               <a:ext uri="{FF2B5EF4-FFF2-40B4-BE49-F238E27FC236}">
-                <a16:creationId xmlns:a16="http://schemas.microsoft.com/office/drawing/2014/main" id="{CDDE5CDF-1512-4CDA-B956-23D223F8DE44}"/>
-              </a:ext>
-              <a:ext uri="{C183D7F6-B498-43B3-948B-1728B52AA6E4}">
-                <adec:decorative xmlns:adec="http://schemas.microsoft.com/office/drawing/2017/decorative" val="1"/>
+                <a16:creationId xmlns:a16="http://schemas.microsoft.com/office/drawing/2014/main" id="{6D8E4291-1534-A54F-AFE5-879B1999ADC8}"/>
               </a:ext>
             </a:extLst>
           </p:cNvPr>
           <p:cNvSpPr>
-            <a:spLocks noGrp="1" noRot="1" noChangeAspect="1" noMove="1" noResize="1" noEditPoints="1" noAdjustHandles="1" noChangeArrowheads="1" noChangeShapeType="1" noTextEdit="1"/>
-          </p:cNvSpPr>
-          <p:nvPr>
-            <p:extLst>
-              <p:ext uri="{386F3935-93C4-4BCD-93E2-E3B085C9AB24}">
-                <p16:designElem xmlns:p16="http://schemas.microsoft.com/office/powerpoint/2015/main" val="1"/>
-              </p:ext>
-            </p:extLst>
-          </p:nvPr>
-        </p:nvSpPr>
-        <p:spPr>
-          <a:xfrm>
-            <a:off x="0" y="2019476"/>
-            <a:ext cx="12192000" cy="4105941"/>
-          </a:xfrm>
-          <a:prstGeom prst="rect">
-            <a:avLst/>
-          </a:prstGeom>
-          <a:gradFill flip="none" rotWithShape="1">
-            <a:gsLst>
-              <a:gs pos="0">
-                <a:schemeClr val="bg2">
-                  <a:alpha val="0"/>
-                </a:schemeClr>
-              </a:gs>
-              <a:gs pos="100000">
-                <a:schemeClr val="bg2"/>
-              </a:gs>
-            </a:gsLst>
-            <a:lin ang="5400000" scaled="0"/>
-            <a:tileRect/>
-          </a:gradFill>
-          <a:ln>
-            <a:noFill/>
-          </a:ln>
-        </p:spPr>
-        <p:style>
-          <a:lnRef idx="2">
-            <a:schemeClr val="accent1">
-              <a:shade val="50000"/>
-            </a:schemeClr>
-          </a:lnRef>
-          <a:fillRef idx="1">
-            <a:schemeClr val="accent1"/>
-          </a:fillRef>
-          <a:effectRef idx="0">
-            <a:schemeClr val="accent1"/>
-          </a:effectRef>
-          <a:fontRef idx="minor">
-            <a:schemeClr val="lt1"/>
-          </a:fontRef>
-        </p:style>
-      </p:sp>
-      <p:pic>
-        <p:nvPicPr>
-          <p:cNvPr id="29" name="Picture 21">
-            <a:extLst>
-              <a:ext uri="{FF2B5EF4-FFF2-40B4-BE49-F238E27FC236}">
-                <a16:creationId xmlns:a16="http://schemas.microsoft.com/office/drawing/2014/main" id="{B029D7D8-5A6B-4C76-94C8-15798C6C5ADB}"/>
-              </a:ext>
-              <a:ext uri="{C183D7F6-B498-43B3-948B-1728B52AA6E4}">
-                <adec:decorative xmlns:adec="http://schemas.microsoft.com/office/drawing/2017/decorative" val="1"/>
-              </a:ext>
-            </a:extLst>
-          </p:cNvPr>
-          <p:cNvPicPr>
-            <a:picLocks noGrp="1" noRot="1" noChangeAspect="1" noMove="1" noResize="1" noEditPoints="1" noAdjustHandles="1" noChangeArrowheads="1" noChangeShapeType="1" noCrop="1"/>
-          </p:cNvPicPr>
-          <p:nvPr>
-            <p:extLst>
-              <p:ext uri="{386F3935-93C4-4BCD-93E2-E3B085C9AB24}">
-                <p16:designElem xmlns:p16="http://schemas.microsoft.com/office/powerpoint/2015/main" val="1"/>
-              </p:ext>
-            </p:extLst>
-          </p:nvPr>
-        </p:nvPicPr>
-        <p:blipFill rotWithShape="1">
-          <a:blip r:embed="rId2">
-            <a:extLst>
-              <a:ext uri="{28A0092B-C50C-407E-A947-70E740481C1C}">
-                <a14:useLocalDpi xmlns:a14="http://schemas.microsoft.com/office/drawing/2010/main" val="0"/>
-              </a:ext>
-            </a:extLst>
-          </a:blip>
-          <a:srcRect t="1538" b="-1538"/>
-          <a:stretch/>
-        </p:blipFill>
-        <p:spPr bwMode="black">
-          <a:xfrm>
-            <a:off x="0" y="6126480"/>
-            <a:ext cx="12192000" cy="742950"/>
-          </a:xfrm>
-          <a:prstGeom prst="rect">
-            <a:avLst/>
-          </a:prstGeom>
-        </p:spPr>
-      </p:pic>
-      <p:cxnSp>
-        <p:nvCxnSpPr>
-          <p:cNvPr id="30" name="Straight Connector 23">
-            <a:extLst>
-              <a:ext uri="{FF2B5EF4-FFF2-40B4-BE49-F238E27FC236}">
-                <a16:creationId xmlns:a16="http://schemas.microsoft.com/office/drawing/2014/main" id="{A5C9319C-E20D-4884-952F-60B6A58C3E34}"/>
-              </a:ext>
-              <a:ext uri="{C183D7F6-B498-43B3-948B-1728B52AA6E4}">
-                <adec:decorative xmlns:adec="http://schemas.microsoft.com/office/drawing/2017/decorative" val="1"/>
-              </a:ext>
-            </a:extLst>
-          </p:cNvPr>
-          <p:cNvCxnSpPr>
-            <a:cxnSpLocks noGrp="1" noRot="1" noChangeAspect="1" noMove="1" noResize="1" noEditPoints="1" noAdjustHandles="1" noChangeArrowheads="1" noChangeShapeType="1"/>
-          </p:cNvCxnSpPr>
-          <p:nvPr>
-            <p:extLst>
-              <p:ext uri="{386F3935-93C4-4BCD-93E2-E3B085C9AB24}">
-                <p16:designElem xmlns:p16="http://schemas.microsoft.com/office/powerpoint/2015/main" val="1"/>
-              </p:ext>
-            </p:extLst>
-          </p:nvPr>
-        </p:nvCxnSpPr>
-        <p:spPr>
-          <a:xfrm>
-            <a:off x="0" y="6128413"/>
-            <a:ext cx="12192000" cy="0"/>
-          </a:xfrm>
-          <a:prstGeom prst="line">
-            <a:avLst/>
-          </a:prstGeom>
-          <a:ln w="12700">
-            <a:solidFill>
-              <a:srgbClr val="000001">
-                <a:alpha val="20000"/>
-              </a:srgbClr>
-            </a:solidFill>
-          </a:ln>
-        </p:spPr>
-        <p:style>
-          <a:lnRef idx="1">
-            <a:schemeClr val="accent1"/>
-          </a:lnRef>
-          <a:fillRef idx="0">
-            <a:schemeClr val="accent1"/>
-          </a:fillRef>
-          <a:effectRef idx="0">
-            <a:schemeClr val="accent1"/>
-          </a:effectRef>
-          <a:fontRef idx="minor">
-            <a:schemeClr val="tx1"/>
-          </a:fontRef>
-        </p:style>
-      </p:cxnSp>
-      <p:sp>
-        <p:nvSpPr>
-          <p:cNvPr id="26" name="Rectangle 25">
-            <a:extLst>
-              <a:ext uri="{FF2B5EF4-FFF2-40B4-BE49-F238E27FC236}">
-                <a16:creationId xmlns:a16="http://schemas.microsoft.com/office/drawing/2014/main" id="{B6E6531A-0776-43BA-A852-5FB5C77534D5}"/>
-              </a:ext>
-              <a:ext uri="{C183D7F6-B498-43B3-948B-1728B52AA6E4}">
-                <adec:decorative xmlns:adec="http://schemas.microsoft.com/office/drawing/2017/decorative" val="1"/>
-              </a:ext>
-            </a:extLst>
-          </p:cNvPr>
-          <p:cNvSpPr>
-            <a:spLocks noGrp="1" noRot="1" noChangeAspect="1" noMove="1" noResize="1" noEditPoints="1" noAdjustHandles="1" noChangeArrowheads="1" noChangeShapeType="1" noTextEdit="1"/>
-          </p:cNvSpPr>
-          <p:nvPr>
-            <p:extLst>
-              <p:ext uri="{386F3935-93C4-4BCD-93E2-E3B085C9AB24}">
-                <p16:designElem xmlns:p16="http://schemas.microsoft.com/office/powerpoint/2015/main" val="1"/>
-              </p:ext>
-            </p:extLst>
-          </p:nvPr>
-        </p:nvSpPr>
-        <p:spPr>
-          <a:xfrm>
-            <a:off x="1556085" y="533400"/>
-            <a:ext cx="9079832" cy="5077326"/>
-          </a:xfrm>
-          <a:prstGeom prst="rect">
-            <a:avLst/>
-          </a:prstGeom>
-          <a:gradFill>
-            <a:gsLst>
-              <a:gs pos="0">
-                <a:srgbClr val="000001"/>
-              </a:gs>
-              <a:gs pos="100000">
-                <a:srgbClr val="191919"/>
-              </a:gs>
-            </a:gsLst>
-          </a:gradFill>
-          <a:ln w="76200" cmpd="sng">
-            <a:noFill/>
-            <a:miter lim="800000"/>
-          </a:ln>
-          <a:effectLst>
-            <a:outerShdw blurRad="127000" dist="228600" dir="4740000" sx="98000" sy="98000" algn="tl" rotWithShape="0">
-              <a:srgbClr val="000000">
-                <a:alpha val="34000"/>
-              </a:srgbClr>
-            </a:outerShdw>
-          </a:effectLst>
-          <a:scene3d>
-            <a:camera prst="orthographicFront"/>
-            <a:lightRig rig="threePt" dir="t"/>
-          </a:scene3d>
-          <a:sp3d>
-            <a:bevelT w="152400" h="50800" prst="softRound"/>
-          </a:sp3d>
-        </p:spPr>
-        <p:style>
-          <a:lnRef idx="1">
-            <a:schemeClr val="accent1"/>
-          </a:lnRef>
-          <a:fillRef idx="3">
-            <a:schemeClr val="accent1"/>
-          </a:fillRef>
-          <a:effectRef idx="2">
-            <a:schemeClr val="accent1"/>
-          </a:effectRef>
-          <a:fontRef idx="minor">
-            <a:schemeClr val="lt1"/>
-          </a:fontRef>
-        </p:style>
-        <p:txBody>
-          <a:bodyPr rtlCol="0" anchor="ctr"/>
-          <a:lstStyle/>
-          <a:p>
-            <a:pPr algn="ctr"/>
-            <a:endParaRPr lang="en-US"/>
-          </a:p>
-        </p:txBody>
-      </p:sp>
-      <p:sp>
-        <p:nvSpPr>
-          <p:cNvPr id="28" name="Rectangle 27">
-            <a:extLst>
-              <a:ext uri="{FF2B5EF4-FFF2-40B4-BE49-F238E27FC236}">
-                <a16:creationId xmlns:a16="http://schemas.microsoft.com/office/drawing/2014/main" id="{F8C5273F-2B84-46BF-A94F-1A20E13B3AA1}"/>
-              </a:ext>
-              <a:ext uri="{C183D7F6-B498-43B3-948B-1728B52AA6E4}">
-                <adec:decorative xmlns:adec="http://schemas.microsoft.com/office/drawing/2017/decorative" val="1"/>
-              </a:ext>
-            </a:extLst>
-          </p:cNvPr>
-          <p:cNvSpPr>
-            <a:spLocks noGrp="1" noRot="1" noChangeAspect="1" noMove="1" noResize="1" noEditPoints="1" noAdjustHandles="1" noChangeArrowheads="1" noChangeShapeType="1" noTextEdit="1"/>
-          </p:cNvSpPr>
-          <p:nvPr>
-            <p:extLst>
-              <p:ext uri="{386F3935-93C4-4BCD-93E2-E3B085C9AB24}">
-                <p16:designElem xmlns:p16="http://schemas.microsoft.com/office/powerpoint/2015/main" val="1"/>
-              </p:ext>
-            </p:extLst>
-          </p:nvPr>
-        </p:nvSpPr>
-        <p:spPr>
-          <a:xfrm>
-            <a:off x="1784605" y="763203"/>
-            <a:ext cx="8622792" cy="4617720"/>
-          </a:xfrm>
-          <a:prstGeom prst="rect">
-            <a:avLst/>
-          </a:prstGeom>
-          <a:gradFill>
-            <a:gsLst>
-              <a:gs pos="0">
-                <a:srgbClr val="DADADA"/>
-              </a:gs>
-              <a:gs pos="100000">
-                <a:srgbClr val="FFFFFE"/>
-              </a:gs>
-            </a:gsLst>
-            <a:lin ang="16200000" scaled="0"/>
-          </a:gradFill>
-          <a:ln w="50800" cmpd="sng">
-            <a:solidFill>
-              <a:srgbClr val="191919"/>
-            </a:solidFill>
-            <a:miter lim="800000"/>
-          </a:ln>
-          <a:effectLst>
-            <a:innerShdw blurRad="63500" dist="88900" dir="14100000">
-              <a:srgbClr val="000000">
-                <a:alpha val="30000"/>
-              </a:srgbClr>
-            </a:innerShdw>
-          </a:effectLst>
-          <a:scene3d>
-            <a:camera prst="orthographicFront"/>
-            <a:lightRig rig="threePt" dir="t"/>
-          </a:scene3d>
-          <a:sp3d>
-            <a:bevelT prst="relaxedInset"/>
-          </a:sp3d>
-        </p:spPr>
-        <p:style>
-          <a:lnRef idx="1">
-            <a:schemeClr val="accent1"/>
-          </a:lnRef>
-          <a:fillRef idx="3">
-            <a:schemeClr val="accent1"/>
-          </a:fillRef>
-          <a:effectRef idx="2">
-            <a:schemeClr val="accent1"/>
-          </a:effectRef>
-          <a:fontRef idx="minor">
-            <a:schemeClr val="lt1"/>
-          </a:fontRef>
-        </p:style>
-        <p:txBody>
-          <a:bodyPr rtlCol="0" anchor="ctr"/>
-          <a:lstStyle/>
-          <a:p>
-            <a:pPr algn="ctr"/>
-            <a:endParaRPr lang="en-US"/>
+            <a:spLocks noGrp="1"/>
+          </p:cNvSpPr>
+          <p:nvPr>
+            <p:ph type="title"/>
+          </p:nvPr>
+        </p:nvSpPr>
+        <p:spPr>
+          <a:xfrm>
+            <a:off x="1451579" y="220069"/>
+            <a:ext cx="5550357" cy="1049235"/>
+          </a:xfrm>
+        </p:spPr>
+        <p:txBody>
+          <a:bodyPr vert="horz" lIns="91440" tIns="45720" rIns="91440" bIns="45720" rtlCol="0">
+            <a:normAutofit/>
+          </a:bodyPr>
+          <a:lstStyle/>
+          <a:p>
+            <a:r>
+              <a:rPr lang="en-US" dirty="0"/>
+              <a:t>INBOX VIEW – ON checked HOVER CHANGE code</a:t>
+            </a:r>
           </a:p>
         </p:txBody>
       </p:sp>
@@ -9627,7 +5635,7 @@
           <p:cNvPr id="4" name="Picture 3">
             <a:extLst>
               <a:ext uri="{FF2B5EF4-FFF2-40B4-BE49-F238E27FC236}">
-                <a16:creationId xmlns:a16="http://schemas.microsoft.com/office/drawing/2014/main" id="{BC1B1CE7-F6F5-450E-8121-5ABF63DD7978}"/>
+                <a16:creationId xmlns:a16="http://schemas.microsoft.com/office/drawing/2014/main" id="{6F61C017-4300-49DB-BFB4-770A17F599C3}"/>
               </a:ext>
             </a:extLst>
           </p:cNvPr>
@@ -9637,21 +5645,45 @@
           <p:nvPr/>
         </p:nvPicPr>
         <p:blipFill>
-          <a:blip r:embed="rId3">
-            <a:extLst>
-              <a:ext uri="{28A0092B-C50C-407E-A947-70E740481C1C}">
-                <a14:useLocalDpi xmlns:a14="http://schemas.microsoft.com/office/drawing/2010/main" val="0"/>
-              </a:ext>
-            </a:extLst>
-          </a:blip>
+          <a:blip r:embed="rId2"/>
           <a:stretch>
             <a:fillRect/>
           </a:stretch>
         </p:blipFill>
         <p:spPr>
           <a:xfrm>
-            <a:off x="1956563" y="1026696"/>
-            <a:ext cx="8278874" cy="3903452"/>
+            <a:off x="498331" y="1489373"/>
+            <a:ext cx="10858500" cy="2533650"/>
+          </a:xfrm>
+          <a:prstGeom prst="rect">
+            <a:avLst/>
+          </a:prstGeom>
+        </p:spPr>
+      </p:pic>
+      <p:pic>
+        <p:nvPicPr>
+          <p:cNvPr id="5" name="Picture 4">
+            <a:extLst>
+              <a:ext uri="{FF2B5EF4-FFF2-40B4-BE49-F238E27FC236}">
+                <a16:creationId xmlns:a16="http://schemas.microsoft.com/office/drawing/2014/main" id="{D142BA31-B575-4CC9-A39E-7D1A58C53ED8}"/>
+              </a:ext>
+            </a:extLst>
+          </p:cNvPr>
+          <p:cNvPicPr>
+            <a:picLocks noChangeAspect="1"/>
+          </p:cNvPicPr>
+          <p:nvPr/>
+        </p:nvPicPr>
+        <p:blipFill>
+          <a:blip r:embed="rId3"/>
+          <a:stretch>
+            <a:fillRect/>
+          </a:stretch>
+        </p:blipFill>
+        <p:spPr>
+          <a:xfrm>
+            <a:off x="463382" y="4377253"/>
+            <a:ext cx="11264933" cy="1393934"/>
           </a:xfrm>
           <a:prstGeom prst="rect">
             <a:avLst/>
@@ -9661,7 +5693,7 @@
     </p:spTree>
     <p:extLst>
       <p:ext uri="{BB962C8B-B14F-4D97-AF65-F5344CB8AC3E}">
-        <p14:creationId xmlns:p14="http://schemas.microsoft.com/office/powerpoint/2010/main" val="3139029800"/>
+        <p14:creationId xmlns:p14="http://schemas.microsoft.com/office/powerpoint/2010/main" val="1341460574"/>
       </p:ext>
     </p:extLst>
   </p:cSld>
@@ -9674,30 +5706,6 @@
 <file path=ppt/slides/slide9.xml><?xml version="1.0" encoding="utf-8"?>
 <p:sld xmlns:a="http://schemas.openxmlformats.org/drawingml/2006/main" xmlns:r="http://schemas.openxmlformats.org/officeDocument/2006/relationships" xmlns:p="http://schemas.openxmlformats.org/presentationml/2006/main">
   <p:cSld>
-    <p:bg>
-      <p:bgPr>
-        <a:gradFill rotWithShape="1">
-          <a:gsLst>
-            <a:gs pos="0">
-              <a:schemeClr val="bg2">
-                <a:tint val="94000"/>
-                <a:satMod val="80000"/>
-                <a:lumMod val="106000"/>
-              </a:schemeClr>
-            </a:gs>
-            <a:gs pos="100000">
-              <a:schemeClr val="bg2">
-                <a:shade val="80000"/>
-              </a:schemeClr>
-            </a:gs>
-          </a:gsLst>
-          <a:path path="circle">
-            <a:fillToRect l="43000" r="43000" b="100000"/>
-          </a:path>
-        </a:gradFill>
-        <a:effectLst/>
-      </p:bgPr>
-    </p:bg>
     <p:spTree>
       <p:nvGrpSpPr>
         <p:cNvPr id="1" name=""/>
@@ -9714,719 +5722,58 @@
       </p:grpSpPr>
       <p:sp>
         <p:nvSpPr>
-          <p:cNvPr id="9" name="Rectangle 8">
+          <p:cNvPr id="2" name="Title 1">
             <a:extLst>
               <a:ext uri="{FF2B5EF4-FFF2-40B4-BE49-F238E27FC236}">
-                <a16:creationId xmlns:a16="http://schemas.microsoft.com/office/drawing/2014/main" id="{C63C853E-3842-4594-86A9-051FFAF4D343}"/>
-              </a:ext>
-              <a:ext uri="{C183D7F6-B498-43B3-948B-1728B52AA6E4}">
-                <adec:decorative xmlns:adec="http://schemas.microsoft.com/office/drawing/2017/decorative" val="1"/>
+                <a16:creationId xmlns:a16="http://schemas.microsoft.com/office/drawing/2014/main" id="{1135726A-EF76-44CD-9D4A-DB70FF6FC0FA}"/>
               </a:ext>
             </a:extLst>
           </p:cNvPr>
           <p:cNvSpPr>
-            <a:spLocks noGrp="1" noRot="1" noChangeAspect="1" noMove="1" noResize="1" noEditPoints="1" noAdjustHandles="1" noChangeArrowheads="1" noChangeShapeType="1" noTextEdit="1"/>
-          </p:cNvSpPr>
-          <p:nvPr>
-            <p:extLst>
-              <p:ext uri="{386F3935-93C4-4BCD-93E2-E3B085C9AB24}">
-                <p16:designElem xmlns:p16="http://schemas.microsoft.com/office/powerpoint/2015/main" val="1"/>
-              </p:ext>
-            </p:extLst>
-          </p:nvPr>
-        </p:nvSpPr>
-        <p:spPr>
-          <a:xfrm>
-            <a:off x="0" y="2019476"/>
-            <a:ext cx="12192000" cy="4105941"/>
-          </a:xfrm>
-          <a:prstGeom prst="rect">
-            <a:avLst/>
-          </a:prstGeom>
-          <a:gradFill flip="none" rotWithShape="1">
-            <a:gsLst>
-              <a:gs pos="0">
-                <a:schemeClr val="bg2">
-                  <a:alpha val="0"/>
-                </a:schemeClr>
-              </a:gs>
-              <a:gs pos="100000">
-                <a:schemeClr val="bg2"/>
-              </a:gs>
-            </a:gsLst>
-            <a:lin ang="5400000" scaled="0"/>
-            <a:tileRect/>
-          </a:gradFill>
-          <a:ln>
-            <a:noFill/>
-          </a:ln>
-        </p:spPr>
-        <p:style>
-          <a:lnRef idx="2">
-            <a:schemeClr val="accent1">
-              <a:shade val="50000"/>
-            </a:schemeClr>
-          </a:lnRef>
-          <a:fillRef idx="1">
-            <a:schemeClr val="accent1"/>
-          </a:fillRef>
-          <a:effectRef idx="0">
-            <a:schemeClr val="accent1"/>
-          </a:effectRef>
-          <a:fontRef idx="minor">
-            <a:schemeClr val="lt1"/>
-          </a:fontRef>
-        </p:style>
-      </p:sp>
-      <p:pic>
-        <p:nvPicPr>
-          <p:cNvPr id="11" name="Picture 10">
+            <a:spLocks noGrp="1"/>
+          </p:cNvSpPr>
+          <p:nvPr>
+            <p:ph type="title"/>
+          </p:nvPr>
+        </p:nvSpPr>
+        <p:spPr/>
+        <p:txBody>
+          <a:bodyPr/>
+          <a:lstStyle/>
+          <a:p>
+            <a:endParaRPr lang="en-US"/>
+          </a:p>
+        </p:txBody>
+      </p:sp>
+      <p:sp>
+        <p:nvSpPr>
+          <p:cNvPr id="3" name="Content Placeholder 2">
             <a:extLst>
               <a:ext uri="{FF2B5EF4-FFF2-40B4-BE49-F238E27FC236}">
-                <a16:creationId xmlns:a16="http://schemas.microsoft.com/office/drawing/2014/main" id="{B591CDC5-6B61-4116-B3B5-0FF42B6E606D}"/>
-              </a:ext>
-              <a:ext uri="{C183D7F6-B498-43B3-948B-1728B52AA6E4}">
-                <adec:decorative xmlns:adec="http://schemas.microsoft.com/office/drawing/2017/decorative" val="1"/>
+                <a16:creationId xmlns:a16="http://schemas.microsoft.com/office/drawing/2014/main" id="{A6D17991-6356-4A3C-AED5-CDE5360121F7}"/>
               </a:ext>
             </a:extLst>
           </p:cNvPr>
-          <p:cNvPicPr>
-            <a:picLocks noGrp="1" noRot="1" noChangeAspect="1" noMove="1" noResize="1" noEditPoints="1" noAdjustHandles="1" noChangeArrowheads="1" noChangeShapeType="1" noCrop="1"/>
-          </p:cNvPicPr>
-          <p:nvPr>
-            <p:extLst>
-              <p:ext uri="{386F3935-93C4-4BCD-93E2-E3B085C9AB24}">
-                <p16:designElem xmlns:p16="http://schemas.microsoft.com/office/powerpoint/2015/main" val="1"/>
-              </p:ext>
-            </p:extLst>
-          </p:nvPr>
-        </p:nvPicPr>
-        <p:blipFill rotWithShape="1">
-          <a:blip r:embed="rId2">
-            <a:extLst>
-              <a:ext uri="{28A0092B-C50C-407E-A947-70E740481C1C}">
-                <a14:useLocalDpi xmlns:a14="http://schemas.microsoft.com/office/drawing/2010/main" val="0"/>
-              </a:ext>
-            </a:extLst>
-          </a:blip>
-          <a:srcRect t="1538" b="-1538"/>
-          <a:stretch/>
-        </p:blipFill>
-        <p:spPr bwMode="black">
-          <a:xfrm>
-            <a:off x="0" y="6126480"/>
-            <a:ext cx="12192000" cy="742950"/>
-          </a:xfrm>
-          <a:prstGeom prst="rect">
-            <a:avLst/>
-          </a:prstGeom>
-        </p:spPr>
-      </p:pic>
-      <p:cxnSp>
-        <p:nvCxnSpPr>
-          <p:cNvPr id="13" name="Straight Connector 12">
-            <a:extLst>
-              <a:ext uri="{FF2B5EF4-FFF2-40B4-BE49-F238E27FC236}">
-                <a16:creationId xmlns:a16="http://schemas.microsoft.com/office/drawing/2014/main" id="{25B08984-5BEB-422F-A364-2B41E6A516EB}"/>
-              </a:ext>
-              <a:ext uri="{C183D7F6-B498-43B3-948B-1728B52AA6E4}">
-                <adec:decorative xmlns:adec="http://schemas.microsoft.com/office/drawing/2017/decorative" val="1"/>
-              </a:ext>
-            </a:extLst>
-          </p:cNvPr>
-          <p:cNvCxnSpPr>
-            <a:cxnSpLocks noGrp="1" noRot="1" noChangeAspect="1" noMove="1" noResize="1" noEditPoints="1" noAdjustHandles="1" noChangeArrowheads="1" noChangeShapeType="1"/>
-          </p:cNvCxnSpPr>
-          <p:nvPr>
-            <p:extLst>
-              <p:ext uri="{386F3935-93C4-4BCD-93E2-E3B085C9AB24}">
-                <p16:designElem xmlns:p16="http://schemas.microsoft.com/office/powerpoint/2015/main" val="1"/>
-              </p:ext>
-            </p:extLst>
-          </p:nvPr>
-        </p:nvCxnSpPr>
-        <p:spPr>
-          <a:xfrm>
-            <a:off x="0" y="6128413"/>
-            <a:ext cx="12192000" cy="0"/>
-          </a:xfrm>
-          <a:prstGeom prst="line">
-            <a:avLst/>
-          </a:prstGeom>
-          <a:ln w="12700">
-            <a:solidFill>
-              <a:srgbClr val="000001">
-                <a:alpha val="20000"/>
-              </a:srgbClr>
-            </a:solidFill>
-          </a:ln>
-        </p:spPr>
-        <p:style>
-          <a:lnRef idx="1">
-            <a:schemeClr val="accent1"/>
-          </a:lnRef>
-          <a:fillRef idx="0">
-            <a:schemeClr val="accent1"/>
-          </a:fillRef>
-          <a:effectRef idx="0">
-            <a:schemeClr val="accent1"/>
-          </a:effectRef>
-          <a:fontRef idx="minor">
-            <a:schemeClr val="tx1"/>
-          </a:fontRef>
-        </p:style>
-      </p:cxnSp>
-      <p:cxnSp>
-        <p:nvCxnSpPr>
-          <p:cNvPr id="15" name="Straight Connector 14">
-            <a:extLst>
-              <a:ext uri="{FF2B5EF4-FFF2-40B4-BE49-F238E27FC236}">
-                <a16:creationId xmlns:a16="http://schemas.microsoft.com/office/drawing/2014/main" id="{A8F413B1-54E0-4B16-92AB-1CC5C7D645BC}"/>
-              </a:ext>
-              <a:ext uri="{C183D7F6-B498-43B3-948B-1728B52AA6E4}">
-                <adec:decorative xmlns:adec="http://schemas.microsoft.com/office/drawing/2017/decorative" val="1"/>
-              </a:ext>
-            </a:extLst>
-          </p:cNvPr>
-          <p:cNvCxnSpPr>
-            <a:cxnSpLocks noGrp="1" noRot="1" noChangeAspect="1" noMove="1" noResize="1" noEditPoints="1" noAdjustHandles="1" noChangeArrowheads="1" noChangeShapeType="1"/>
-          </p:cNvCxnSpPr>
-          <p:nvPr>
-            <p:extLst>
-              <p:ext uri="{386F3935-93C4-4BCD-93E2-E3B085C9AB24}">
-                <p16:designElem xmlns:p16="http://schemas.microsoft.com/office/powerpoint/2015/main" val="1"/>
-              </p:ext>
-            </p:extLst>
-          </p:nvPr>
-        </p:nvCxnSpPr>
-        <p:spPr>
-          <a:xfrm>
-            <a:off x="1453896" y="1847088"/>
-            <a:ext cx="9607522" cy="0"/>
-          </a:xfrm>
-          <a:prstGeom prst="line">
-            <a:avLst/>
-          </a:prstGeom>
-          <a:ln w="31750"/>
-        </p:spPr>
-        <p:style>
-          <a:lnRef idx="3">
-            <a:schemeClr val="accent1"/>
-          </a:lnRef>
-          <a:fillRef idx="0">
-            <a:schemeClr val="accent1"/>
-          </a:fillRef>
-          <a:effectRef idx="2">
-            <a:schemeClr val="accent1"/>
-          </a:effectRef>
-          <a:fontRef idx="minor">
-            <a:schemeClr val="tx1"/>
-          </a:fontRef>
-        </p:style>
-      </p:cxnSp>
-      <p:sp useBgFill="1">
-        <p:nvSpPr>
-          <p:cNvPr id="17" name="Rectangle 16">
-            <a:extLst>
-              <a:ext uri="{FF2B5EF4-FFF2-40B4-BE49-F238E27FC236}">
-                <a16:creationId xmlns:a16="http://schemas.microsoft.com/office/drawing/2014/main" id="{5C1C8E8D-F90C-4CE0-B013-CBAC6E4D7690}"/>
-              </a:ext>
-              <a:ext uri="{C183D7F6-B498-43B3-948B-1728B52AA6E4}">
-                <adec:decorative xmlns:adec="http://schemas.microsoft.com/office/drawing/2017/decorative" val="1"/>
-              </a:ext>
-            </a:extLst>
-          </p:cNvPr>
-          <p:cNvSpPr>
-            <a:spLocks noGrp="1" noRot="1" noChangeAspect="1" noMove="1" noResize="1" noEditPoints="1" noAdjustHandles="1" noChangeArrowheads="1" noChangeShapeType="1" noTextEdit="1"/>
-          </p:cNvSpPr>
-          <p:nvPr>
-            <p:extLst>
-              <p:ext uri="{386F3935-93C4-4BCD-93E2-E3B085C9AB24}">
-                <p16:designElem xmlns:p16="http://schemas.microsoft.com/office/powerpoint/2015/main" val="1"/>
-              </p:ext>
-            </p:extLst>
-          </p:nvPr>
-        </p:nvSpPr>
-        <p:spPr>
-          <a:xfrm>
-            <a:off x="2" y="0"/>
-            <a:ext cx="12191695" cy="6858000"/>
-          </a:xfrm>
-          <a:prstGeom prst="rect">
-            <a:avLst/>
-          </a:prstGeom>
-          <a:ln>
-            <a:noFill/>
-          </a:ln>
-        </p:spPr>
-        <p:style>
-          <a:lnRef idx="2">
-            <a:schemeClr val="accent1">
-              <a:shade val="50000"/>
-            </a:schemeClr>
-          </a:lnRef>
-          <a:fillRef idx="1">
-            <a:schemeClr val="accent1"/>
-          </a:fillRef>
-          <a:effectRef idx="0">
-            <a:schemeClr val="accent1"/>
-          </a:effectRef>
-          <a:fontRef idx="minor">
-            <a:schemeClr val="lt1"/>
-          </a:fontRef>
-        </p:style>
-        <p:txBody>
-          <a:bodyPr rtlCol="0" anchor="ctr"/>
-          <a:lstStyle/>
-          <a:p>
-            <a:pPr algn="ctr"/>
+          <p:cNvSpPr>
+            <a:spLocks noGrp="1"/>
+          </p:cNvSpPr>
+          <p:nvPr>
+            <p:ph idx="1"/>
+          </p:nvPr>
+        </p:nvSpPr>
+        <p:spPr/>
+        <p:txBody>
+          <a:bodyPr/>
+          <a:lstStyle/>
+          <a:p>
             <a:endParaRPr lang="en-US"/>
           </a:p>
         </p:txBody>
       </p:sp>
-      <p:sp>
-        <p:nvSpPr>
-          <p:cNvPr id="19" name="Rectangle 18">
-            <a:extLst>
-              <a:ext uri="{FF2B5EF4-FFF2-40B4-BE49-F238E27FC236}">
-                <a16:creationId xmlns:a16="http://schemas.microsoft.com/office/drawing/2014/main" id="{256B2D4F-5C3C-4930-9E59-5624E50633A5}"/>
-              </a:ext>
-              <a:ext uri="{C183D7F6-B498-43B3-948B-1728B52AA6E4}">
-                <adec:decorative xmlns:adec="http://schemas.microsoft.com/office/drawing/2017/decorative" val="1"/>
-              </a:ext>
-            </a:extLst>
-          </p:cNvPr>
-          <p:cNvSpPr>
-            <a:spLocks noGrp="1" noRot="1" noChangeAspect="1" noMove="1" noResize="1" noEditPoints="1" noAdjustHandles="1" noChangeArrowheads="1" noChangeShapeType="1" noTextEdit="1"/>
-          </p:cNvSpPr>
-          <p:nvPr>
-            <p:extLst>
-              <p:ext uri="{386F3935-93C4-4BCD-93E2-E3B085C9AB24}">
-                <p16:designElem xmlns:p16="http://schemas.microsoft.com/office/powerpoint/2015/main" val="1"/>
-              </p:ext>
-            </p:extLst>
-          </p:nvPr>
-        </p:nvSpPr>
-        <p:spPr>
-          <a:xfrm>
-            <a:off x="0" y="2019476"/>
-            <a:ext cx="12192000" cy="4105941"/>
-          </a:xfrm>
-          <a:prstGeom prst="rect">
-            <a:avLst/>
-          </a:prstGeom>
-          <a:gradFill flip="none" rotWithShape="1">
-            <a:gsLst>
-              <a:gs pos="0">
-                <a:schemeClr val="bg2">
-                  <a:alpha val="0"/>
-                </a:schemeClr>
-              </a:gs>
-              <a:gs pos="100000">
-                <a:schemeClr val="bg2"/>
-              </a:gs>
-            </a:gsLst>
-            <a:lin ang="5400000" scaled="0"/>
-            <a:tileRect/>
-          </a:gradFill>
-          <a:ln>
-            <a:noFill/>
-          </a:ln>
-        </p:spPr>
-        <p:style>
-          <a:lnRef idx="2">
-            <a:schemeClr val="accent1">
-              <a:shade val="50000"/>
-            </a:schemeClr>
-          </a:lnRef>
-          <a:fillRef idx="1">
-            <a:schemeClr val="accent1"/>
-          </a:fillRef>
-          <a:effectRef idx="0">
-            <a:schemeClr val="accent1"/>
-          </a:effectRef>
-          <a:fontRef idx="minor">
-            <a:schemeClr val="lt1"/>
-          </a:fontRef>
-        </p:style>
-        <p:txBody>
-          <a:bodyPr rtlCol="0" anchor="ctr"/>
-          <a:lstStyle/>
-          <a:p>
-            <a:pPr lvl="0" algn="ctr"/>
-            <a:endParaRPr lang="en-US"/>
-          </a:p>
-        </p:txBody>
-      </p:sp>
-      <p:sp>
-        <p:nvSpPr>
-          <p:cNvPr id="2" name="Title 1">
-            <a:extLst>
-              <a:ext uri="{FF2B5EF4-FFF2-40B4-BE49-F238E27FC236}">
-                <a16:creationId xmlns:a16="http://schemas.microsoft.com/office/drawing/2014/main" id="{36827B44-F171-45F6-A33E-24943375FF73}"/>
-              </a:ext>
-            </a:extLst>
-          </p:cNvPr>
-          <p:cNvSpPr>
-            <a:spLocks noGrp="1"/>
-          </p:cNvSpPr>
-          <p:nvPr>
-            <p:ph type="title"/>
-          </p:nvPr>
-        </p:nvSpPr>
-        <p:spPr>
-          <a:xfrm>
-            <a:off x="661251" y="1474970"/>
-            <a:ext cx="2821967" cy="3144914"/>
-          </a:xfrm>
-        </p:spPr>
-        <p:txBody>
-          <a:bodyPr vert="horz" lIns="91440" tIns="45720" rIns="91440" bIns="45720" rtlCol="0" anchor="ctr">
-            <a:normAutofit/>
-          </a:bodyPr>
-          <a:lstStyle/>
-          <a:p>
-            <a:r>
-              <a:rPr lang="en-US" dirty="0"/>
-              <a:t>Session code</a:t>
-            </a:r>
-          </a:p>
-        </p:txBody>
-      </p:sp>
-      <p:grpSp>
-        <p:nvGrpSpPr>
-          <p:cNvPr id="21" name="Group 20">
-            <a:extLst>
-              <a:ext uri="{FF2B5EF4-FFF2-40B4-BE49-F238E27FC236}">
-                <a16:creationId xmlns:a16="http://schemas.microsoft.com/office/drawing/2014/main" id="{611721EC-7249-4412-ACE9-7752CF201736}"/>
-              </a:ext>
-              <a:ext uri="{C183D7F6-B498-43B3-948B-1728B52AA6E4}">
-                <adec:decorative xmlns:adec="http://schemas.microsoft.com/office/drawing/2017/decorative" val="1"/>
-              </a:ext>
-            </a:extLst>
-          </p:cNvPr>
-          <p:cNvGrpSpPr>
-            <a:grpSpLocks noGrp="1" noUngrp="1" noRot="1" noChangeAspect="1" noMove="1" noResize="1"/>
-          </p:cNvGrpSpPr>
-          <p:nvPr>
-            <p:extLst>
-              <p:ext uri="{386F3935-93C4-4BCD-93E2-E3B085C9AB24}">
-                <p16:designElem xmlns:p16="http://schemas.microsoft.com/office/powerpoint/2015/main" val="1"/>
-              </p:ext>
-            </p:extLst>
-          </p:nvPr>
-        </p:nvGrpSpPr>
-        <p:grpSpPr>
-          <a:xfrm>
-            <a:off x="3979388" y="482170"/>
-            <a:ext cx="7560115" cy="5149101"/>
-            <a:chOff x="7463258" y="583365"/>
-            <a:chExt cx="7560115" cy="5181928"/>
-          </a:xfrm>
-        </p:grpSpPr>
-        <p:sp>
-          <p:nvSpPr>
-            <p:cNvPr id="22" name="Rectangle 21">
-              <a:extLst>
-                <a:ext uri="{FF2B5EF4-FFF2-40B4-BE49-F238E27FC236}">
-                  <a16:creationId xmlns:a16="http://schemas.microsoft.com/office/drawing/2014/main" id="{8DCCC7A4-5D61-41EA-82D7-5D59C1F1C437}"/>
-                </a:ext>
-                <a:ext uri="{C183D7F6-B498-43B3-948B-1728B52AA6E4}">
-                  <adec:decorative xmlns:adec="http://schemas.microsoft.com/office/drawing/2017/decorative" val="1"/>
-                </a:ext>
-              </a:extLst>
-            </p:cNvPr>
-            <p:cNvSpPr/>
-            <p:nvPr>
-              <p:extLst>
-                <p:ext uri="{386F3935-93C4-4BCD-93E2-E3B085C9AB24}">
-                  <p16:designElem xmlns:p16="http://schemas.microsoft.com/office/powerpoint/2015/main" val="1"/>
-                </p:ext>
-              </p:extLst>
-            </p:nvPr>
-          </p:nvSpPr>
-          <p:spPr>
-            <a:xfrm>
-              <a:off x="7463258" y="583365"/>
-              <a:ext cx="7560115" cy="5181928"/>
-            </a:xfrm>
-            <a:prstGeom prst="rect">
-              <a:avLst/>
-            </a:prstGeom>
-            <a:gradFill>
-              <a:gsLst>
-                <a:gs pos="0">
-                  <a:srgbClr val="000001"/>
-                </a:gs>
-                <a:gs pos="100000">
-                  <a:srgbClr val="191919"/>
-                </a:gs>
-              </a:gsLst>
-            </a:gradFill>
-            <a:ln w="76200" cmpd="sng">
-              <a:noFill/>
-              <a:miter lim="800000"/>
-            </a:ln>
-            <a:effectLst>
-              <a:outerShdw blurRad="127000" dist="228600" dir="4740000" sx="98000" sy="98000" algn="tl" rotWithShape="0">
-                <a:srgbClr val="000000">
-                  <a:alpha val="34000"/>
-                </a:srgbClr>
-              </a:outerShdw>
-            </a:effectLst>
-            <a:scene3d>
-              <a:camera prst="orthographicFront"/>
-              <a:lightRig rig="threePt" dir="t"/>
-            </a:scene3d>
-            <a:sp3d>
-              <a:bevelT w="152400" h="50800" prst="softRound"/>
-            </a:sp3d>
-          </p:spPr>
-          <p:style>
-            <a:lnRef idx="1">
-              <a:schemeClr val="accent1"/>
-            </a:lnRef>
-            <a:fillRef idx="3">
-              <a:schemeClr val="accent1"/>
-            </a:fillRef>
-            <a:effectRef idx="2">
-              <a:schemeClr val="accent1"/>
-            </a:effectRef>
-            <a:fontRef idx="minor">
-              <a:schemeClr val="lt1"/>
-            </a:fontRef>
-          </p:style>
-          <p:txBody>
-            <a:bodyPr rtlCol="0" anchor="ctr"/>
-            <a:lstStyle/>
-            <a:p>
-              <a:pPr algn="ctr"/>
-              <a:endParaRPr lang="en-US"/>
-            </a:p>
-          </p:txBody>
-        </p:sp>
-        <p:sp>
-          <p:nvSpPr>
-            <p:cNvPr id="23" name="Rectangle 22">
-              <a:extLst>
-                <a:ext uri="{FF2B5EF4-FFF2-40B4-BE49-F238E27FC236}">
-                  <a16:creationId xmlns:a16="http://schemas.microsoft.com/office/drawing/2014/main" id="{A16A4307-5009-41C2-B976-153F0A17E6EC}"/>
-                </a:ext>
-                <a:ext uri="{C183D7F6-B498-43B3-948B-1728B52AA6E4}">
-                  <adec:decorative xmlns:adec="http://schemas.microsoft.com/office/drawing/2017/decorative" val="1"/>
-                </a:ext>
-              </a:extLst>
-            </p:cNvPr>
-            <p:cNvSpPr/>
-            <p:nvPr>
-              <p:extLst>
-                <p:ext uri="{386F3935-93C4-4BCD-93E2-E3B085C9AB24}">
-                  <p16:designElem xmlns:p16="http://schemas.microsoft.com/office/powerpoint/2015/main" val="1"/>
-                </p:ext>
-              </p:extLst>
-            </p:nvPr>
-          </p:nvSpPr>
-          <p:spPr>
-            <a:xfrm>
-              <a:off x="7776317" y="915807"/>
-              <a:ext cx="6928279" cy="4494927"/>
-            </a:xfrm>
-            <a:prstGeom prst="rect">
-              <a:avLst/>
-            </a:prstGeom>
-            <a:gradFill>
-              <a:gsLst>
-                <a:gs pos="0">
-                  <a:srgbClr val="DADADA"/>
-                </a:gs>
-                <a:gs pos="100000">
-                  <a:srgbClr val="FFFFFE"/>
-                </a:gs>
-              </a:gsLst>
-              <a:lin ang="16200000" scaled="0"/>
-            </a:gradFill>
-            <a:ln w="50800" cmpd="sng">
-              <a:solidFill>
-                <a:srgbClr val="191919"/>
-              </a:solidFill>
-              <a:miter lim="800000"/>
-            </a:ln>
-            <a:effectLst>
-              <a:innerShdw blurRad="63500" dist="88900" dir="14100000">
-                <a:srgbClr val="000000">
-                  <a:alpha val="30000"/>
-                </a:srgbClr>
-              </a:innerShdw>
-            </a:effectLst>
-            <a:scene3d>
-              <a:camera prst="orthographicFront"/>
-              <a:lightRig rig="threePt" dir="t"/>
-            </a:scene3d>
-            <a:sp3d>
-              <a:bevelT prst="relaxedInset"/>
-            </a:sp3d>
-          </p:spPr>
-          <p:style>
-            <a:lnRef idx="1">
-              <a:schemeClr val="accent1"/>
-            </a:lnRef>
-            <a:fillRef idx="3">
-              <a:schemeClr val="accent1"/>
-            </a:fillRef>
-            <a:effectRef idx="2">
-              <a:schemeClr val="accent1"/>
-            </a:effectRef>
-            <a:fontRef idx="minor">
-              <a:schemeClr val="lt1"/>
-            </a:fontRef>
-          </p:style>
-          <p:txBody>
-            <a:bodyPr rtlCol="0" anchor="ctr"/>
-            <a:lstStyle/>
-            <a:p>
-              <a:pPr algn="ctr"/>
-              <a:endParaRPr lang="en-US"/>
-            </a:p>
-          </p:txBody>
-        </p:sp>
-      </p:grpSp>
-      <p:pic>
-        <p:nvPicPr>
-          <p:cNvPr id="4" name="Picture 3">
-            <a:extLst>
-              <a:ext uri="{FF2B5EF4-FFF2-40B4-BE49-F238E27FC236}">
-                <a16:creationId xmlns:a16="http://schemas.microsoft.com/office/drawing/2014/main" id="{D22F9BDE-2BF9-4EFE-90A8-E2E2EBD6849B}"/>
-              </a:ext>
-            </a:extLst>
-          </p:cNvPr>
-          <p:cNvPicPr>
-            <a:picLocks noChangeAspect="1"/>
-          </p:cNvPicPr>
-          <p:nvPr/>
-        </p:nvPicPr>
-        <p:blipFill rotWithShape="1">
-          <a:blip r:embed="rId3">
-            <a:extLst>
-              <a:ext uri="{28A0092B-C50C-407E-A947-70E740481C1C}">
-                <a14:useLocalDpi xmlns:a14="http://schemas.microsoft.com/office/drawing/2010/main" val="0"/>
-              </a:ext>
-            </a:extLst>
-          </a:blip>
-          <a:srcRect r="869"/>
-          <a:stretch/>
-        </p:blipFill>
-        <p:spPr>
-          <a:xfrm>
-            <a:off x="4383093" y="971565"/>
-            <a:ext cx="6518198" cy="4010951"/>
-          </a:xfrm>
-          <a:prstGeom prst="rect">
-            <a:avLst/>
-          </a:prstGeom>
-        </p:spPr>
-      </p:pic>
-      <p:pic>
-        <p:nvPicPr>
-          <p:cNvPr id="25" name="Picture 24">
-            <a:extLst>
-              <a:ext uri="{FF2B5EF4-FFF2-40B4-BE49-F238E27FC236}">
-                <a16:creationId xmlns:a16="http://schemas.microsoft.com/office/drawing/2014/main" id="{1E6480F6-B743-4137-9D81-70DA7E0B6454}"/>
-              </a:ext>
-              <a:ext uri="{C183D7F6-B498-43B3-948B-1728B52AA6E4}">
-                <adec:decorative xmlns:adec="http://schemas.microsoft.com/office/drawing/2017/decorative" val="1"/>
-              </a:ext>
-            </a:extLst>
-          </p:cNvPr>
-          <p:cNvPicPr>
-            <a:picLocks noGrp="1" noRot="1" noChangeAspect="1" noMove="1" noResize="1" noEditPoints="1" noAdjustHandles="1" noChangeArrowheads="1" noChangeShapeType="1" noCrop="1"/>
-          </p:cNvPicPr>
-          <p:nvPr>
-            <p:extLst>
-              <p:ext uri="{386F3935-93C4-4BCD-93E2-E3B085C9AB24}">
-                <p16:designElem xmlns:p16="http://schemas.microsoft.com/office/powerpoint/2015/main" val="1"/>
-              </p:ext>
-            </p:extLst>
-          </p:nvPr>
-        </p:nvPicPr>
-        <p:blipFill rotWithShape="1">
-          <a:blip r:embed="rId2">
-            <a:extLst>
-              <a:ext uri="{28A0092B-C50C-407E-A947-70E740481C1C}">
-                <a14:useLocalDpi xmlns:a14="http://schemas.microsoft.com/office/drawing/2010/main" val="0"/>
-              </a:ext>
-            </a:extLst>
-          </a:blip>
-          <a:srcRect t="1538" b="-1538"/>
-          <a:stretch/>
-        </p:blipFill>
-        <p:spPr bwMode="black">
-          <a:xfrm>
-            <a:off x="0" y="6126480"/>
-            <a:ext cx="12192000" cy="742950"/>
-          </a:xfrm>
-          <a:prstGeom prst="rect">
-            <a:avLst/>
-          </a:prstGeom>
-        </p:spPr>
-      </p:pic>
-      <p:cxnSp>
-        <p:nvCxnSpPr>
-          <p:cNvPr id="27" name="Straight Connector 26">
-            <a:extLst>
-              <a:ext uri="{FF2B5EF4-FFF2-40B4-BE49-F238E27FC236}">
-                <a16:creationId xmlns:a16="http://schemas.microsoft.com/office/drawing/2014/main" id="{6729B337-89A8-4A06-ADF2-C2CB930A96F6}"/>
-              </a:ext>
-              <a:ext uri="{C183D7F6-B498-43B3-948B-1728B52AA6E4}">
-                <adec:decorative xmlns:adec="http://schemas.microsoft.com/office/drawing/2017/decorative" val="1"/>
-              </a:ext>
-            </a:extLst>
-          </p:cNvPr>
-          <p:cNvCxnSpPr>
-            <a:cxnSpLocks noGrp="1" noRot="1" noChangeAspect="1" noMove="1" noResize="1" noEditPoints="1" noAdjustHandles="1" noChangeArrowheads="1" noChangeShapeType="1"/>
-          </p:cNvCxnSpPr>
-          <p:nvPr>
-            <p:extLst>
-              <p:ext uri="{386F3935-93C4-4BCD-93E2-E3B085C9AB24}">
-                <p16:designElem xmlns:p16="http://schemas.microsoft.com/office/powerpoint/2015/main" val="1"/>
-              </p:ext>
-            </p:extLst>
-          </p:nvPr>
-        </p:nvCxnSpPr>
-        <p:spPr>
-          <a:xfrm>
-            <a:off x="0" y="6128413"/>
-            <a:ext cx="12192000" cy="0"/>
-          </a:xfrm>
-          <a:prstGeom prst="line">
-            <a:avLst/>
-          </a:prstGeom>
-          <a:ln w="12700">
-            <a:solidFill>
-              <a:srgbClr val="000001">
-                <a:alpha val="20000"/>
-              </a:srgbClr>
-            </a:solidFill>
-          </a:ln>
-        </p:spPr>
-        <p:style>
-          <a:lnRef idx="1">
-            <a:schemeClr val="accent1"/>
-          </a:lnRef>
-          <a:fillRef idx="0">
-            <a:schemeClr val="accent1"/>
-          </a:fillRef>
-          <a:effectRef idx="0">
-            <a:schemeClr val="accent1"/>
-          </a:effectRef>
-          <a:fontRef idx="minor">
-            <a:schemeClr val="tx1"/>
-          </a:fontRef>
-        </p:style>
-      </p:cxnSp>
     </p:spTree>
     <p:extLst>
       <p:ext uri="{BB962C8B-B14F-4D97-AF65-F5344CB8AC3E}">
-        <p14:creationId xmlns:p14="http://schemas.microsoft.com/office/powerpoint/2010/main" val="4268949212"/>
+        <p14:creationId xmlns:p14="http://schemas.microsoft.com/office/powerpoint/2010/main" val="1268565097"/>
       </p:ext>
     </p:extLst>
   </p:cSld>
